--- a/ppt/FitAI-Pro_CSM.pptx
+++ b/ppt/FitAI-Pro_CSM.pptx
@@ -5,7 +5,7 @@
     <p:sldMasterId id="2147483648" r:id="rId1"/>
   </p:sldMasterIdLst>
   <p:notesMasterIdLst>
-    <p:notesMasterId r:id="rId25"/>
+    <p:notesMasterId r:id="rId32"/>
   </p:notesMasterIdLst>
   <p:sldIdLst>
     <p:sldId id="256" r:id="rId2"/>
@@ -16,21 +16,28 @@
     <p:sldId id="264" r:id="rId7"/>
     <p:sldId id="269" r:id="rId8"/>
     <p:sldId id="270" r:id="rId9"/>
-    <p:sldId id="273" r:id="rId10"/>
+    <p:sldId id="303" r:id="rId10"/>
     <p:sldId id="274" r:id="rId11"/>
     <p:sldId id="275" r:id="rId12"/>
     <p:sldId id="293" r:id="rId13"/>
     <p:sldId id="294" r:id="rId14"/>
     <p:sldId id="272" r:id="rId15"/>
-    <p:sldId id="277" r:id="rId16"/>
-    <p:sldId id="276" r:id="rId17"/>
-    <p:sldId id="279" r:id="rId18"/>
-    <p:sldId id="292" r:id="rId19"/>
-    <p:sldId id="280" r:id="rId20"/>
-    <p:sldId id="295" r:id="rId21"/>
-    <p:sldId id="297" r:id="rId22"/>
-    <p:sldId id="287" r:id="rId23"/>
-    <p:sldId id="296" r:id="rId24"/>
+    <p:sldId id="262" r:id="rId16"/>
+    <p:sldId id="277" r:id="rId17"/>
+    <p:sldId id="276" r:id="rId18"/>
+    <p:sldId id="279" r:id="rId19"/>
+    <p:sldId id="304" r:id="rId20"/>
+    <p:sldId id="292" r:id="rId21"/>
+    <p:sldId id="280" r:id="rId22"/>
+    <p:sldId id="295" r:id="rId23"/>
+    <p:sldId id="297" r:id="rId24"/>
+    <p:sldId id="287" r:id="rId25"/>
+    <p:sldId id="296" r:id="rId26"/>
+    <p:sldId id="302" r:id="rId27"/>
+    <p:sldId id="301" r:id="rId28"/>
+    <p:sldId id="298" r:id="rId29"/>
+    <p:sldId id="299" r:id="rId30"/>
+    <p:sldId id="300" r:id="rId31"/>
   </p:sldIdLst>
   <p:sldSz cx="18288000" cy="10287000"/>
   <p:notesSz cx="6858000" cy="9144000"/>
@@ -586,7 +593,13 @@
   <p:cSld>
     <p:spTree>
       <p:nvGrpSpPr>
-        <p:cNvPr id="1" name=""/>
+        <p:cNvPr id="1" name="">
+          <a:extLst>
+            <a:ext uri="{FF2B5EF4-FFF2-40B4-BE49-F238E27FC236}">
+              <a16:creationId xmlns:a16="http://schemas.microsoft.com/office/drawing/2014/main" id="{FC4707F8-7863-B05F-4048-E05D1D2D9D99}"/>
+            </a:ext>
+          </a:extLst>
+        </p:cNvPr>
         <p:cNvGrpSpPr/>
         <p:nvPr/>
       </p:nvGrpSpPr>
@@ -600,7 +613,13 @@
       </p:grpSpPr>
       <p:sp>
         <p:nvSpPr>
-          <p:cNvPr id="2" name="슬라이드 이미지 개체 틀 1"/>
+          <p:cNvPr id="2" name="슬라이드 이미지 개체 틀 1">
+            <a:extLst>
+              <a:ext uri="{FF2B5EF4-FFF2-40B4-BE49-F238E27FC236}">
+                <a16:creationId xmlns:a16="http://schemas.microsoft.com/office/drawing/2014/main" id="{583E5168-6429-4AB1-F467-036203C00756}"/>
+              </a:ext>
+            </a:extLst>
+          </p:cNvPr>
           <p:cNvSpPr>
             <a:spLocks noGrp="1" noRot="1" noChangeAspect="1"/>
           </p:cNvSpPr>
@@ -612,7 +631,13 @@
       </p:sp>
       <p:sp>
         <p:nvSpPr>
-          <p:cNvPr id="3" name="슬라이드 노트 개체 틀 2"/>
+          <p:cNvPr id="3" name="슬라이드 노트 개체 틀 2">
+            <a:extLst>
+              <a:ext uri="{FF2B5EF4-FFF2-40B4-BE49-F238E27FC236}">
+                <a16:creationId xmlns:a16="http://schemas.microsoft.com/office/drawing/2014/main" id="{B763776E-D1EB-0594-E668-99788EF90260}"/>
+              </a:ext>
+            </a:extLst>
+          </p:cNvPr>
           <p:cNvSpPr>
             <a:spLocks noGrp="1"/>
           </p:cNvSpPr>
@@ -631,7 +656,13 @@
       </p:sp>
       <p:sp>
         <p:nvSpPr>
-          <p:cNvPr id="4" name="슬라이드 번호 개체 틀 3"/>
+          <p:cNvPr id="4" name="슬라이드 번호 개체 틀 3">
+            <a:extLst>
+              <a:ext uri="{FF2B5EF4-FFF2-40B4-BE49-F238E27FC236}">
+                <a16:creationId xmlns:a16="http://schemas.microsoft.com/office/drawing/2014/main" id="{E6D01E45-071C-FB68-93FE-AC966493ED37}"/>
+              </a:ext>
+            </a:extLst>
+          </p:cNvPr>
           <p:cNvSpPr>
             <a:spLocks noGrp="1"/>
           </p:cNvSpPr>
@@ -655,7 +686,7 @@
     </p:spTree>
     <p:extLst>
       <p:ext uri="{BB962C8B-B14F-4D97-AF65-F5344CB8AC3E}">
-        <p14:creationId xmlns:p14="http://schemas.microsoft.com/office/powerpoint/2010/main" val="1549131685"/>
+        <p14:creationId xmlns:p14="http://schemas.microsoft.com/office/powerpoint/2010/main" val="1626986461"/>
       </p:ext>
     </p:extLst>
   </p:cSld>
@@ -1186,7 +1217,7 @@
           <a:p>
             <a:fld id="{8ECB54B5-FB8D-4F5C-BAC9-A73677CF1451}" type="slidenum">
               <a:rPr lang="ko-KR" altLang="en-US" smtClean="0"/>
-              <a:t>15</a:t>
+              <a:t>16</a:t>
             </a:fld>
             <a:endParaRPr lang="ko-KR" altLang="en-US"/>
           </a:p>
@@ -1196,6 +1227,114 @@
     <p:extLst>
       <p:ext uri="{BB962C8B-B14F-4D97-AF65-F5344CB8AC3E}">
         <p14:creationId xmlns:p14="http://schemas.microsoft.com/office/powerpoint/2010/main" val="3852818041"/>
+      </p:ext>
+    </p:extLst>
+  </p:cSld>
+  <p:clrMapOvr>
+    <a:masterClrMapping/>
+  </p:clrMapOvr>
+</p:notes>
+</file>
+
+<file path=ppt/notesSlides/notesSlide8.xml><?xml version="1.0" encoding="utf-8"?>
+<p:notes xmlns:a="http://schemas.openxmlformats.org/drawingml/2006/main" xmlns:r="http://schemas.openxmlformats.org/officeDocument/2006/relationships" xmlns:p="http://schemas.openxmlformats.org/presentationml/2006/main">
+  <p:cSld>
+    <p:spTree>
+      <p:nvGrpSpPr>
+        <p:cNvPr id="1" name="">
+          <a:extLst>
+            <a:ext uri="{FF2B5EF4-FFF2-40B4-BE49-F238E27FC236}">
+              <a16:creationId xmlns:a16="http://schemas.microsoft.com/office/drawing/2014/main" id="{06DC4954-516B-11A4-1AD1-1F4164300E6E}"/>
+            </a:ext>
+          </a:extLst>
+        </p:cNvPr>
+        <p:cNvGrpSpPr/>
+        <p:nvPr/>
+      </p:nvGrpSpPr>
+      <p:grpSpPr>
+        <a:xfrm>
+          <a:off x="0" y="0"/>
+          <a:ext cx="0" cy="0"/>
+          <a:chOff x="0" y="0"/>
+          <a:chExt cx="0" cy="0"/>
+        </a:xfrm>
+      </p:grpSpPr>
+      <p:sp>
+        <p:nvSpPr>
+          <p:cNvPr id="2" name="슬라이드 이미지 개체 틀 1">
+            <a:extLst>
+              <a:ext uri="{FF2B5EF4-FFF2-40B4-BE49-F238E27FC236}">
+                <a16:creationId xmlns:a16="http://schemas.microsoft.com/office/drawing/2014/main" id="{1CB0D404-C4C3-3AF1-2D31-C164D0487529}"/>
+              </a:ext>
+            </a:extLst>
+          </p:cNvPr>
+          <p:cNvSpPr>
+            <a:spLocks noGrp="1" noRot="1" noChangeAspect="1"/>
+          </p:cNvSpPr>
+          <p:nvPr>
+            <p:ph type="sldImg"/>
+          </p:nvPr>
+        </p:nvSpPr>
+        <p:spPr/>
+      </p:sp>
+      <p:sp>
+        <p:nvSpPr>
+          <p:cNvPr id="3" name="슬라이드 노트 개체 틀 2">
+            <a:extLst>
+              <a:ext uri="{FF2B5EF4-FFF2-40B4-BE49-F238E27FC236}">
+                <a16:creationId xmlns:a16="http://schemas.microsoft.com/office/drawing/2014/main" id="{D0FD2C1D-4059-A066-798A-02A69CFF072F}"/>
+              </a:ext>
+            </a:extLst>
+          </p:cNvPr>
+          <p:cNvSpPr>
+            <a:spLocks noGrp="1"/>
+          </p:cNvSpPr>
+          <p:nvPr>
+            <p:ph type="body" idx="1"/>
+          </p:nvPr>
+        </p:nvSpPr>
+        <p:spPr/>
+        <p:txBody>
+          <a:bodyPr/>
+          <a:lstStyle/>
+          <a:p>
+            <a:endParaRPr lang="ko-KR" altLang="en-US" dirty="0"/>
+          </a:p>
+        </p:txBody>
+      </p:sp>
+      <p:sp>
+        <p:nvSpPr>
+          <p:cNvPr id="4" name="슬라이드 번호 개체 틀 3">
+            <a:extLst>
+              <a:ext uri="{FF2B5EF4-FFF2-40B4-BE49-F238E27FC236}">
+                <a16:creationId xmlns:a16="http://schemas.microsoft.com/office/drawing/2014/main" id="{DE4F66E2-9E3F-03E7-70EC-9202C44977F4}"/>
+              </a:ext>
+            </a:extLst>
+          </p:cNvPr>
+          <p:cNvSpPr>
+            <a:spLocks noGrp="1"/>
+          </p:cNvSpPr>
+          <p:nvPr>
+            <p:ph type="sldNum" sz="quarter" idx="5"/>
+          </p:nvPr>
+        </p:nvSpPr>
+        <p:spPr/>
+        <p:txBody>
+          <a:bodyPr/>
+          <a:lstStyle/>
+          <a:p>
+            <a:fld id="{8ECB54B5-FB8D-4F5C-BAC9-A73677CF1451}" type="slidenum">
+              <a:rPr lang="ko-KR" altLang="en-US" smtClean="0"/>
+              <a:t>27</a:t>
+            </a:fld>
+            <a:endParaRPr lang="ko-KR" altLang="en-US"/>
+          </a:p>
+        </p:txBody>
+      </p:sp>
+    </p:spTree>
+    <p:extLst>
+      <p:ext uri="{BB962C8B-B14F-4D97-AF65-F5344CB8AC3E}">
+        <p14:creationId xmlns:p14="http://schemas.microsoft.com/office/powerpoint/2010/main" val="2404297901"/>
       </p:ext>
     </p:extLst>
   </p:cSld>
@@ -4820,7 +4959,7 @@
         </p:blipFill>
         <p:spPr>
           <a:xfrm>
-            <a:off x="8653149" y="3775118"/>
+            <a:off x="8649870" y="3241718"/>
             <a:ext cx="8637945" cy="4568782"/>
           </a:xfrm>
           <a:prstGeom prst="rect">
@@ -4843,7 +4982,7 @@
         <p:spPr>
           <a:xfrm>
             <a:off x="1362651" y="7029023"/>
-            <a:ext cx="6859570" cy="707886"/>
+            <a:ext cx="6859570" cy="1631216"/>
           </a:xfrm>
           <a:prstGeom prst="rect">
             <a:avLst/>
@@ -4891,6 +5030,60 @@
               </a:rPr>
               <a:t>이라는 컬럼명으로 체형 구분</a:t>
             </a:r>
+            <a:endParaRPr lang="en-US" altLang="ko-KR" sz="2000" b="1" dirty="0">
+              <a:latin typeface="+mj-lt"/>
+            </a:endParaRPr>
+          </a:p>
+          <a:p>
+            <a:endParaRPr lang="en-US" altLang="ko-KR" sz="2000" b="1" dirty="0">
+              <a:latin typeface="+mj-lt"/>
+            </a:endParaRPr>
+          </a:p>
+          <a:p>
+            <a:r>
+              <a:rPr lang="ko-KR" altLang="en-US" sz="2000" b="1" dirty="0">
+                <a:latin typeface="+mj-lt"/>
+              </a:rPr>
+              <a:t>신체 정보 데이터는</a:t>
+            </a:r>
+            <a:r>
+              <a:rPr lang="en-US" altLang="ko-KR" sz="2000" b="1" dirty="0">
+                <a:latin typeface="+mj-lt"/>
+              </a:rPr>
+              <a:t>: </a:t>
+            </a:r>
+            <a:r>
+              <a:rPr lang="ko-KR" altLang="en-US" sz="2000" b="1" dirty="0">
+                <a:latin typeface="+mj-lt"/>
+              </a:rPr>
+              <a:t>회귀 분석에서 사용할 종속변수</a:t>
+            </a:r>
+            <a:endParaRPr lang="en-US" altLang="ko-KR" sz="2000" b="1" dirty="0">
+              <a:latin typeface="+mj-lt"/>
+            </a:endParaRPr>
+          </a:p>
+          <a:p>
+            <a:r>
+              <a:rPr lang="ko-KR" altLang="en-US" sz="2000" b="1" dirty="0">
+                <a:latin typeface="+mj-lt"/>
+              </a:rPr>
+              <a:t>분류할 체형</a:t>
+            </a:r>
+            <a:r>
+              <a:rPr lang="en-US" altLang="ko-KR" sz="2000" b="1" dirty="0">
+                <a:latin typeface="+mj-lt"/>
+              </a:rPr>
+              <a:t>:</a:t>
+            </a:r>
+            <a:r>
+              <a:rPr lang="ko-KR" altLang="en-US" sz="2000" b="1" dirty="0">
+                <a:latin typeface="+mj-lt"/>
+              </a:rPr>
+              <a:t> 분류 분석에서 사용할 종속변수 </a:t>
+            </a:r>
+            <a:endParaRPr lang="en-US" altLang="ko-KR" sz="2000" b="1" dirty="0">
+              <a:latin typeface="+mj-lt"/>
+            </a:endParaRPr>
           </a:p>
         </p:txBody>
       </p:sp>
@@ -4908,8 +5101,8 @@
         </p:nvSpPr>
         <p:spPr>
           <a:xfrm>
-            <a:off x="9830125" y="3775118"/>
-            <a:ext cx="6095676" cy="4568782"/>
+            <a:off x="10740921" y="3241718"/>
+            <a:ext cx="4343400" cy="4568782"/>
           </a:xfrm>
           <a:prstGeom prst="rect">
             <a:avLst/>
@@ -4960,8 +5153,8 @@
         </p:nvSpPr>
         <p:spPr>
           <a:xfrm>
-            <a:off x="9829800" y="3250168"/>
-            <a:ext cx="1444626" cy="369332"/>
+            <a:off x="10740921" y="2759910"/>
+            <a:ext cx="1800493" cy="369332"/>
           </a:xfrm>
           <a:prstGeom prst="rect">
             <a:avLst/>
@@ -4976,7 +5169,7 @@
           <a:p>
             <a:r>
               <a:rPr lang="ko-KR" altLang="en-US" b="1" dirty="0"/>
-              <a:t>부위별 둘레 </a:t>
+              <a:t>신체정보데이터</a:t>
             </a:r>
           </a:p>
         </p:txBody>
@@ -4995,7 +5188,7 @@
         </p:nvSpPr>
         <p:spPr>
           <a:xfrm>
-            <a:off x="16058072" y="3250168"/>
+            <a:off x="15922522" y="2742673"/>
             <a:ext cx="1391728" cy="369332"/>
           </a:xfrm>
           <a:prstGeom prst="rect">
@@ -5030,8 +5223,8 @@
         </p:nvSpPr>
         <p:spPr>
           <a:xfrm>
-            <a:off x="16306799" y="3771900"/>
-            <a:ext cx="914401" cy="4568782"/>
+            <a:off x="15922522" y="3238500"/>
+            <a:ext cx="1295399" cy="4568782"/>
           </a:xfrm>
           <a:prstGeom prst="rect">
             <a:avLst/>
@@ -6812,40 +7005,54 @@
               </a:lnSpc>
             </a:pPr>
             <a:r>
+              <a:rPr lang="en-US" sz="2500" b="0" i="0" u="none" strike="noStrike" dirty="0">
+                <a:solidFill>
+                  <a:srgbClr val="9E9E9E"/>
+                </a:solidFill>
+                <a:latin typeface="Pretendard Light"/>
+                <a:ea typeface="Pretendard Light"/>
+              </a:rPr>
+              <a:t>CV</a:t>
+            </a:r>
+            <a:r>
+              <a:rPr lang="en-US" sz="2500" dirty="0">
+                <a:solidFill>
+                  <a:srgbClr val="9E9E9E"/>
+                </a:solidFill>
+                <a:latin typeface="Pretendard Light"/>
+                <a:ea typeface="Pretendard Light"/>
+              </a:rPr>
+              <a:t>2 </a:t>
+            </a:r>
+            <a:r>
               <a:rPr lang="ko-KR" altLang="en-US" sz="2500" dirty="0">
                 <a:solidFill>
                   <a:srgbClr val="9E9E9E"/>
                 </a:solidFill>
+                <a:latin typeface="Pretendard Light"/>
                 <a:ea typeface="Pretendard Light"/>
               </a:rPr>
-              <a:t>학습</a:t>
-            </a:r>
-            <a:r>
-              <a:rPr lang="ko-KR" altLang="en-US" sz="2500" b="0" i="0" u="none" strike="noStrike" dirty="0">
+              <a:t>와 </a:t>
+            </a:r>
+            <a:r>
+              <a:rPr lang="en-US" altLang="ko-KR" sz="2500" dirty="0">
                 <a:solidFill>
                   <a:srgbClr val="9E9E9E"/>
                 </a:solidFill>
+                <a:latin typeface="Pretendard Light"/>
                 <a:ea typeface="Pretendard Light"/>
               </a:rPr>
-              <a:t>에 사용할 이미지</a:t>
-            </a:r>
-            <a:r>
-              <a:rPr lang="en-US" altLang="ko-KR" sz="2500" dirty="0">
+              <a:t>YOLO </a:t>
+            </a:r>
+            <a:r>
+              <a:rPr lang="ko-KR" altLang="en-US" sz="2500" dirty="0">
                 <a:solidFill>
                   <a:srgbClr val="9E9E9E"/>
                 </a:solidFill>
+                <a:latin typeface="Pretendard Light"/>
                 <a:ea typeface="Pretendard Light"/>
               </a:rPr>
-              <a:t> </a:t>
-            </a:r>
-            <a:r>
-              <a:rPr lang="ko-KR" altLang="en-US" sz="2500" dirty="0" err="1">
-                <a:solidFill>
-                  <a:srgbClr val="9E9E9E"/>
-                </a:solidFill>
-                <a:ea typeface="Pretendard Light"/>
-              </a:rPr>
-              <a:t>전처리</a:t>
+              <a:t>사용</a:t>
             </a:r>
             <a:endParaRPr lang="en-US" sz="2500" b="0" i="0" u="none" strike="noStrike" dirty="0">
               <a:solidFill>
@@ -8290,6 +8497,1029 @@
   <p:cSld>
     <p:spTree>
       <p:nvGrpSpPr>
+        <p:cNvPr id="1" name=""/>
+        <p:cNvGrpSpPr/>
+        <p:nvPr/>
+      </p:nvGrpSpPr>
+      <p:grpSpPr>
+        <a:xfrm>
+          <a:off x="0" y="0"/>
+          <a:ext cx="0" cy="0"/>
+          <a:chOff x="0" y="0"/>
+          <a:chExt cx="0" cy="0"/>
+        </a:xfrm>
+      </p:grpSpPr>
+      <p:pic>
+        <p:nvPicPr>
+          <p:cNvPr id="2" name="Picture 2"/>
+          <p:cNvPicPr>
+            <a:picLocks noChangeAspect="1"/>
+          </p:cNvPicPr>
+          <p:nvPr/>
+        </p:nvPicPr>
+        <p:blipFill>
+          <a:blip r:embed="rId2"/>
+          <a:stretch>
+            <a:fillRect/>
+          </a:stretch>
+        </p:blipFill>
+        <p:spPr>
+          <a:xfrm>
+            <a:off x="533400" y="482600"/>
+            <a:ext cx="17208500" cy="9309100"/>
+          </a:xfrm>
+          <a:prstGeom prst="rect">
+            <a:avLst/>
+          </a:prstGeom>
+          <a:effectLst>
+            <a:outerShdw blurRad="323758" dist="143241" dir="7080000">
+              <a:srgbClr val="393939">
+                <a:alpha val="30000"/>
+              </a:srgbClr>
+            </a:outerShdw>
+          </a:effectLst>
+        </p:spPr>
+      </p:pic>
+      <p:pic>
+        <p:nvPicPr>
+          <p:cNvPr id="3" name="Picture 3"/>
+          <p:cNvPicPr>
+            <a:picLocks noChangeAspect="1"/>
+          </p:cNvPicPr>
+          <p:nvPr/>
+        </p:nvPicPr>
+        <p:blipFill>
+          <a:blip r:embed="rId3"/>
+          <a:stretch>
+            <a:fillRect/>
+          </a:stretch>
+        </p:blipFill>
+        <p:spPr>
+          <a:xfrm>
+            <a:off x="533400" y="7429500"/>
+            <a:ext cx="17208500" cy="2374900"/>
+          </a:xfrm>
+          <a:prstGeom prst="rect">
+            <a:avLst/>
+          </a:prstGeom>
+        </p:spPr>
+      </p:pic>
+      <p:pic>
+        <p:nvPicPr>
+          <p:cNvPr id="4" name="Picture 4"/>
+          <p:cNvPicPr>
+            <a:picLocks noChangeAspect="1"/>
+          </p:cNvPicPr>
+          <p:nvPr/>
+        </p:nvPicPr>
+        <p:blipFill>
+          <a:blip r:embed="rId4"/>
+          <a:stretch>
+            <a:fillRect/>
+          </a:stretch>
+        </p:blipFill>
+        <p:spPr>
+          <a:xfrm>
+            <a:off x="1524000" y="6985000"/>
+            <a:ext cx="7454900" cy="1892300"/>
+          </a:xfrm>
+          <a:prstGeom prst="rect">
+            <a:avLst/>
+          </a:prstGeom>
+        </p:spPr>
+      </p:pic>
+      <p:pic>
+        <p:nvPicPr>
+          <p:cNvPr id="5" name="Picture 5"/>
+          <p:cNvPicPr>
+            <a:picLocks noChangeAspect="1"/>
+          </p:cNvPicPr>
+          <p:nvPr/>
+        </p:nvPicPr>
+        <p:blipFill>
+          <a:blip r:embed="rId5"/>
+          <a:stretch>
+            <a:fillRect/>
+          </a:stretch>
+        </p:blipFill>
+        <p:spPr>
+          <a:xfrm>
+            <a:off x="9309100" y="6972300"/>
+            <a:ext cx="7454900" cy="1917700"/>
+          </a:xfrm>
+          <a:prstGeom prst="rect">
+            <a:avLst/>
+          </a:prstGeom>
+        </p:spPr>
+      </p:pic>
+      <p:sp>
+        <p:nvSpPr>
+          <p:cNvPr id="6" name="TextBox 6"/>
+          <p:cNvSpPr txBox="1"/>
+          <p:nvPr/>
+        </p:nvSpPr>
+        <p:spPr>
+          <a:xfrm>
+            <a:off x="3289300" y="2044700"/>
+            <a:ext cx="11709400" cy="1244600"/>
+          </a:xfrm>
+          <a:prstGeom prst="rect">
+            <a:avLst/>
+          </a:prstGeom>
+        </p:spPr>
+        <p:txBody>
+          <a:bodyPr lIns="0" tIns="0" rIns="0" bIns="0" rtlCol="0" anchor="ctr"/>
+          <a:lstStyle/>
+          <a:p>
+            <a:pPr lvl="0" algn="ctr">
+              <a:lnSpc>
+                <a:spcPct val="86320"/>
+              </a:lnSpc>
+            </a:pPr>
+            <a:r>
+              <a:rPr lang="en-US" altLang="ko-KR" sz="7000" b="0" i="0" u="none" strike="noStrike" spc="-100" dirty="0">
+                <a:solidFill>
+                  <a:srgbClr val="393939"/>
+                </a:solidFill>
+                <a:ea typeface="Pretendard Bold"/>
+              </a:rPr>
+              <a:t>YOLO</a:t>
+            </a:r>
+            <a:r>
+              <a:rPr lang="en-US" altLang="ko-KR" sz="7200" dirty="0"/>
+              <a:t>v8</a:t>
+            </a:r>
+            <a:endParaRPr lang="ko-KR" sz="7000" b="0" i="0" u="none" strike="noStrike" spc="-100" dirty="0">
+              <a:solidFill>
+                <a:srgbClr val="393939"/>
+              </a:solidFill>
+              <a:ea typeface="Pretendard Bold"/>
+            </a:endParaRPr>
+          </a:p>
+        </p:txBody>
+      </p:sp>
+      <p:sp>
+        <p:nvSpPr>
+          <p:cNvPr id="9" name="TextBox 9"/>
+          <p:cNvSpPr txBox="1"/>
+          <p:nvPr/>
+        </p:nvSpPr>
+        <p:spPr>
+          <a:xfrm>
+            <a:off x="5765800" y="3340100"/>
+            <a:ext cx="6756400" cy="444500"/>
+          </a:xfrm>
+          <a:prstGeom prst="rect">
+            <a:avLst/>
+          </a:prstGeom>
+        </p:spPr>
+        <p:txBody>
+          <a:bodyPr lIns="0" tIns="0" rIns="0" bIns="0" rtlCol="0" anchor="ctr"/>
+          <a:lstStyle/>
+          <a:p>
+            <a:pPr lvl="0" algn="ctr">
+              <a:lnSpc>
+                <a:spcPct val="108729"/>
+              </a:lnSpc>
+            </a:pPr>
+            <a:r>
+              <a:rPr lang="en-US" altLang="ko-KR" sz="2500" b="0" i="0" u="none" strike="noStrike" dirty="0">
+                <a:solidFill>
+                  <a:srgbClr val="9E9E9E"/>
+                </a:solidFill>
+                <a:ea typeface="Pretendard Light"/>
+              </a:rPr>
+              <a:t>YOLOv8 </a:t>
+            </a:r>
+            <a:r>
+              <a:rPr lang="ko-KR" altLang="en-US" sz="2500" b="0" i="0" u="none" strike="noStrike" dirty="0">
+                <a:solidFill>
+                  <a:srgbClr val="9E9E9E"/>
+                </a:solidFill>
+                <a:ea typeface="Pretendard Light"/>
+              </a:rPr>
+              <a:t>사용한 이유</a:t>
+            </a:r>
+            <a:endParaRPr lang="en-US" sz="2500" b="0" i="0" u="none" strike="noStrike" dirty="0">
+              <a:solidFill>
+                <a:srgbClr val="9E9E9E"/>
+              </a:solidFill>
+              <a:latin typeface="Pretendard Light"/>
+            </a:endParaRPr>
+          </a:p>
+        </p:txBody>
+      </p:sp>
+      <p:pic>
+        <p:nvPicPr>
+          <p:cNvPr id="10" name="Picture 10"/>
+          <p:cNvPicPr>
+            <a:picLocks noChangeAspect="1"/>
+          </p:cNvPicPr>
+          <p:nvPr/>
+        </p:nvPicPr>
+        <p:blipFill>
+          <a:blip r:embed="rId6"/>
+          <a:stretch>
+            <a:fillRect/>
+          </a:stretch>
+        </p:blipFill>
+        <p:spPr>
+          <a:xfrm>
+            <a:off x="5905500" y="3251200"/>
+            <a:ext cx="6477000" cy="12700"/>
+          </a:xfrm>
+          <a:prstGeom prst="rect">
+            <a:avLst/>
+          </a:prstGeom>
+        </p:spPr>
+      </p:pic>
+      <p:pic>
+        <p:nvPicPr>
+          <p:cNvPr id="11" name="Picture 11"/>
+          <p:cNvPicPr>
+            <a:picLocks noChangeAspect="1"/>
+          </p:cNvPicPr>
+          <p:nvPr/>
+        </p:nvPicPr>
+        <p:blipFill>
+          <a:blip r:embed="rId4"/>
+          <a:stretch>
+            <a:fillRect/>
+          </a:stretch>
+        </p:blipFill>
+        <p:spPr>
+          <a:xfrm>
+            <a:off x="1536700" y="4445000"/>
+            <a:ext cx="7454900" cy="1892300"/>
+          </a:xfrm>
+          <a:prstGeom prst="rect">
+            <a:avLst/>
+          </a:prstGeom>
+        </p:spPr>
+      </p:pic>
+      <p:sp>
+        <p:nvSpPr>
+          <p:cNvPr id="12" name="TextBox 12"/>
+          <p:cNvSpPr txBox="1"/>
+          <p:nvPr/>
+        </p:nvSpPr>
+        <p:spPr>
+          <a:xfrm>
+            <a:off x="2400300" y="5067300"/>
+            <a:ext cx="5740400" cy="787400"/>
+          </a:xfrm>
+          <a:prstGeom prst="rect">
+            <a:avLst/>
+          </a:prstGeom>
+        </p:spPr>
+        <p:txBody>
+          <a:bodyPr lIns="0" tIns="0" rIns="0" bIns="0" rtlCol="0" anchor="ctr"/>
+          <a:lstStyle/>
+          <a:p>
+            <a:pPr lvl="0" algn="ctr">
+              <a:lnSpc>
+                <a:spcPct val="108729"/>
+              </a:lnSpc>
+            </a:pPr>
+            <a:r>
+              <a:rPr lang="en-US" altLang="ko-KR" sz="2400" dirty="0"/>
+              <a:t>YOLO</a:t>
+            </a:r>
+            <a:r>
+              <a:rPr lang="ko-KR" altLang="en-US" sz="2400" dirty="0"/>
+              <a:t>는 한 번의 신경망 실행만으로 </a:t>
+            </a:r>
+            <a:endParaRPr lang="en-US" altLang="ko-KR" sz="2400" dirty="0"/>
+          </a:p>
+          <a:p>
+            <a:pPr lvl="0" algn="ctr">
+              <a:lnSpc>
+                <a:spcPct val="108729"/>
+              </a:lnSpc>
+            </a:pPr>
+            <a:r>
+              <a:rPr lang="ko-KR" altLang="en-US" sz="2400" dirty="0"/>
+              <a:t>객체를 탐지하므로 매우 빠름</a:t>
+            </a:r>
+            <a:endParaRPr lang="en-US" sz="2300" b="0" i="0" u="none" strike="noStrike" dirty="0">
+              <a:solidFill>
+                <a:srgbClr val="393939"/>
+              </a:solidFill>
+              <a:latin typeface="Pretendard Light"/>
+            </a:endParaRPr>
+          </a:p>
+        </p:txBody>
+      </p:sp>
+      <p:pic>
+        <p:nvPicPr>
+          <p:cNvPr id="13" name="Picture 13"/>
+          <p:cNvPicPr>
+            <a:picLocks noChangeAspect="1"/>
+          </p:cNvPicPr>
+          <p:nvPr/>
+        </p:nvPicPr>
+        <p:blipFill>
+          <a:blip r:embed="rId7"/>
+          <a:stretch>
+            <a:fillRect/>
+          </a:stretch>
+        </p:blipFill>
+        <p:spPr>
+          <a:xfrm>
+            <a:off x="4241800" y="4152900"/>
+            <a:ext cx="2044700" cy="584200"/>
+          </a:xfrm>
+          <a:prstGeom prst="rect">
+            <a:avLst/>
+          </a:prstGeom>
+        </p:spPr>
+      </p:pic>
+      <p:sp>
+        <p:nvSpPr>
+          <p:cNvPr id="14" name="TextBox 14"/>
+          <p:cNvSpPr txBox="1"/>
+          <p:nvPr/>
+        </p:nvSpPr>
+        <p:spPr>
+          <a:xfrm>
+            <a:off x="4737100" y="4203700"/>
+            <a:ext cx="1663700" cy="495300"/>
+          </a:xfrm>
+          <a:prstGeom prst="rect">
+            <a:avLst/>
+          </a:prstGeom>
+        </p:spPr>
+        <p:txBody>
+          <a:bodyPr lIns="0" tIns="0" rIns="0" bIns="0" rtlCol="0" anchor="ctr"/>
+          <a:lstStyle/>
+          <a:p>
+            <a:pPr lvl="0" algn="l">
+              <a:lnSpc>
+                <a:spcPct val="108729"/>
+              </a:lnSpc>
+            </a:pPr>
+            <a:r>
+              <a:rPr lang="ko-KR" altLang="en-US" sz="2000" b="1" i="0" u="none" strike="noStrike" dirty="0">
+                <a:solidFill>
+                  <a:srgbClr val="393939"/>
+                </a:solidFill>
+                <a:latin typeface="+mn-ea"/>
+              </a:rPr>
+              <a:t>빠른 속도</a:t>
+            </a:r>
+            <a:endParaRPr lang="ko-KR" sz="2000" b="1" i="0" u="none" strike="noStrike" dirty="0">
+              <a:solidFill>
+                <a:srgbClr val="393939"/>
+              </a:solidFill>
+              <a:latin typeface="+mn-ea"/>
+            </a:endParaRPr>
+          </a:p>
+        </p:txBody>
+      </p:sp>
+      <p:pic>
+        <p:nvPicPr>
+          <p:cNvPr id="15" name="Picture 15"/>
+          <p:cNvPicPr>
+            <a:picLocks noChangeAspect="1"/>
+          </p:cNvPicPr>
+          <p:nvPr/>
+        </p:nvPicPr>
+        <p:blipFill>
+          <a:blip r:embed="rId5"/>
+          <a:stretch>
+            <a:fillRect/>
+          </a:stretch>
+        </p:blipFill>
+        <p:spPr>
+          <a:xfrm>
+            <a:off x="9309100" y="4419600"/>
+            <a:ext cx="7454900" cy="1917700"/>
+          </a:xfrm>
+          <a:prstGeom prst="rect">
+            <a:avLst/>
+          </a:prstGeom>
+        </p:spPr>
+      </p:pic>
+      <p:sp>
+        <p:nvSpPr>
+          <p:cNvPr id="16" name="TextBox 16"/>
+          <p:cNvSpPr txBox="1"/>
+          <p:nvPr/>
+        </p:nvSpPr>
+        <p:spPr>
+          <a:xfrm>
+            <a:off x="10287000" y="5054600"/>
+            <a:ext cx="5511800" cy="787400"/>
+          </a:xfrm>
+          <a:prstGeom prst="rect">
+            <a:avLst/>
+          </a:prstGeom>
+        </p:spPr>
+        <p:txBody>
+          <a:bodyPr lIns="0" tIns="0" rIns="0" bIns="0" rtlCol="0" anchor="ctr"/>
+          <a:lstStyle/>
+          <a:p>
+            <a:pPr lvl="0" algn="ctr">
+              <a:lnSpc>
+                <a:spcPct val="108729"/>
+              </a:lnSpc>
+            </a:pPr>
+            <a:r>
+              <a:rPr lang="ko-KR" altLang="en-US" sz="2400" dirty="0"/>
+              <a:t>작은 객체나 복잡한 배경에서도 </a:t>
+            </a:r>
+            <a:endParaRPr lang="en-US" altLang="ko-KR" sz="2400" dirty="0"/>
+          </a:p>
+          <a:p>
+            <a:pPr lvl="0" algn="ctr">
+              <a:lnSpc>
+                <a:spcPct val="108729"/>
+              </a:lnSpc>
+            </a:pPr>
+            <a:r>
+              <a:rPr lang="ko-KR" altLang="en-US" sz="2400" dirty="0"/>
+              <a:t>객체를 잘 탐지할 수 있음</a:t>
+            </a:r>
+            <a:endParaRPr lang="en-US" sz="2300" b="0" i="0" u="none" strike="noStrike" dirty="0">
+              <a:solidFill>
+                <a:srgbClr val="393939"/>
+              </a:solidFill>
+              <a:latin typeface="Pretendard Light"/>
+            </a:endParaRPr>
+          </a:p>
+        </p:txBody>
+      </p:sp>
+      <p:pic>
+        <p:nvPicPr>
+          <p:cNvPr id="17" name="Picture 17"/>
+          <p:cNvPicPr>
+            <a:picLocks noChangeAspect="1"/>
+          </p:cNvPicPr>
+          <p:nvPr/>
+        </p:nvPicPr>
+        <p:blipFill>
+          <a:blip r:embed="rId7"/>
+          <a:stretch>
+            <a:fillRect/>
+          </a:stretch>
+        </p:blipFill>
+        <p:spPr>
+          <a:xfrm>
+            <a:off x="12014200" y="4140200"/>
+            <a:ext cx="2044700" cy="584200"/>
+          </a:xfrm>
+          <a:prstGeom prst="rect">
+            <a:avLst/>
+          </a:prstGeom>
+        </p:spPr>
+      </p:pic>
+      <p:sp>
+        <p:nvSpPr>
+          <p:cNvPr id="18" name="TextBox 18"/>
+          <p:cNvSpPr txBox="1"/>
+          <p:nvPr/>
+        </p:nvSpPr>
+        <p:spPr>
+          <a:xfrm>
+            <a:off x="12420600" y="4178300"/>
+            <a:ext cx="1663700" cy="495300"/>
+          </a:xfrm>
+          <a:prstGeom prst="rect">
+            <a:avLst/>
+          </a:prstGeom>
+        </p:spPr>
+        <p:txBody>
+          <a:bodyPr lIns="0" tIns="0" rIns="0" bIns="0" rtlCol="0" anchor="ctr"/>
+          <a:lstStyle/>
+          <a:p>
+            <a:pPr lvl="0" algn="l">
+              <a:lnSpc>
+                <a:spcPct val="108729"/>
+              </a:lnSpc>
+            </a:pPr>
+            <a:r>
+              <a:rPr lang="ko-KR" altLang="en-US" sz="2000" b="1" i="0" u="none" strike="noStrike" dirty="0" err="1">
+                <a:solidFill>
+                  <a:srgbClr val="393939"/>
+                </a:solidFill>
+                <a:latin typeface="Pretendard Bold"/>
+              </a:rPr>
+              <a:t>높은정확도</a:t>
+            </a:r>
+            <a:endParaRPr lang="ko-KR" sz="2000" b="1" i="0" u="none" strike="noStrike" dirty="0">
+              <a:solidFill>
+                <a:srgbClr val="393939"/>
+              </a:solidFill>
+              <a:ea typeface="Pretendard Bold"/>
+            </a:endParaRPr>
+          </a:p>
+        </p:txBody>
+      </p:sp>
+      <p:sp>
+        <p:nvSpPr>
+          <p:cNvPr id="19" name="TextBox 19"/>
+          <p:cNvSpPr txBox="1"/>
+          <p:nvPr/>
+        </p:nvSpPr>
+        <p:spPr>
+          <a:xfrm>
+            <a:off x="2133600" y="7620000"/>
+            <a:ext cx="6242050" cy="787400"/>
+          </a:xfrm>
+          <a:prstGeom prst="rect">
+            <a:avLst/>
+          </a:prstGeom>
+        </p:spPr>
+        <p:txBody>
+          <a:bodyPr lIns="0" tIns="0" rIns="0" bIns="0" rtlCol="0" anchor="ctr"/>
+          <a:lstStyle/>
+          <a:p>
+            <a:pPr lvl="0" algn="ctr">
+              <a:lnSpc>
+                <a:spcPct val="108729"/>
+              </a:lnSpc>
+            </a:pPr>
+            <a:r>
+              <a:rPr lang="en-US" altLang="ko-KR" sz="2400" dirty="0">
+                <a:latin typeface="+mn-ea"/>
+              </a:rPr>
+              <a:t>YOLOv8</a:t>
+            </a:r>
+            <a:r>
+              <a:rPr lang="ko-KR" altLang="en-US" sz="2400" dirty="0">
+                <a:latin typeface="+mn-ea"/>
+              </a:rPr>
+              <a:t>은 객체 탐지</a:t>
+            </a:r>
+            <a:r>
+              <a:rPr lang="en-US" altLang="ko-KR" sz="2400" dirty="0">
+                <a:latin typeface="+mn-ea"/>
+              </a:rPr>
+              <a:t>, </a:t>
+            </a:r>
+            <a:r>
+              <a:rPr lang="ko-KR" altLang="en-US" sz="2400" dirty="0">
+                <a:latin typeface="+mn-ea"/>
+              </a:rPr>
+              <a:t>이미지 분할</a:t>
+            </a:r>
+            <a:r>
+              <a:rPr lang="en-US" altLang="ko-KR" sz="2400" dirty="0">
+                <a:latin typeface="+mn-ea"/>
+              </a:rPr>
+              <a:t>, </a:t>
+            </a:r>
+            <a:r>
+              <a:rPr lang="ko-KR" altLang="en-US" sz="2400" dirty="0">
+                <a:latin typeface="+mn-ea"/>
+              </a:rPr>
+              <a:t>포즈 추정까지 가능하여 활용도가 높음</a:t>
+            </a:r>
+            <a:r>
+              <a:rPr lang="en-US" altLang="ko-KR" sz="2400" dirty="0">
+                <a:latin typeface="+mn-ea"/>
+              </a:rPr>
+              <a:t>.</a:t>
+            </a:r>
+            <a:endParaRPr lang="en-US" sz="2300" i="0" u="none" strike="noStrike" dirty="0">
+              <a:solidFill>
+                <a:srgbClr val="393939"/>
+              </a:solidFill>
+              <a:latin typeface="+mn-ea"/>
+            </a:endParaRPr>
+          </a:p>
+        </p:txBody>
+      </p:sp>
+      <p:pic>
+        <p:nvPicPr>
+          <p:cNvPr id="20" name="Picture 20"/>
+          <p:cNvPicPr>
+            <a:picLocks noChangeAspect="1"/>
+          </p:cNvPicPr>
+          <p:nvPr/>
+        </p:nvPicPr>
+        <p:blipFill>
+          <a:blip r:embed="rId7"/>
+          <a:stretch>
+            <a:fillRect/>
+          </a:stretch>
+        </p:blipFill>
+        <p:spPr>
+          <a:xfrm>
+            <a:off x="4229100" y="6680200"/>
+            <a:ext cx="2044700" cy="584200"/>
+          </a:xfrm>
+          <a:prstGeom prst="rect">
+            <a:avLst/>
+          </a:prstGeom>
+        </p:spPr>
+      </p:pic>
+      <p:pic>
+        <p:nvPicPr>
+          <p:cNvPr id="23" name="Picture 23"/>
+          <p:cNvPicPr>
+            <a:picLocks noChangeAspect="1"/>
+          </p:cNvPicPr>
+          <p:nvPr/>
+        </p:nvPicPr>
+        <p:blipFill>
+          <a:blip r:embed="rId7"/>
+          <a:stretch>
+            <a:fillRect/>
+          </a:stretch>
+        </p:blipFill>
+        <p:spPr>
+          <a:xfrm>
+            <a:off x="12001500" y="6654800"/>
+            <a:ext cx="2044700" cy="584200"/>
+          </a:xfrm>
+          <a:prstGeom prst="rect">
+            <a:avLst/>
+          </a:prstGeom>
+        </p:spPr>
+      </p:pic>
+      <p:grpSp>
+        <p:nvGrpSpPr>
+          <p:cNvPr id="25" name="그룹 24">
+            <a:extLst>
+              <a:ext uri="{FF2B5EF4-FFF2-40B4-BE49-F238E27FC236}">
+                <a16:creationId xmlns:a16="http://schemas.microsoft.com/office/drawing/2014/main" id="{E0BF9DEE-B871-43E8-ADC5-2AB168090689}"/>
+              </a:ext>
+            </a:extLst>
+          </p:cNvPr>
+          <p:cNvGrpSpPr/>
+          <p:nvPr/>
+        </p:nvGrpSpPr>
+        <p:grpSpPr>
+          <a:xfrm>
+            <a:off x="8375650" y="1590040"/>
+            <a:ext cx="1257300" cy="495300"/>
+            <a:chOff x="8509000" y="1574800"/>
+            <a:chExt cx="1257300" cy="495300"/>
+          </a:xfrm>
+          <a:solidFill>
+            <a:schemeClr val="accent3">
+              <a:lumMod val="40000"/>
+              <a:lumOff val="60000"/>
+            </a:schemeClr>
+          </a:solidFill>
+        </p:grpSpPr>
+        <p:sp>
+          <p:nvSpPr>
+            <p:cNvPr id="26" name="직사각형 25">
+              <a:extLst>
+                <a:ext uri="{FF2B5EF4-FFF2-40B4-BE49-F238E27FC236}">
+                  <a16:creationId xmlns:a16="http://schemas.microsoft.com/office/drawing/2014/main" id="{650681F0-ECC6-409B-8701-803F0F93F049}"/>
+                </a:ext>
+              </a:extLst>
+            </p:cNvPr>
+            <p:cNvSpPr/>
+            <p:nvPr/>
+          </p:nvSpPr>
+          <p:spPr>
+            <a:xfrm>
+              <a:off x="8686800" y="1574800"/>
+              <a:ext cx="914400" cy="495300"/>
+            </a:xfrm>
+            <a:prstGeom prst="rect">
+              <a:avLst/>
+            </a:prstGeom>
+            <a:grpFill/>
+            <a:ln>
+              <a:noFill/>
+            </a:ln>
+          </p:spPr>
+          <p:style>
+            <a:lnRef idx="2">
+              <a:schemeClr val="accent1">
+                <a:shade val="15000"/>
+              </a:schemeClr>
+            </a:lnRef>
+            <a:fillRef idx="1">
+              <a:schemeClr val="accent1"/>
+            </a:fillRef>
+            <a:effectRef idx="0">
+              <a:schemeClr val="accent1"/>
+            </a:effectRef>
+            <a:fontRef idx="minor">
+              <a:schemeClr val="lt1"/>
+            </a:fontRef>
+          </p:style>
+          <p:txBody>
+            <a:bodyPr rtlCol="0" anchor="ctr"/>
+            <a:lstStyle/>
+            <a:p>
+              <a:pPr algn="ctr"/>
+              <a:endParaRPr lang="ko-KR" altLang="en-US"/>
+            </a:p>
+          </p:txBody>
+        </p:sp>
+        <p:sp>
+          <p:nvSpPr>
+            <p:cNvPr id="27" name="타원 26">
+              <a:extLst>
+                <a:ext uri="{FF2B5EF4-FFF2-40B4-BE49-F238E27FC236}">
+                  <a16:creationId xmlns:a16="http://schemas.microsoft.com/office/drawing/2014/main" id="{6182DB7F-E92D-4C4F-94E0-0F88E97EC697}"/>
+                </a:ext>
+              </a:extLst>
+            </p:cNvPr>
+            <p:cNvSpPr/>
+            <p:nvPr/>
+          </p:nvSpPr>
+          <p:spPr>
+            <a:xfrm>
+              <a:off x="8509000" y="1574800"/>
+              <a:ext cx="457200" cy="495300"/>
+            </a:xfrm>
+            <a:prstGeom prst="ellipse">
+              <a:avLst/>
+            </a:prstGeom>
+            <a:grpFill/>
+            <a:ln>
+              <a:noFill/>
+            </a:ln>
+          </p:spPr>
+          <p:style>
+            <a:lnRef idx="2">
+              <a:schemeClr val="accent1">
+                <a:shade val="15000"/>
+              </a:schemeClr>
+            </a:lnRef>
+            <a:fillRef idx="1">
+              <a:schemeClr val="accent1"/>
+            </a:fillRef>
+            <a:effectRef idx="0">
+              <a:schemeClr val="accent1"/>
+            </a:effectRef>
+            <a:fontRef idx="minor">
+              <a:schemeClr val="lt1"/>
+            </a:fontRef>
+          </p:style>
+          <p:txBody>
+            <a:bodyPr rtlCol="0" anchor="ctr"/>
+            <a:lstStyle/>
+            <a:p>
+              <a:pPr algn="ctr"/>
+              <a:endParaRPr lang="ko-KR" altLang="en-US"/>
+            </a:p>
+          </p:txBody>
+        </p:sp>
+        <p:sp>
+          <p:nvSpPr>
+            <p:cNvPr id="28" name="타원 27">
+              <a:extLst>
+                <a:ext uri="{FF2B5EF4-FFF2-40B4-BE49-F238E27FC236}">
+                  <a16:creationId xmlns:a16="http://schemas.microsoft.com/office/drawing/2014/main" id="{F67BE491-10AC-4A09-BD90-A674503DB955}"/>
+                </a:ext>
+              </a:extLst>
+            </p:cNvPr>
+            <p:cNvSpPr/>
+            <p:nvPr/>
+          </p:nvSpPr>
+          <p:spPr>
+            <a:xfrm>
+              <a:off x="9309100" y="1574800"/>
+              <a:ext cx="457200" cy="495300"/>
+            </a:xfrm>
+            <a:prstGeom prst="ellipse">
+              <a:avLst/>
+            </a:prstGeom>
+            <a:grpFill/>
+            <a:ln>
+              <a:noFill/>
+            </a:ln>
+          </p:spPr>
+          <p:style>
+            <a:lnRef idx="2">
+              <a:schemeClr val="accent1">
+                <a:shade val="15000"/>
+              </a:schemeClr>
+            </a:lnRef>
+            <a:fillRef idx="1">
+              <a:schemeClr val="accent1"/>
+            </a:fillRef>
+            <a:effectRef idx="0">
+              <a:schemeClr val="accent1"/>
+            </a:effectRef>
+            <a:fontRef idx="minor">
+              <a:schemeClr val="lt1"/>
+            </a:fontRef>
+          </p:style>
+          <p:txBody>
+            <a:bodyPr rtlCol="0" anchor="ctr"/>
+            <a:lstStyle/>
+            <a:p>
+              <a:pPr algn="ctr"/>
+              <a:endParaRPr lang="ko-KR" altLang="en-US"/>
+            </a:p>
+          </p:txBody>
+        </p:sp>
+      </p:grpSp>
+      <p:sp>
+        <p:nvSpPr>
+          <p:cNvPr id="29" name="TextBox 31">
+            <a:extLst>
+              <a:ext uri="{FF2B5EF4-FFF2-40B4-BE49-F238E27FC236}">
+                <a16:creationId xmlns:a16="http://schemas.microsoft.com/office/drawing/2014/main" id="{BDFE878F-204E-433F-99A9-64E139B58AAA}"/>
+              </a:ext>
+            </a:extLst>
+          </p:cNvPr>
+          <p:cNvSpPr txBox="1"/>
+          <p:nvPr/>
+        </p:nvSpPr>
+        <p:spPr>
+          <a:xfrm>
+            <a:off x="8229600" y="1651000"/>
+            <a:ext cx="1574800" cy="355600"/>
+          </a:xfrm>
+          <a:prstGeom prst="rect">
+            <a:avLst/>
+          </a:prstGeom>
+        </p:spPr>
+        <p:txBody>
+          <a:bodyPr lIns="0" tIns="0" rIns="0" bIns="0" rtlCol="0" anchor="ctr"/>
+          <a:lstStyle/>
+          <a:p>
+            <a:pPr lvl="0" algn="ctr">
+              <a:lnSpc>
+                <a:spcPct val="92960"/>
+              </a:lnSpc>
+            </a:pPr>
+            <a:r>
+              <a:rPr lang="en-US" altLang="ko-KR" sz="2000" b="0" i="0" u="none" strike="noStrike" dirty="0">
+                <a:solidFill>
+                  <a:srgbClr val="393939"/>
+                </a:solidFill>
+                <a:latin typeface="Pretendard Bold"/>
+              </a:rPr>
+              <a:t>Step.03</a:t>
+            </a:r>
+          </a:p>
+        </p:txBody>
+      </p:sp>
+      <p:sp>
+        <p:nvSpPr>
+          <p:cNvPr id="30" name="TextBox 14">
+            <a:extLst>
+              <a:ext uri="{FF2B5EF4-FFF2-40B4-BE49-F238E27FC236}">
+                <a16:creationId xmlns:a16="http://schemas.microsoft.com/office/drawing/2014/main" id="{673C543A-3E48-441C-877A-6EF4164C7986}"/>
+              </a:ext>
+            </a:extLst>
+          </p:cNvPr>
+          <p:cNvSpPr txBox="1"/>
+          <p:nvPr/>
+        </p:nvSpPr>
+        <p:spPr>
+          <a:xfrm>
+            <a:off x="4584700" y="6743700"/>
+            <a:ext cx="1663700" cy="495300"/>
+          </a:xfrm>
+          <a:prstGeom prst="rect">
+            <a:avLst/>
+          </a:prstGeom>
+        </p:spPr>
+        <p:txBody>
+          <a:bodyPr lIns="0" tIns="0" rIns="0" bIns="0" rtlCol="0" anchor="ctr"/>
+          <a:lstStyle/>
+          <a:p>
+            <a:pPr lvl="0" algn="l">
+              <a:lnSpc>
+                <a:spcPct val="108729"/>
+              </a:lnSpc>
+            </a:pPr>
+            <a:r>
+              <a:rPr lang="ko-KR" altLang="en-US" sz="2000" b="1" i="0" u="none" strike="noStrike" dirty="0">
+                <a:solidFill>
+                  <a:srgbClr val="393939"/>
+                </a:solidFill>
+                <a:latin typeface="+mn-ea"/>
+              </a:rPr>
+              <a:t>사용 편의성</a:t>
+            </a:r>
+            <a:endParaRPr lang="ko-KR" sz="2000" b="1" i="0" u="none" strike="noStrike" dirty="0">
+              <a:solidFill>
+                <a:srgbClr val="393939"/>
+              </a:solidFill>
+              <a:latin typeface="+mn-ea"/>
+            </a:endParaRPr>
+          </a:p>
+        </p:txBody>
+      </p:sp>
+      <p:sp>
+        <p:nvSpPr>
+          <p:cNvPr id="31" name="TextBox 14">
+            <a:extLst>
+              <a:ext uri="{FF2B5EF4-FFF2-40B4-BE49-F238E27FC236}">
+                <a16:creationId xmlns:a16="http://schemas.microsoft.com/office/drawing/2014/main" id="{11F50A13-A4A0-4E3F-9A86-7C58F09A7A50}"/>
+              </a:ext>
+            </a:extLst>
+          </p:cNvPr>
+          <p:cNvSpPr txBox="1"/>
+          <p:nvPr/>
+        </p:nvSpPr>
+        <p:spPr>
+          <a:xfrm>
+            <a:off x="12085983" y="6711950"/>
+            <a:ext cx="2044700" cy="495300"/>
+          </a:xfrm>
+          <a:prstGeom prst="rect">
+            <a:avLst/>
+          </a:prstGeom>
+        </p:spPr>
+        <p:txBody>
+          <a:bodyPr lIns="0" tIns="0" rIns="0" bIns="0" rtlCol="0" anchor="ctr"/>
+          <a:lstStyle/>
+          <a:p>
+            <a:pPr lvl="0" algn="l">
+              <a:lnSpc>
+                <a:spcPct val="108729"/>
+              </a:lnSpc>
+            </a:pPr>
+            <a:r>
+              <a:rPr lang="ko-KR" altLang="en-US" sz="2000" b="1" dirty="0"/>
+              <a:t>경량화 모델 지원</a:t>
+            </a:r>
+            <a:endParaRPr lang="ko-KR" sz="2000" b="1" i="0" u="none" strike="noStrike" dirty="0">
+              <a:solidFill>
+                <a:srgbClr val="393939"/>
+              </a:solidFill>
+              <a:latin typeface="+mn-ea"/>
+            </a:endParaRPr>
+          </a:p>
+        </p:txBody>
+      </p:sp>
+      <p:sp>
+        <p:nvSpPr>
+          <p:cNvPr id="32" name="TextBox 16">
+            <a:extLst>
+              <a:ext uri="{FF2B5EF4-FFF2-40B4-BE49-F238E27FC236}">
+                <a16:creationId xmlns:a16="http://schemas.microsoft.com/office/drawing/2014/main" id="{607E7D3C-0987-47D3-8829-C9329C60102C}"/>
+              </a:ext>
+            </a:extLst>
+          </p:cNvPr>
+          <p:cNvSpPr txBox="1"/>
+          <p:nvPr/>
+        </p:nvSpPr>
+        <p:spPr>
+          <a:xfrm>
+            <a:off x="10464524" y="7568648"/>
+            <a:ext cx="5511800" cy="787400"/>
+          </a:xfrm>
+          <a:prstGeom prst="rect">
+            <a:avLst/>
+          </a:prstGeom>
+        </p:spPr>
+        <p:txBody>
+          <a:bodyPr lIns="0" tIns="0" rIns="0" bIns="0" rtlCol="0" anchor="ctr"/>
+          <a:lstStyle/>
+          <a:p>
+            <a:pPr lvl="0" algn="ctr">
+              <a:lnSpc>
+                <a:spcPct val="108729"/>
+              </a:lnSpc>
+            </a:pPr>
+            <a:r>
+              <a:rPr lang="en-US" altLang="ko-KR" sz="2400" dirty="0"/>
+              <a:t>YOLO</a:t>
+            </a:r>
+            <a:r>
+              <a:rPr lang="ko-KR" altLang="en-US" sz="2400" dirty="0"/>
+              <a:t>는 다양한 버전을 제공하여 </a:t>
+            </a:r>
+            <a:endParaRPr lang="en-US" altLang="ko-KR" sz="2400" dirty="0"/>
+          </a:p>
+          <a:p>
+            <a:pPr lvl="0" algn="ctr">
+              <a:lnSpc>
+                <a:spcPct val="108729"/>
+              </a:lnSpc>
+            </a:pPr>
+            <a:r>
+              <a:rPr lang="ko-KR" altLang="en-US" sz="2400" dirty="0"/>
+              <a:t>경량화 가능</a:t>
+            </a:r>
+            <a:endParaRPr lang="en-US" sz="2300" b="0" i="0" u="none" strike="noStrike" dirty="0">
+              <a:solidFill>
+                <a:srgbClr val="393939"/>
+              </a:solidFill>
+              <a:latin typeface="Pretendard Light"/>
+            </a:endParaRPr>
+          </a:p>
+        </p:txBody>
+      </p:sp>
+    </p:spTree>
+  </p:cSld>
+  <p:clrMapOvr>
+    <a:masterClrMapping/>
+  </p:clrMapOvr>
+</p:sld>
+</file>
+
+<file path=ppt/slides/slide16.xml><?xml version="1.0" encoding="utf-8"?>
+<p:sld xmlns:a="http://schemas.openxmlformats.org/drawingml/2006/main" xmlns:r="http://schemas.openxmlformats.org/officeDocument/2006/relationships" xmlns:p="http://schemas.openxmlformats.org/presentationml/2006/main">
+  <p:cSld>
+    <p:spTree>
+      <p:nvGrpSpPr>
         <p:cNvPr id="1" name="">
           <a:extLst>
             <a:ext uri="{FF2B5EF4-FFF2-40B4-BE49-F238E27FC236}">
@@ -8345,85 +9575,6 @@
           </a:effectLst>
         </p:spPr>
       </p:pic>
-      <p:sp>
-        <p:nvSpPr>
-          <p:cNvPr id="15" name="TextBox 3">
-            <a:extLst>
-              <a:ext uri="{FF2B5EF4-FFF2-40B4-BE49-F238E27FC236}">
-                <a16:creationId xmlns:a16="http://schemas.microsoft.com/office/drawing/2014/main" id="{8464CF77-DD3D-F2BF-C4BE-A97392915D57}"/>
-              </a:ext>
-            </a:extLst>
-          </p:cNvPr>
-          <p:cNvSpPr txBox="1"/>
-          <p:nvPr/>
-        </p:nvSpPr>
-        <p:spPr>
-          <a:xfrm>
-            <a:off x="5753100" y="3479800"/>
-            <a:ext cx="6756400" cy="444500"/>
-          </a:xfrm>
-          <a:prstGeom prst="rect">
-            <a:avLst/>
-          </a:prstGeom>
-        </p:spPr>
-        <p:txBody>
-          <a:bodyPr lIns="0" tIns="0" rIns="0" bIns="0" rtlCol="0" anchor="ctr"/>
-          <a:lstStyle/>
-          <a:p>
-            <a:pPr lvl="0" algn="ctr">
-              <a:lnSpc>
-                <a:spcPct val="108729"/>
-              </a:lnSpc>
-            </a:pPr>
-            <a:r>
-              <a:rPr lang="en-US" sz="2500" dirty="0">
-                <a:solidFill>
-                  <a:srgbClr val="9E9E9E"/>
-                </a:solidFill>
-                <a:latin typeface="Pretendard Light"/>
-                <a:ea typeface="Pretendard Light"/>
-              </a:rPr>
-              <a:t>CNN</a:t>
-            </a:r>
-            <a:r>
-              <a:rPr lang="ko-KR" altLang="en-US" sz="2500" dirty="0">
-                <a:solidFill>
-                  <a:srgbClr val="9E9E9E"/>
-                </a:solidFill>
-                <a:latin typeface="Pretendard Light"/>
-                <a:ea typeface="Pretendard Light"/>
-              </a:rPr>
-              <a:t> 및 </a:t>
-            </a:r>
-            <a:r>
-              <a:rPr lang="en-US" altLang="ko-KR" sz="2500" dirty="0">
-                <a:solidFill>
-                  <a:srgbClr val="9E9E9E"/>
-                </a:solidFill>
-                <a:latin typeface="Pretendard Light"/>
-                <a:ea typeface="Pretendard Light"/>
-              </a:rPr>
-              <a:t>ML</a:t>
-            </a:r>
-            <a:r>
-              <a:rPr lang="ko-KR" altLang="en-US" sz="2500" dirty="0">
-                <a:solidFill>
-                  <a:srgbClr val="9E9E9E"/>
-                </a:solidFill>
-                <a:latin typeface="Pretendard Light"/>
-                <a:ea typeface="Pretendard Light"/>
-              </a:rPr>
-              <a:t>데이터 전처리를 동시 진행</a:t>
-            </a:r>
-            <a:endParaRPr lang="en-US" sz="2500" b="0" i="0" u="none" strike="noStrike" dirty="0">
-              <a:solidFill>
-                <a:srgbClr val="9E9E9E"/>
-              </a:solidFill>
-              <a:latin typeface="Pretendard Light"/>
-            </a:endParaRPr>
-          </a:p>
-        </p:txBody>
-      </p:sp>
       <p:pic>
         <p:nvPicPr>
           <p:cNvPr id="16" name="Picture 4">
@@ -8778,6 +9929,36 @@
           </a:p>
         </p:txBody>
       </p:sp>
+      <p:pic>
+        <p:nvPicPr>
+          <p:cNvPr id="4" name="그림 3">
+            <a:extLst>
+              <a:ext uri="{FF2B5EF4-FFF2-40B4-BE49-F238E27FC236}">
+                <a16:creationId xmlns:a16="http://schemas.microsoft.com/office/drawing/2014/main" id="{DF962ED4-8F21-4A4B-8CEF-16D75FB03F24}"/>
+              </a:ext>
+            </a:extLst>
+          </p:cNvPr>
+          <p:cNvPicPr>
+            <a:picLocks noChangeAspect="1"/>
+          </p:cNvPicPr>
+          <p:nvPr/>
+        </p:nvPicPr>
+        <p:blipFill>
+          <a:blip r:embed="rId5"/>
+          <a:stretch>
+            <a:fillRect/>
+          </a:stretch>
+        </p:blipFill>
+        <p:spPr>
+          <a:xfrm>
+            <a:off x="3310977" y="3497756"/>
+            <a:ext cx="11424745" cy="6215535"/>
+          </a:xfrm>
+          <a:prstGeom prst="rect">
+            <a:avLst/>
+          </a:prstGeom>
+        </p:spPr>
+      </p:pic>
     </p:spTree>
     <p:extLst>
       <p:ext uri="{BB962C8B-B14F-4D97-AF65-F5344CB8AC3E}">
@@ -8791,7 +9972,7 @@
 </p:sld>
 </file>
 
-<file path=ppt/slides/slide16.xml><?xml version="1.0" encoding="utf-8"?>
+<file path=ppt/slides/slide17.xml><?xml version="1.0" encoding="utf-8"?>
 <p:sld xmlns:a="http://schemas.openxmlformats.org/drawingml/2006/main" xmlns:r="http://schemas.openxmlformats.org/officeDocument/2006/relationships" xmlns:p="http://schemas.openxmlformats.org/presentationml/2006/main">
   <p:cSld>
     <p:spTree>
@@ -9552,7 +10733,7 @@
 </p:sld>
 </file>
 
-<file path=ppt/slides/slide17.xml><?xml version="1.0" encoding="utf-8"?>
+<file path=ppt/slides/slide18.xml><?xml version="1.0" encoding="utf-8"?>
 <p:sld xmlns:a="http://schemas.openxmlformats.org/drawingml/2006/main" xmlns:r="http://schemas.openxmlformats.org/officeDocument/2006/relationships" xmlns:p="http://schemas.openxmlformats.org/presentationml/2006/main">
   <p:cSld>
     <p:spTree>
@@ -9626,7 +10807,7 @@
         </p:nvSpPr>
         <p:spPr>
           <a:xfrm>
-            <a:off x="1397000" y="4508500"/>
+            <a:off x="1397000" y="3898900"/>
             <a:ext cx="6934200" cy="2311400"/>
           </a:xfrm>
           <a:prstGeom prst="rect">
@@ -9637,34 +10818,67 @@
           <a:bodyPr lIns="0" tIns="0" rIns="0" bIns="0" rtlCol="0" anchor="ctr"/>
           <a:lstStyle/>
           <a:p>
-            <a:pPr lvl="0" algn="l">
+            <a:pPr lvl="0" algn="ctr">
               <a:lnSpc>
                 <a:spcPct val="98770"/>
               </a:lnSpc>
             </a:pPr>
             <a:r>
-              <a:rPr lang="ko-KR" altLang="en-US" sz="7000" b="0" i="0" u="none" strike="noStrike" spc="-100" dirty="0" err="1">
+              <a:rPr lang="ko-KR" altLang="en-US" sz="5400" spc="-100" dirty="0">
                 <a:solidFill>
                   <a:srgbClr val="393939"/>
                 </a:solidFill>
-                <a:ea typeface="Pretendard Bold"/>
-              </a:rPr>
-              <a:t>모델별</a:t>
-            </a:r>
-            <a:r>
-              <a:rPr lang="ko-KR" altLang="en-US" sz="7000" b="0" i="0" u="none" strike="noStrike" spc="-100" dirty="0">
+                <a:latin typeface="+mj-ea"/>
+                <a:ea typeface="+mj-ea"/>
+              </a:rPr>
+              <a:t>신체둘레 예측</a:t>
+            </a:r>
+            <a:r>
+              <a:rPr lang="en-US" altLang="ko-KR" sz="5400" spc="-100" dirty="0">
                 <a:solidFill>
                   <a:srgbClr val="393939"/>
                 </a:solidFill>
-                <a:ea typeface="Pretendard Bold"/>
-              </a:rPr>
-              <a:t> 성능 평가</a:t>
-            </a:r>
-            <a:endParaRPr lang="ko-KR" sz="7000" b="0" i="0" u="none" strike="noStrike" spc="-100" dirty="0">
+                <a:latin typeface="+mj-ea"/>
+                <a:ea typeface="+mj-ea"/>
+              </a:rPr>
+              <a:t>(</a:t>
+            </a:r>
+            <a:r>
+              <a:rPr lang="ko-KR" altLang="en-US" sz="5400" spc="-100" dirty="0">
+                <a:solidFill>
+                  <a:srgbClr val="393939"/>
+                </a:solidFill>
+                <a:latin typeface="+mj-ea"/>
+                <a:ea typeface="+mj-ea"/>
+              </a:rPr>
+              <a:t>회귀</a:t>
+            </a:r>
+            <a:r>
+              <a:rPr lang="en-US" altLang="ko-KR" sz="5400" spc="-100" dirty="0">
+                <a:solidFill>
+                  <a:srgbClr val="393939"/>
+                </a:solidFill>
+                <a:latin typeface="+mj-ea"/>
+                <a:ea typeface="+mj-ea"/>
+              </a:rPr>
+              <a:t>) &amp;</a:t>
+            </a:r>
+            <a:r>
+              <a:rPr lang="ko-KR" altLang="en-US" sz="5400" spc="-100" dirty="0">
+                <a:solidFill>
+                  <a:srgbClr val="393939"/>
+                </a:solidFill>
+                <a:latin typeface="+mj-ea"/>
+                <a:ea typeface="+mj-ea"/>
+              </a:rPr>
+              <a:t>체형 분류 모델</a:t>
+            </a:r>
+            <a:endParaRPr lang="ko-KR" altLang="ko-KR" sz="5400" b="0" i="0" u="none" strike="noStrike" spc="-100" dirty="0">
               <a:solidFill>
                 <a:srgbClr val="393939"/>
               </a:solidFill>
-              <a:ea typeface="Pretendard Bold"/>
+              <a:latin typeface="+mj-ea"/>
+              <a:ea typeface="+mj-ea"/>
             </a:endParaRPr>
           </a:p>
         </p:txBody>
@@ -9691,7 +10905,7 @@
         </p:blipFill>
         <p:spPr>
           <a:xfrm>
-            <a:off x="1397000" y="4038600"/>
+            <a:off x="1066800" y="2857500"/>
             <a:ext cx="1308100" cy="520700"/>
           </a:xfrm>
           <a:prstGeom prst="rect">
@@ -9713,7 +10927,7 @@
         </p:nvSpPr>
         <p:spPr>
           <a:xfrm>
-            <a:off x="1270000" y="4114800"/>
+            <a:off x="939800" y="2933700"/>
             <a:ext cx="1574800" cy="355600"/>
           </a:xfrm>
           <a:prstGeom prst="rect">
@@ -9789,6 +11003,208 @@
           </a:p>
         </p:txBody>
       </p:sp>
+      <p:grpSp>
+        <p:nvGrpSpPr>
+          <p:cNvPr id="3" name="그룹 2">
+            <a:extLst>
+              <a:ext uri="{FF2B5EF4-FFF2-40B4-BE49-F238E27FC236}">
+                <a16:creationId xmlns:a16="http://schemas.microsoft.com/office/drawing/2014/main" id="{91FA9C14-65C9-4D0A-AB8A-299C8A14092A}"/>
+              </a:ext>
+            </a:extLst>
+          </p:cNvPr>
+          <p:cNvGrpSpPr/>
+          <p:nvPr/>
+        </p:nvGrpSpPr>
+        <p:grpSpPr>
+          <a:xfrm>
+            <a:off x="9309100" y="1714500"/>
+            <a:ext cx="7454900" cy="2197100"/>
+            <a:chOff x="9309100" y="4140200"/>
+            <a:chExt cx="7454900" cy="2197100"/>
+          </a:xfrm>
+        </p:grpSpPr>
+        <p:pic>
+          <p:nvPicPr>
+            <p:cNvPr id="8" name="Picture 15">
+              <a:extLst>
+                <a:ext uri="{FF2B5EF4-FFF2-40B4-BE49-F238E27FC236}">
+                  <a16:creationId xmlns:a16="http://schemas.microsoft.com/office/drawing/2014/main" id="{1FFF72B3-51B9-4A35-84F7-FB5FE140ABFB}"/>
+                </a:ext>
+              </a:extLst>
+            </p:cNvPr>
+            <p:cNvPicPr>
+              <a:picLocks noChangeAspect="1"/>
+            </p:cNvPicPr>
+            <p:nvPr/>
+          </p:nvPicPr>
+          <p:blipFill>
+            <a:blip r:embed="rId4"/>
+            <a:stretch>
+              <a:fillRect/>
+            </a:stretch>
+          </p:blipFill>
+          <p:spPr>
+            <a:xfrm>
+              <a:off x="9309100" y="4419600"/>
+              <a:ext cx="7454900" cy="1917700"/>
+            </a:xfrm>
+            <a:prstGeom prst="rect">
+              <a:avLst/>
+            </a:prstGeom>
+          </p:spPr>
+        </p:pic>
+        <p:sp>
+          <p:nvSpPr>
+            <p:cNvPr id="9" name="TextBox 16">
+              <a:extLst>
+                <a:ext uri="{FF2B5EF4-FFF2-40B4-BE49-F238E27FC236}">
+                  <a16:creationId xmlns:a16="http://schemas.microsoft.com/office/drawing/2014/main" id="{C3FE3ED2-46BC-424E-839C-0DBC04A0CB21}"/>
+                </a:ext>
+              </a:extLst>
+            </p:cNvPr>
+            <p:cNvSpPr txBox="1"/>
+            <p:nvPr/>
+          </p:nvSpPr>
+          <p:spPr>
+            <a:xfrm>
+              <a:off x="9467850" y="5054600"/>
+              <a:ext cx="7073900" cy="787400"/>
+            </a:xfrm>
+            <a:prstGeom prst="rect">
+              <a:avLst/>
+            </a:prstGeom>
+          </p:spPr>
+          <p:txBody>
+            <a:bodyPr lIns="0" tIns="0" rIns="0" bIns="0" rtlCol="0" anchor="ctr"/>
+            <a:lstStyle/>
+            <a:p>
+              <a:pPr lvl="0">
+                <a:lnSpc>
+                  <a:spcPct val="108729"/>
+                </a:lnSpc>
+              </a:pPr>
+              <a:r>
+                <a:rPr lang="en-US" altLang="ko-KR" sz="2000" dirty="0">
+                  <a:latin typeface="+mn-ea"/>
+                </a:rPr>
+                <a:t>VGG16: </a:t>
+              </a:r>
+              <a:r>
+                <a:rPr lang="ko-KR" altLang="en-US" sz="2000" dirty="0">
+                  <a:latin typeface="+mn-ea"/>
+                </a:rPr>
+                <a:t>신체 특징을 깊이 학습 가능</a:t>
+              </a:r>
+              <a:endParaRPr lang="en-US" altLang="ko-KR" sz="2000" dirty="0">
+                <a:latin typeface="+mn-ea"/>
+              </a:endParaRPr>
+            </a:p>
+            <a:p>
+              <a:pPr lvl="0">
+                <a:lnSpc>
+                  <a:spcPct val="108729"/>
+                </a:lnSpc>
+              </a:pPr>
+              <a:r>
+                <a:rPr lang="en-US" altLang="ko-KR" sz="2000" dirty="0">
+                  <a:latin typeface="+mn-ea"/>
+                </a:rPr>
+                <a:t>EfficientNetB0: </a:t>
+              </a:r>
+              <a:r>
+                <a:rPr lang="ko-KR" altLang="en-US" sz="2000" dirty="0">
+                  <a:latin typeface="+mn-ea"/>
+                </a:rPr>
+                <a:t>효율적인 특징 추출 가능</a:t>
+              </a:r>
+              <a:endParaRPr lang="en-US" sz="2000" i="0" u="none" strike="noStrike" dirty="0">
+                <a:solidFill>
+                  <a:srgbClr val="393939"/>
+                </a:solidFill>
+                <a:latin typeface="+mn-ea"/>
+              </a:endParaRPr>
+            </a:p>
+          </p:txBody>
+        </p:sp>
+        <p:pic>
+          <p:nvPicPr>
+            <p:cNvPr id="10" name="Picture 17">
+              <a:extLst>
+                <a:ext uri="{FF2B5EF4-FFF2-40B4-BE49-F238E27FC236}">
+                  <a16:creationId xmlns:a16="http://schemas.microsoft.com/office/drawing/2014/main" id="{E0A54D66-27C6-42A9-BED9-433443FCBB97}"/>
+                </a:ext>
+              </a:extLst>
+            </p:cNvPr>
+            <p:cNvPicPr>
+              <a:picLocks noChangeAspect="1"/>
+            </p:cNvPicPr>
+            <p:nvPr/>
+          </p:nvPicPr>
+          <p:blipFill>
+            <a:blip r:embed="rId5"/>
+            <a:stretch>
+              <a:fillRect/>
+            </a:stretch>
+          </p:blipFill>
+          <p:spPr>
+            <a:xfrm>
+              <a:off x="12014200" y="4140200"/>
+              <a:ext cx="2044700" cy="584200"/>
+            </a:xfrm>
+            <a:prstGeom prst="rect">
+              <a:avLst/>
+            </a:prstGeom>
+          </p:spPr>
+        </p:pic>
+        <p:sp>
+          <p:nvSpPr>
+            <p:cNvPr id="11" name="TextBox 18">
+              <a:extLst>
+                <a:ext uri="{FF2B5EF4-FFF2-40B4-BE49-F238E27FC236}">
+                  <a16:creationId xmlns:a16="http://schemas.microsoft.com/office/drawing/2014/main" id="{2FF31088-98A5-4632-A1DA-A245E1D6BECE}"/>
+                </a:ext>
+              </a:extLst>
+            </p:cNvPr>
+            <p:cNvSpPr txBox="1"/>
+            <p:nvPr/>
+          </p:nvSpPr>
+          <p:spPr>
+            <a:xfrm>
+              <a:off x="12420600" y="4178300"/>
+              <a:ext cx="1663700" cy="495300"/>
+            </a:xfrm>
+            <a:prstGeom prst="rect">
+              <a:avLst/>
+            </a:prstGeom>
+          </p:spPr>
+          <p:txBody>
+            <a:bodyPr lIns="0" tIns="0" rIns="0" bIns="0" rtlCol="0" anchor="ctr"/>
+            <a:lstStyle/>
+            <a:p>
+              <a:pPr lvl="0" algn="l">
+                <a:lnSpc>
+                  <a:spcPct val="108729"/>
+                </a:lnSpc>
+              </a:pPr>
+              <a:r>
+                <a:rPr lang="ko-KR" altLang="en-US" sz="2000" b="1" i="0" u="none" strike="noStrike" dirty="0">
+                  <a:solidFill>
+                    <a:srgbClr val="393939"/>
+                  </a:solidFill>
+                  <a:latin typeface="Pretendard Bold"/>
+                </a:rPr>
+                <a:t>학습 편의성</a:t>
+              </a:r>
+              <a:endParaRPr lang="ko-KR" sz="2000" b="1" i="0" u="none" strike="noStrike" dirty="0">
+                <a:solidFill>
+                  <a:srgbClr val="393939"/>
+                </a:solidFill>
+                <a:ea typeface="Pretendard Bold"/>
+              </a:endParaRPr>
+            </a:p>
+          </p:txBody>
+        </p:sp>
+      </p:grpSp>
     </p:spTree>
     <p:extLst>
       <p:ext uri="{BB962C8B-B14F-4D97-AF65-F5344CB8AC3E}">
@@ -9802,7 +11218,7 @@
 </p:sld>
 </file>
 
-<file path=ppt/slides/slide18.xml><?xml version="1.0" encoding="utf-8"?>
+<file path=ppt/slides/slide19.xml><?xml version="1.0" encoding="utf-8"?>
 <p:sld xmlns:a="http://schemas.openxmlformats.org/drawingml/2006/main" xmlns:r="http://schemas.openxmlformats.org/officeDocument/2006/relationships" xmlns:p="http://schemas.openxmlformats.org/presentationml/2006/main">
   <p:cSld>
     <p:spTree>
@@ -9821,13 +11237,7 @@
       </p:grpSpPr>
       <p:pic>
         <p:nvPicPr>
-          <p:cNvPr id="2" name="Picture 2">
-            <a:extLst>
-              <a:ext uri="{FF2B5EF4-FFF2-40B4-BE49-F238E27FC236}">
-                <a16:creationId xmlns:a16="http://schemas.microsoft.com/office/drawing/2014/main" id="{F6A56B70-3153-0924-31FD-01077E90311C}"/>
-              </a:ext>
-            </a:extLst>
-          </p:cNvPr>
+          <p:cNvPr id="2" name="Picture 2"/>
           <p:cNvPicPr>
             <a:picLocks noChangeAspect="1"/>
           </p:cNvPicPr>
@@ -9856,81 +11266,9 @@
           </a:effectLst>
         </p:spPr>
       </p:pic>
-      <p:sp>
-        <p:nvSpPr>
-          <p:cNvPr id="3" name="TextBox 25">
-            <a:extLst>
-              <a:ext uri="{FF2B5EF4-FFF2-40B4-BE49-F238E27FC236}">
-                <a16:creationId xmlns:a16="http://schemas.microsoft.com/office/drawing/2014/main" id="{CBA78E5E-6D0B-DCC2-A3CD-5CF6970E78DE}"/>
-              </a:ext>
-            </a:extLst>
-          </p:cNvPr>
-          <p:cNvSpPr txBox="1"/>
-          <p:nvPr/>
-        </p:nvSpPr>
-        <p:spPr>
-          <a:xfrm>
-            <a:off x="965200" y="3788465"/>
-            <a:ext cx="7874000" cy="2311400"/>
-          </a:xfrm>
-          <a:prstGeom prst="rect">
-            <a:avLst/>
-          </a:prstGeom>
-        </p:spPr>
-        <p:txBody>
-          <a:bodyPr lIns="0" tIns="0" rIns="0" bIns="0" rtlCol="0" anchor="ctr"/>
-          <a:lstStyle/>
-          <a:p>
-            <a:pPr lvl="0" algn="ctr">
-              <a:lnSpc>
-                <a:spcPct val="98770"/>
-              </a:lnSpc>
-            </a:pPr>
-            <a:r>
-              <a:rPr lang="ko-KR" altLang="en-US" sz="6000" spc="-100" dirty="0">
-                <a:solidFill>
-                  <a:srgbClr val="393939"/>
-                </a:solidFill>
-                <a:ea typeface="Pretendard Bold"/>
-              </a:rPr>
-              <a:t>신체 부위별 수치 예측 </a:t>
-            </a:r>
-            <a:r>
-              <a:rPr lang="en-US" altLang="ko-KR" sz="6000" spc="-100" dirty="0">
-                <a:solidFill>
-                  <a:srgbClr val="393939"/>
-                </a:solidFill>
-                <a:ea typeface="Pretendard Bold"/>
-              </a:rPr>
-              <a:t>&amp;</a:t>
-            </a:r>
-            <a:r>
-              <a:rPr lang="ko-KR" altLang="en-US" sz="6000" spc="-100" dirty="0">
-                <a:solidFill>
-                  <a:srgbClr val="393939"/>
-                </a:solidFill>
-                <a:ea typeface="Pretendard Bold"/>
-              </a:rPr>
-              <a:t>체형분류 모델</a:t>
-            </a:r>
-            <a:endParaRPr lang="ko-KR" sz="6000" b="0" i="0" u="none" strike="noStrike" spc="-100" dirty="0">
-              <a:solidFill>
-                <a:srgbClr val="393939"/>
-              </a:solidFill>
-              <a:ea typeface="Pretendard Bold"/>
-            </a:endParaRPr>
-          </a:p>
-        </p:txBody>
-      </p:sp>
       <p:pic>
         <p:nvPicPr>
-          <p:cNvPr id="4" name="Picture 26">
-            <a:extLst>
-              <a:ext uri="{FF2B5EF4-FFF2-40B4-BE49-F238E27FC236}">
-                <a16:creationId xmlns:a16="http://schemas.microsoft.com/office/drawing/2014/main" id="{73D4396C-7BE4-3F22-9387-77507DF51ADB}"/>
-              </a:ext>
-            </a:extLst>
-          </p:cNvPr>
+          <p:cNvPr id="3" name="Picture 3"/>
           <p:cNvPicPr>
             <a:picLocks noChangeAspect="1"/>
           </p:cNvPicPr>
@@ -9944,120 +11282,17 @@
         </p:blipFill>
         <p:spPr>
           <a:xfrm>
-            <a:off x="812800" y="2781300"/>
-            <a:ext cx="1308100" cy="520700"/>
+            <a:off x="533400" y="7429500"/>
+            <a:ext cx="17208500" cy="2374900"/>
           </a:xfrm>
           <a:prstGeom prst="rect">
             <a:avLst/>
           </a:prstGeom>
         </p:spPr>
       </p:pic>
-      <p:sp>
-        <p:nvSpPr>
-          <p:cNvPr id="5" name="TextBox 27">
-            <a:extLst>
-              <a:ext uri="{FF2B5EF4-FFF2-40B4-BE49-F238E27FC236}">
-                <a16:creationId xmlns:a16="http://schemas.microsoft.com/office/drawing/2014/main" id="{193E4C64-83AC-7DD2-761A-5D9C063DD827}"/>
-              </a:ext>
-            </a:extLst>
-          </p:cNvPr>
-          <p:cNvSpPr txBox="1"/>
-          <p:nvPr/>
-        </p:nvSpPr>
-        <p:spPr>
-          <a:xfrm>
-            <a:off x="685800" y="2857500"/>
-            <a:ext cx="1574800" cy="355600"/>
-          </a:xfrm>
-          <a:prstGeom prst="rect">
-            <a:avLst/>
-          </a:prstGeom>
-        </p:spPr>
-        <p:txBody>
-          <a:bodyPr lIns="0" tIns="0" rIns="0" bIns="0" rtlCol="0" anchor="ctr"/>
-          <a:lstStyle/>
-          <a:p>
-            <a:pPr lvl="0" algn="ctr">
-              <a:lnSpc>
-                <a:spcPct val="92960"/>
-              </a:lnSpc>
-            </a:pPr>
-            <a:r>
-              <a:rPr lang="en-US" sz="2000" b="0" i="0" u="none" strike="noStrike" dirty="0">
-                <a:solidFill>
-                  <a:srgbClr val="393939"/>
-                </a:solidFill>
-                <a:latin typeface="Pretendard Bold"/>
-              </a:rPr>
-              <a:t>Part.03</a:t>
-            </a:r>
-          </a:p>
-        </p:txBody>
-      </p:sp>
-      <p:sp>
-        <p:nvSpPr>
-          <p:cNvPr id="12" name="TextBox 3">
-            <a:extLst>
-              <a:ext uri="{FF2B5EF4-FFF2-40B4-BE49-F238E27FC236}">
-                <a16:creationId xmlns:a16="http://schemas.microsoft.com/office/drawing/2014/main" id="{043E7314-E9CA-FA9D-6F1C-FFDFC7A9CAE0}"/>
-              </a:ext>
-            </a:extLst>
-          </p:cNvPr>
-          <p:cNvSpPr txBox="1"/>
-          <p:nvPr/>
-        </p:nvSpPr>
-        <p:spPr>
-          <a:xfrm>
-            <a:off x="1663700" y="6286500"/>
-            <a:ext cx="7175500" cy="1447800"/>
-          </a:xfrm>
-          <a:prstGeom prst="rect">
-            <a:avLst/>
-          </a:prstGeom>
-        </p:spPr>
-        <p:txBody>
-          <a:bodyPr lIns="0" tIns="0" rIns="0" bIns="0" rtlCol="0" anchor="ctr"/>
-          <a:lstStyle/>
-          <a:p>
-            <a:pPr lvl="0" algn="ctr">
-              <a:lnSpc>
-                <a:spcPct val="108729"/>
-              </a:lnSpc>
-            </a:pPr>
-            <a:r>
-              <a:rPr lang="ko-KR" altLang="en-US" sz="2800" dirty="0" err="1"/>
-              <a:t>딥러닝과</a:t>
-            </a:r>
-            <a:r>
-              <a:rPr lang="ko-KR" altLang="en-US" sz="2800" dirty="0"/>
-              <a:t> </a:t>
-            </a:r>
-            <a:r>
-              <a:rPr lang="ko-KR" altLang="en-US" sz="2800" dirty="0" err="1"/>
-              <a:t>머신러닝을</a:t>
-            </a:r>
-            <a:r>
-              <a:rPr lang="ko-KR" altLang="en-US" sz="2800" dirty="0"/>
-              <a:t> 결합한 하이브리드 모델을 이용한 신체 부위별 수치 예측 후 체형 분류</a:t>
-            </a:r>
-            <a:endParaRPr lang="en-US" sz="2500" b="0" i="0" u="none" strike="noStrike" dirty="0">
-              <a:solidFill>
-                <a:srgbClr val="9E9E9E"/>
-              </a:solidFill>
-              <a:latin typeface="Pretendard Light"/>
-            </a:endParaRPr>
-          </a:p>
-        </p:txBody>
-      </p:sp>
       <p:pic>
         <p:nvPicPr>
-          <p:cNvPr id="13" name="Picture 4">
-            <a:extLst>
-              <a:ext uri="{FF2B5EF4-FFF2-40B4-BE49-F238E27FC236}">
-                <a16:creationId xmlns:a16="http://schemas.microsoft.com/office/drawing/2014/main" id="{CAC0CEA0-A6F7-DCF8-4B17-D111319BDDF8}"/>
-              </a:ext>
-            </a:extLst>
-          </p:cNvPr>
+          <p:cNvPr id="4" name="Picture 4"/>
           <p:cNvPicPr>
             <a:picLocks noChangeAspect="1"/>
           </p:cNvPicPr>
@@ -10071,71 +11306,17 @@
         </p:blipFill>
         <p:spPr>
           <a:xfrm>
-            <a:off x="1117600" y="6197600"/>
-            <a:ext cx="7874000" cy="12700"/>
+            <a:off x="1524000" y="6985000"/>
+            <a:ext cx="7454900" cy="1892300"/>
           </a:xfrm>
           <a:prstGeom prst="rect">
             <a:avLst/>
           </a:prstGeom>
         </p:spPr>
       </p:pic>
-      <p:sp>
-        <p:nvSpPr>
-          <p:cNvPr id="16" name="TextBox 8">
-            <a:extLst>
-              <a:ext uri="{FF2B5EF4-FFF2-40B4-BE49-F238E27FC236}">
-                <a16:creationId xmlns:a16="http://schemas.microsoft.com/office/drawing/2014/main" id="{379C6139-DFEF-661D-D08B-B5689638B11C}"/>
-              </a:ext>
-            </a:extLst>
-          </p:cNvPr>
-          <p:cNvSpPr txBox="1"/>
-          <p:nvPr/>
-        </p:nvSpPr>
-        <p:spPr>
-          <a:xfrm>
-            <a:off x="1676400" y="800100"/>
-            <a:ext cx="13716000" cy="533400"/>
-          </a:xfrm>
-          <a:prstGeom prst="rect">
-            <a:avLst/>
-          </a:prstGeom>
-        </p:spPr>
-        <p:txBody>
-          <a:bodyPr lIns="0" tIns="0" rIns="0" bIns="0" rtlCol="0" anchor="ctr"/>
-          <a:lstStyle/>
-          <a:p>
-            <a:pPr lvl="0">
-              <a:lnSpc>
-                <a:spcPct val="92960"/>
-              </a:lnSpc>
-            </a:pPr>
-            <a:r>
-              <a:rPr lang="en-US" sz="2400" dirty="0">
-                <a:solidFill>
-                  <a:srgbClr val="393939"/>
-                </a:solidFill>
-                <a:latin typeface="Pretendard Bold"/>
-              </a:rPr>
-              <a:t>www.FitAI-Pro.com/AI-Model</a:t>
-            </a:r>
-            <a:endParaRPr lang="en-US" sz="2400" b="0" i="0" u="none" strike="noStrike" dirty="0">
-              <a:solidFill>
-                <a:srgbClr val="393939"/>
-              </a:solidFill>
-              <a:latin typeface="Pretendard Bold"/>
-            </a:endParaRPr>
-          </a:p>
-        </p:txBody>
-      </p:sp>
       <p:pic>
         <p:nvPicPr>
-          <p:cNvPr id="7" name="그림 6">
-            <a:extLst>
-              <a:ext uri="{FF2B5EF4-FFF2-40B4-BE49-F238E27FC236}">
-                <a16:creationId xmlns:a16="http://schemas.microsoft.com/office/drawing/2014/main" id="{4ABF7581-BAF9-4B49-97CD-7A8D23B87C0B}"/>
-              </a:ext>
-            </a:extLst>
-          </p:cNvPr>
+          <p:cNvPr id="5" name="Picture 5"/>
           <p:cNvPicPr>
             <a:picLocks noChangeAspect="1"/>
           </p:cNvPicPr>
@@ -10149,23 +11330,143 @@
         </p:blipFill>
         <p:spPr>
           <a:xfrm>
-            <a:off x="10069029" y="5597937"/>
-            <a:ext cx="6443041" cy="3619686"/>
+            <a:off x="9309100" y="6972300"/>
+            <a:ext cx="7454900" cy="1917700"/>
           </a:xfrm>
           <a:prstGeom prst="rect">
             <a:avLst/>
           </a:prstGeom>
         </p:spPr>
       </p:pic>
+      <p:sp>
+        <p:nvSpPr>
+          <p:cNvPr id="6" name="TextBox 6"/>
+          <p:cNvSpPr txBox="1"/>
+          <p:nvPr/>
+        </p:nvSpPr>
+        <p:spPr>
+          <a:xfrm>
+            <a:off x="3289300" y="2044700"/>
+            <a:ext cx="11709400" cy="1244600"/>
+          </a:xfrm>
+          <a:prstGeom prst="rect">
+            <a:avLst/>
+          </a:prstGeom>
+        </p:spPr>
+        <p:txBody>
+          <a:bodyPr lIns="0" tIns="0" rIns="0" bIns="0" rtlCol="0" anchor="ctr"/>
+          <a:lstStyle/>
+          <a:p>
+            <a:pPr lvl="0" algn="ctr">
+              <a:lnSpc>
+                <a:spcPct val="86320"/>
+              </a:lnSpc>
+            </a:pPr>
+            <a:r>
+              <a:rPr lang="en-US" altLang="ko-KR" sz="7200" dirty="0"/>
+              <a:t>EfficientNetB0 + VGG16</a:t>
+            </a:r>
+            <a:endParaRPr lang="ko-KR" sz="7000" b="0" i="0" u="none" strike="noStrike" spc="-100" dirty="0">
+              <a:solidFill>
+                <a:srgbClr val="393939"/>
+              </a:solidFill>
+              <a:ea typeface="Pretendard Bold"/>
+            </a:endParaRPr>
+          </a:p>
+        </p:txBody>
+      </p:sp>
+      <p:sp>
+        <p:nvSpPr>
+          <p:cNvPr id="9" name="TextBox 9"/>
+          <p:cNvSpPr txBox="1"/>
+          <p:nvPr/>
+        </p:nvSpPr>
+        <p:spPr>
+          <a:xfrm>
+            <a:off x="5765800" y="3340100"/>
+            <a:ext cx="6756400" cy="444500"/>
+          </a:xfrm>
+          <a:prstGeom prst="rect">
+            <a:avLst/>
+          </a:prstGeom>
+        </p:spPr>
+        <p:txBody>
+          <a:bodyPr lIns="0" tIns="0" rIns="0" bIns="0" rtlCol="0" anchor="ctr"/>
+          <a:lstStyle/>
+          <a:p>
+            <a:pPr lvl="0" algn="ctr">
+              <a:lnSpc>
+                <a:spcPct val="108729"/>
+              </a:lnSpc>
+            </a:pPr>
+            <a:r>
+              <a:rPr lang="en-US" altLang="ko-KR" sz="2500" dirty="0">
+                <a:solidFill>
+                  <a:schemeClr val="bg1">
+                    <a:lumMod val="50000"/>
+                  </a:schemeClr>
+                </a:solidFill>
+                <a:latin typeface="Pretendard Light" panose="02000403000000020004" pitchFamily="50" charset="-127"/>
+                <a:ea typeface="Pretendard Light" panose="02000403000000020004" pitchFamily="50" charset="-127"/>
+                <a:cs typeface="Pretendard Light" panose="02000403000000020004" pitchFamily="50" charset="-127"/>
+              </a:rPr>
+              <a:t>EfficientNetB0 + VGG16 </a:t>
+            </a:r>
+            <a:r>
+              <a:rPr lang="ko-KR" altLang="en-US" sz="2500" dirty="0">
+                <a:solidFill>
+                  <a:schemeClr val="bg1">
+                    <a:lumMod val="50000"/>
+                  </a:schemeClr>
+                </a:solidFill>
+                <a:latin typeface="Pretendard Light" panose="02000403000000020004" pitchFamily="50" charset="-127"/>
+                <a:ea typeface="Pretendard Light" panose="02000403000000020004" pitchFamily="50" charset="-127"/>
+                <a:cs typeface="Pretendard Light" panose="02000403000000020004" pitchFamily="50" charset="-127"/>
+              </a:rPr>
+              <a:t>조합을</a:t>
+            </a:r>
+            <a:r>
+              <a:rPr lang="en-US" altLang="ko-KR" sz="2500" b="0" i="0" u="none" strike="noStrike" dirty="0">
+                <a:solidFill>
+                  <a:schemeClr val="bg1">
+                    <a:lumMod val="50000"/>
+                  </a:schemeClr>
+                </a:solidFill>
+                <a:latin typeface="Pretendard Light" panose="02000403000000020004" pitchFamily="50" charset="-127"/>
+                <a:ea typeface="Pretendard Light" panose="02000403000000020004" pitchFamily="50" charset="-127"/>
+                <a:cs typeface="Pretendard Light" panose="02000403000000020004" pitchFamily="50" charset="-127"/>
+              </a:rPr>
+              <a:t> </a:t>
+            </a:r>
+            <a:r>
+              <a:rPr lang="ko-KR" altLang="en-US" sz="2500" b="0" i="0" u="none" strike="noStrike" dirty="0">
+                <a:solidFill>
+                  <a:schemeClr val="bg1">
+                    <a:lumMod val="50000"/>
+                  </a:schemeClr>
+                </a:solidFill>
+                <a:latin typeface="Pretendard Light" panose="02000403000000020004" pitchFamily="50" charset="-127"/>
+                <a:ea typeface="Pretendard Light" panose="02000403000000020004" pitchFamily="50" charset="-127"/>
+                <a:cs typeface="Pretendard Light" panose="02000403000000020004" pitchFamily="50" charset="-127"/>
+              </a:rPr>
+              <a:t>사용한 이유</a:t>
+            </a:r>
+            <a:endParaRPr lang="en-US" sz="2500" b="0" i="0" u="none" strike="noStrike" dirty="0">
+              <a:solidFill>
+                <a:schemeClr val="bg1">
+                  <a:lumMod val="50000"/>
+                </a:schemeClr>
+              </a:solidFill>
+              <a:latin typeface="Pretendard Light" panose="02000403000000020004" pitchFamily="50" charset="-127"/>
+              <a:ea typeface="Pretendard Light" panose="02000403000000020004" pitchFamily="50" charset="-127"/>
+              <a:cs typeface="Pretendard Light" panose="02000403000000020004" pitchFamily="50" charset="-127"/>
+            </a:endParaRPr>
+          </a:p>
+        </p:txBody>
+      </p:sp>
       <p:pic>
         <p:nvPicPr>
-          <p:cNvPr id="9" name="그림 8">
-            <a:extLst>
-              <a:ext uri="{FF2B5EF4-FFF2-40B4-BE49-F238E27FC236}">
-                <a16:creationId xmlns:a16="http://schemas.microsoft.com/office/drawing/2014/main" id="{55536138-BD0B-45C2-8F27-E93C0EA3EACC}"/>
-              </a:ext>
-            </a:extLst>
-          </p:cNvPr>
+          <p:cNvPr id="10" name="Picture 10"/>
           <p:cNvPicPr>
             <a:picLocks noChangeAspect="1"/>
           </p:cNvPicPr>
@@ -10179,389 +11480,17 @@
         </p:blipFill>
         <p:spPr>
           <a:xfrm>
-            <a:off x="10049151" y="1465375"/>
-            <a:ext cx="6858000" cy="4000686"/>
+            <a:off x="5905500" y="3251200"/>
+            <a:ext cx="6477000" cy="12700"/>
           </a:xfrm>
           <a:prstGeom prst="rect">
             <a:avLst/>
           </a:prstGeom>
         </p:spPr>
       </p:pic>
-      <p:sp>
-        <p:nvSpPr>
-          <p:cNvPr id="10" name="TextBox 9">
-            <a:extLst>
-              <a:ext uri="{FF2B5EF4-FFF2-40B4-BE49-F238E27FC236}">
-                <a16:creationId xmlns:a16="http://schemas.microsoft.com/office/drawing/2014/main" id="{B7A03960-4208-47A7-B11D-545738FB769B}"/>
-              </a:ext>
-            </a:extLst>
-          </p:cNvPr>
-          <p:cNvSpPr txBox="1"/>
-          <p:nvPr/>
-        </p:nvSpPr>
-        <p:spPr>
-          <a:xfrm>
-            <a:off x="13106400" y="5136271"/>
-            <a:ext cx="1556516" cy="923330"/>
-          </a:xfrm>
-          <a:prstGeom prst="rect">
-            <a:avLst/>
-          </a:prstGeom>
-          <a:noFill/>
-        </p:spPr>
-        <p:txBody>
-          <a:bodyPr wrap="none" rtlCol="0">
-            <a:spAutoFit/>
-          </a:bodyPr>
-          <a:lstStyle/>
-          <a:p>
-            <a:r>
-              <a:rPr lang="en-US" altLang="ko-KR" b="1" dirty="0"/>
-              <a:t>EfficientNetB0</a:t>
-            </a:r>
-            <a:br>
-              <a:rPr lang="en-US" altLang="ko-KR" b="1" dirty="0"/>
-            </a:br>
-            <a:r>
-              <a:rPr lang="en-US" altLang="ko-KR" b="1" dirty="0"/>
-              <a:t> </a:t>
-            </a:r>
-            <a:br>
-              <a:rPr lang="en-US" altLang="ko-KR" b="1" dirty="0"/>
-            </a:br>
-            <a:r>
-              <a:rPr lang="en-US" altLang="ko-KR" b="1" dirty="0"/>
-              <a:t>VGG16</a:t>
-            </a:r>
-            <a:endParaRPr lang="ko-KR" altLang="en-US" b="1" dirty="0"/>
-          </a:p>
-        </p:txBody>
-      </p:sp>
-    </p:spTree>
-    <p:extLst>
-      <p:ext uri="{BB962C8B-B14F-4D97-AF65-F5344CB8AC3E}">
-        <p14:creationId xmlns:p14="http://schemas.microsoft.com/office/powerpoint/2010/main" val="3482996238"/>
-      </p:ext>
-    </p:extLst>
-  </p:cSld>
-  <p:clrMapOvr>
-    <a:masterClrMapping/>
-  </p:clrMapOvr>
-</p:sld>
-</file>
-
-<file path=ppt/slides/slide19.xml><?xml version="1.0" encoding="utf-8"?>
-<p:sld xmlns:a="http://schemas.openxmlformats.org/drawingml/2006/main" xmlns:r="http://schemas.openxmlformats.org/officeDocument/2006/relationships" xmlns:p="http://schemas.openxmlformats.org/presentationml/2006/main">
-  <p:cSld>
-    <p:spTree>
-      <p:nvGrpSpPr>
-        <p:cNvPr id="1" name="">
-          <a:extLst>
-            <a:ext uri="{FF2B5EF4-FFF2-40B4-BE49-F238E27FC236}">
-              <a16:creationId xmlns:a16="http://schemas.microsoft.com/office/drawing/2014/main" id="{E142088B-0971-C734-E7F2-55C861B6D57D}"/>
-            </a:ext>
-          </a:extLst>
-        </p:cNvPr>
-        <p:cNvGrpSpPr/>
-        <p:nvPr/>
-      </p:nvGrpSpPr>
-      <p:grpSpPr>
-        <a:xfrm>
-          <a:off x="0" y="0"/>
-          <a:ext cx="0" cy="0"/>
-          <a:chOff x="0" y="0"/>
-          <a:chExt cx="0" cy="0"/>
-        </a:xfrm>
-      </p:grpSpPr>
       <p:pic>
         <p:nvPicPr>
-          <p:cNvPr id="2" name="Picture 2">
-            <a:extLst>
-              <a:ext uri="{FF2B5EF4-FFF2-40B4-BE49-F238E27FC236}">
-                <a16:creationId xmlns:a16="http://schemas.microsoft.com/office/drawing/2014/main" id="{8703F2F4-6675-3385-9DA7-831CF1533CA9}"/>
-              </a:ext>
-            </a:extLst>
-          </p:cNvPr>
-          <p:cNvPicPr>
-            <a:picLocks noChangeAspect="1"/>
-          </p:cNvPicPr>
-          <p:nvPr/>
-        </p:nvPicPr>
-        <p:blipFill>
-          <a:blip r:embed="rId2"/>
-          <a:stretch>
-            <a:fillRect/>
-          </a:stretch>
-        </p:blipFill>
-        <p:spPr>
-          <a:xfrm>
-            <a:off x="533400" y="482600"/>
-            <a:ext cx="17208500" cy="9309100"/>
-          </a:xfrm>
-          <a:prstGeom prst="rect">
-            <a:avLst/>
-          </a:prstGeom>
-          <a:effectLst>
-            <a:outerShdw blurRad="323758" dist="143241" dir="7080000">
-              <a:srgbClr val="393939">
-                <a:alpha val="30000"/>
-              </a:srgbClr>
-            </a:outerShdw>
-          </a:effectLst>
-        </p:spPr>
-      </p:pic>
-      <p:sp>
-        <p:nvSpPr>
-          <p:cNvPr id="3" name="TextBox 8">
-            <a:extLst>
-              <a:ext uri="{FF2B5EF4-FFF2-40B4-BE49-F238E27FC236}">
-                <a16:creationId xmlns:a16="http://schemas.microsoft.com/office/drawing/2014/main" id="{AE594E7B-5E95-A900-7BD4-B3A9B7A0BCF3}"/>
-              </a:ext>
-            </a:extLst>
-          </p:cNvPr>
-          <p:cNvSpPr txBox="1"/>
-          <p:nvPr/>
-        </p:nvSpPr>
-        <p:spPr>
-          <a:xfrm>
-            <a:off x="1676400" y="800100"/>
-            <a:ext cx="13716000" cy="508000"/>
-          </a:xfrm>
-          <a:prstGeom prst="rect">
-            <a:avLst/>
-          </a:prstGeom>
-        </p:spPr>
-        <p:txBody>
-          <a:bodyPr lIns="0" tIns="0" rIns="0" bIns="0" rtlCol="0" anchor="ctr"/>
-          <a:lstStyle/>
-          <a:p>
-            <a:pPr lvl="0">
-              <a:lnSpc>
-                <a:spcPct val="92960"/>
-              </a:lnSpc>
-            </a:pPr>
-            <a:r>
-              <a:rPr lang="en-US" sz="2400" dirty="0">
-                <a:solidFill>
-                  <a:srgbClr val="393939"/>
-                </a:solidFill>
-                <a:latin typeface="Pretendard Bold"/>
-              </a:rPr>
-              <a:t>www.FitAI-Pro.com/AI-Model/</a:t>
-            </a:r>
-            <a:r>
-              <a:rPr lang="en-US" altLang="ko-KR" sz="2400" dirty="0">
-                <a:solidFill>
-                  <a:srgbClr val="393939"/>
-                </a:solidFill>
-                <a:latin typeface="Pretendard Bold"/>
-              </a:rPr>
-              <a:t>body_type</a:t>
-            </a:r>
-            <a:endParaRPr lang="en-US" sz="2400" b="0" i="0" u="none" strike="noStrike" dirty="0">
-              <a:solidFill>
-                <a:srgbClr val="393939"/>
-              </a:solidFill>
-              <a:latin typeface="Pretendard Bold"/>
-            </a:endParaRPr>
-          </a:p>
-        </p:txBody>
-      </p:sp>
-      <p:sp>
-        <p:nvSpPr>
-          <p:cNvPr id="4" name="TextBox 3">
-            <a:extLst>
-              <a:ext uri="{FF2B5EF4-FFF2-40B4-BE49-F238E27FC236}">
-                <a16:creationId xmlns:a16="http://schemas.microsoft.com/office/drawing/2014/main" id="{4AE649F6-12DF-2300-6199-B1A6B7BDDDCB}"/>
-              </a:ext>
-            </a:extLst>
-          </p:cNvPr>
-          <p:cNvSpPr txBox="1"/>
-          <p:nvPr/>
-        </p:nvSpPr>
-        <p:spPr>
-          <a:xfrm>
-            <a:off x="3289300" y="2044700"/>
-            <a:ext cx="11709400" cy="1244600"/>
-          </a:xfrm>
-          <a:prstGeom prst="rect">
-            <a:avLst/>
-          </a:prstGeom>
-        </p:spPr>
-        <p:txBody>
-          <a:bodyPr lIns="0" tIns="0" rIns="0" bIns="0" rtlCol="0" anchor="ctr"/>
-          <a:lstStyle/>
-          <a:p>
-            <a:pPr lvl="0" algn="ctr">
-              <a:lnSpc>
-                <a:spcPct val="86320"/>
-              </a:lnSpc>
-            </a:pPr>
-            <a:r>
-              <a:rPr lang="ko-KR" altLang="en-US" sz="7000" b="0" i="0" u="none" strike="noStrike" spc="-100" dirty="0">
-                <a:solidFill>
-                  <a:srgbClr val="393939"/>
-                </a:solidFill>
-                <a:ea typeface="Pretendard Bold"/>
-              </a:rPr>
-              <a:t>신체 부위별  수치 예측 모델</a:t>
-            </a:r>
-            <a:endParaRPr lang="ko-KR" sz="7000" b="0" i="0" u="none" strike="noStrike" spc="-100" dirty="0">
-              <a:solidFill>
-                <a:srgbClr val="393939"/>
-              </a:solidFill>
-              <a:ea typeface="Pretendard Bold"/>
-            </a:endParaRPr>
-          </a:p>
-        </p:txBody>
-      </p:sp>
-      <p:sp>
-        <p:nvSpPr>
-          <p:cNvPr id="5" name="TextBox 4">
-            <a:extLst>
-              <a:ext uri="{FF2B5EF4-FFF2-40B4-BE49-F238E27FC236}">
-                <a16:creationId xmlns:a16="http://schemas.microsoft.com/office/drawing/2014/main" id="{258F1079-67AA-1DC9-96B2-2C2B7F1F2994}"/>
-              </a:ext>
-            </a:extLst>
-          </p:cNvPr>
-          <p:cNvSpPr txBox="1"/>
-          <p:nvPr/>
-        </p:nvSpPr>
-        <p:spPr>
-          <a:xfrm>
-            <a:off x="5562600" y="3340100"/>
-            <a:ext cx="7010400" cy="444500"/>
-          </a:xfrm>
-          <a:prstGeom prst="rect">
-            <a:avLst/>
-          </a:prstGeom>
-        </p:spPr>
-        <p:txBody>
-          <a:bodyPr lIns="0" tIns="0" rIns="0" bIns="0" rtlCol="0" anchor="ctr"/>
-          <a:lstStyle/>
-          <a:p>
-            <a:pPr lvl="0" algn="ctr">
-              <a:lnSpc>
-                <a:spcPct val="108729"/>
-              </a:lnSpc>
-            </a:pPr>
-            <a:r>
-              <a:rPr lang="en-US" altLang="ko-KR" sz="2500" b="0" i="0" u="none" strike="noStrike" dirty="0">
-                <a:solidFill>
-                  <a:srgbClr val="9E9E9E"/>
-                </a:solidFill>
-                <a:ea typeface="Pretendard Light"/>
-              </a:rPr>
-              <a:t>CNN</a:t>
-            </a:r>
-            <a:r>
-              <a:rPr lang="ko-KR" altLang="en-US" sz="2500" b="0" i="0" u="none" strike="noStrike" dirty="0">
-                <a:solidFill>
-                  <a:srgbClr val="9E9E9E"/>
-                </a:solidFill>
-                <a:ea typeface="Pretendard Light"/>
-              </a:rPr>
-              <a:t>특징벡터 추출 후 </a:t>
-            </a:r>
-            <a:r>
-              <a:rPr lang="en-US" altLang="ko-KR" sz="2500" b="0" i="0" u="none" strike="noStrike" dirty="0">
-                <a:solidFill>
-                  <a:srgbClr val="9E9E9E"/>
-                </a:solidFill>
-                <a:ea typeface="Pretendard Light"/>
-              </a:rPr>
-              <a:t>XGBOOST</a:t>
-            </a:r>
-            <a:endParaRPr lang="en-US" sz="2500" b="0" i="0" u="none" strike="noStrike" dirty="0">
-              <a:solidFill>
-                <a:srgbClr val="9E9E9E"/>
-              </a:solidFill>
-              <a:latin typeface="Pretendard Light"/>
-            </a:endParaRPr>
-          </a:p>
-        </p:txBody>
-      </p:sp>
-      <p:pic>
-        <p:nvPicPr>
-          <p:cNvPr id="6" name="Picture 38">
-            <a:extLst>
-              <a:ext uri="{FF2B5EF4-FFF2-40B4-BE49-F238E27FC236}">
-                <a16:creationId xmlns:a16="http://schemas.microsoft.com/office/drawing/2014/main" id="{A96EFDDD-5F2E-6C2F-5767-672AC253467E}"/>
-              </a:ext>
-            </a:extLst>
-          </p:cNvPr>
-          <p:cNvPicPr>
-            <a:picLocks noChangeAspect="1"/>
-          </p:cNvPicPr>
-          <p:nvPr/>
-        </p:nvPicPr>
-        <p:blipFill>
-          <a:blip r:embed="rId3"/>
-          <a:stretch>
-            <a:fillRect/>
-          </a:stretch>
-        </p:blipFill>
-        <p:spPr>
-          <a:xfrm>
-            <a:off x="8496300" y="1574800"/>
-            <a:ext cx="1308100" cy="520700"/>
-          </a:xfrm>
-          <a:prstGeom prst="rect">
-            <a:avLst/>
-          </a:prstGeom>
-        </p:spPr>
-      </p:pic>
-      <p:sp>
-        <p:nvSpPr>
-          <p:cNvPr id="7" name="TextBox 39">
-            <a:extLst>
-              <a:ext uri="{FF2B5EF4-FFF2-40B4-BE49-F238E27FC236}">
-                <a16:creationId xmlns:a16="http://schemas.microsoft.com/office/drawing/2014/main" id="{87E73513-F386-1F60-EB0A-5016542C5327}"/>
-              </a:ext>
-            </a:extLst>
-          </p:cNvPr>
-          <p:cNvSpPr txBox="1"/>
-          <p:nvPr/>
-        </p:nvSpPr>
-        <p:spPr>
-          <a:xfrm>
-            <a:off x="8356600" y="1651000"/>
-            <a:ext cx="1574800" cy="355600"/>
-          </a:xfrm>
-          <a:prstGeom prst="rect">
-            <a:avLst/>
-          </a:prstGeom>
-        </p:spPr>
-        <p:txBody>
-          <a:bodyPr lIns="0" tIns="0" rIns="0" bIns="0" rtlCol="0" anchor="ctr"/>
-          <a:lstStyle/>
-          <a:p>
-            <a:pPr lvl="0" algn="ctr">
-              <a:lnSpc>
-                <a:spcPct val="92960"/>
-              </a:lnSpc>
-            </a:pPr>
-            <a:r>
-              <a:rPr lang="en-US" sz="2000" b="0" i="0" u="none" strike="noStrike" dirty="0">
-                <a:solidFill>
-                  <a:srgbClr val="393939"/>
-                </a:solidFill>
-                <a:latin typeface="Pretendard Bold"/>
-              </a:rPr>
-              <a:t>Part.03</a:t>
-            </a:r>
-          </a:p>
-        </p:txBody>
-      </p:sp>
-      <p:pic>
-        <p:nvPicPr>
-          <p:cNvPr id="8" name="Picture 26">
-            <a:extLst>
-              <a:ext uri="{FF2B5EF4-FFF2-40B4-BE49-F238E27FC236}">
-                <a16:creationId xmlns:a16="http://schemas.microsoft.com/office/drawing/2014/main" id="{D607F77E-39E2-C905-DDEE-83E9B13116AE}"/>
-              </a:ext>
-            </a:extLst>
-          </p:cNvPr>
+          <p:cNvPr id="11" name="Picture 11"/>
           <p:cNvPicPr>
             <a:picLocks noChangeAspect="1"/>
           </p:cNvPicPr>
@@ -10575,23 +11504,167 @@
         </p:blipFill>
         <p:spPr>
           <a:xfrm>
-            <a:off x="4711700" y="3251200"/>
-            <a:ext cx="8864600" cy="12700"/>
+            <a:off x="1536700" y="4445000"/>
+            <a:ext cx="7454900" cy="1892300"/>
           </a:xfrm>
           <a:prstGeom prst="rect">
             <a:avLst/>
           </a:prstGeom>
         </p:spPr>
       </p:pic>
+      <p:sp>
+        <p:nvSpPr>
+          <p:cNvPr id="12" name="TextBox 12"/>
+          <p:cNvSpPr txBox="1"/>
+          <p:nvPr/>
+        </p:nvSpPr>
+        <p:spPr>
+          <a:xfrm>
+            <a:off x="1746250" y="4973762"/>
+            <a:ext cx="7010400" cy="980440"/>
+          </a:xfrm>
+          <a:prstGeom prst="rect">
+            <a:avLst/>
+          </a:prstGeom>
+        </p:spPr>
+        <p:txBody>
+          <a:bodyPr lIns="0" tIns="0" rIns="0" bIns="0" rtlCol="0" anchor="ctr"/>
+          <a:lstStyle/>
+          <a:p>
+            <a:pPr lvl="0">
+              <a:lnSpc>
+                <a:spcPct val="108729"/>
+              </a:lnSpc>
+            </a:pPr>
+            <a:r>
+              <a:rPr lang="en-US" altLang="ko-KR" sz="2000" dirty="0"/>
+              <a:t>EfficientNetB0</a:t>
+            </a:r>
+            <a:r>
+              <a:rPr lang="ko-KR" altLang="en-US" sz="2000" dirty="0"/>
+              <a:t>는 가벼우면서도 높은 정확도를 제공</a:t>
+            </a:r>
+            <a:r>
+              <a:rPr lang="en-US" altLang="ko-KR" sz="2000" dirty="0"/>
+              <a:t>,</a:t>
+            </a:r>
+          </a:p>
+          <a:p>
+            <a:pPr lvl="0">
+              <a:lnSpc>
+                <a:spcPct val="108729"/>
+              </a:lnSpc>
+            </a:pPr>
+            <a:r>
+              <a:rPr lang="ko-KR" altLang="en-US" sz="2000" dirty="0"/>
+              <a:t> </a:t>
+            </a:r>
+            <a:r>
+              <a:rPr lang="en-US" altLang="ko-KR" sz="2000" dirty="0"/>
+              <a:t>VGG16</a:t>
+            </a:r>
+            <a:r>
+              <a:rPr lang="ko-KR" altLang="en-US" sz="2000" dirty="0"/>
+              <a:t>은 특징을 잘 학습하지만 </a:t>
+            </a:r>
+            <a:r>
+              <a:rPr lang="ko-KR" altLang="en-US" sz="2000" dirty="0" err="1"/>
+              <a:t>연산량이</a:t>
+            </a:r>
+            <a:r>
+              <a:rPr lang="ko-KR" altLang="en-US" sz="2000" dirty="0"/>
+              <a:t> 많음</a:t>
+            </a:r>
+            <a:endParaRPr lang="en-US" altLang="ko-KR" sz="2000" dirty="0"/>
+          </a:p>
+          <a:p>
+            <a:pPr lvl="0">
+              <a:lnSpc>
+                <a:spcPct val="108729"/>
+              </a:lnSpc>
+            </a:pPr>
+            <a:r>
+              <a:rPr lang="ko-KR" altLang="en-US" sz="2000" dirty="0"/>
+              <a:t>두 모델을  조합하여 적절히 조절</a:t>
+            </a:r>
+            <a:endParaRPr lang="en-US" sz="2000" b="0" i="0" u="none" strike="noStrike" dirty="0">
+              <a:solidFill>
+                <a:srgbClr val="393939"/>
+              </a:solidFill>
+              <a:latin typeface="Pretendard Light"/>
+            </a:endParaRPr>
+          </a:p>
+        </p:txBody>
+      </p:sp>
       <p:pic>
         <p:nvPicPr>
-          <p:cNvPr id="10" name="그림 9">
-            <a:extLst>
-              <a:ext uri="{FF2B5EF4-FFF2-40B4-BE49-F238E27FC236}">
-                <a16:creationId xmlns:a16="http://schemas.microsoft.com/office/drawing/2014/main" id="{F9D151B8-95FA-4725-A205-2E5FEBC67010}"/>
-              </a:ext>
-            </a:extLst>
-          </p:cNvPr>
+          <p:cNvPr id="13" name="Picture 13"/>
+          <p:cNvPicPr>
+            <a:picLocks noChangeAspect="1"/>
+          </p:cNvPicPr>
+          <p:nvPr/>
+        </p:nvPicPr>
+        <p:blipFill>
+          <a:blip r:embed="rId7"/>
+          <a:stretch>
+            <a:fillRect/>
+          </a:stretch>
+        </p:blipFill>
+        <p:spPr>
+          <a:xfrm>
+            <a:off x="4241800" y="4152900"/>
+            <a:ext cx="2044700" cy="584200"/>
+          </a:xfrm>
+          <a:prstGeom prst="rect">
+            <a:avLst/>
+          </a:prstGeom>
+        </p:spPr>
+      </p:pic>
+      <p:sp>
+        <p:nvSpPr>
+          <p:cNvPr id="14" name="TextBox 14"/>
+          <p:cNvSpPr txBox="1"/>
+          <p:nvPr/>
+        </p:nvSpPr>
+        <p:spPr>
+          <a:xfrm>
+            <a:off x="4572000" y="4203700"/>
+            <a:ext cx="1663700" cy="495300"/>
+          </a:xfrm>
+          <a:prstGeom prst="rect">
+            <a:avLst/>
+          </a:prstGeom>
+        </p:spPr>
+        <p:txBody>
+          <a:bodyPr lIns="0" tIns="0" rIns="0" bIns="0" rtlCol="0" anchor="ctr"/>
+          <a:lstStyle/>
+          <a:p>
+            <a:pPr lvl="0" algn="l">
+              <a:lnSpc>
+                <a:spcPct val="108729"/>
+              </a:lnSpc>
+            </a:pPr>
+            <a:r>
+              <a:rPr lang="ko-KR" altLang="en-US" sz="2000" b="1" i="0" u="none" strike="noStrike" dirty="0">
+                <a:solidFill>
+                  <a:srgbClr val="393939"/>
+                </a:solidFill>
+                <a:latin typeface="+mn-ea"/>
+              </a:rPr>
+              <a:t>속도와 성능</a:t>
+            </a:r>
+            <a:endParaRPr lang="ko-KR" sz="2000" b="1" i="0" u="none" strike="noStrike" dirty="0">
+              <a:solidFill>
+                <a:srgbClr val="393939"/>
+              </a:solidFill>
+              <a:latin typeface="+mn-ea"/>
+            </a:endParaRPr>
+          </a:p>
+        </p:txBody>
+      </p:sp>
+      <p:pic>
+        <p:nvPicPr>
+          <p:cNvPr id="15" name="Picture 15"/>
           <p:cNvPicPr>
             <a:picLocks noChangeAspect="1"/>
           </p:cNvPicPr>
@@ -10605,38 +11678,99 @@
         </p:blipFill>
         <p:spPr>
           <a:xfrm>
-            <a:off x="1240389" y="3924543"/>
-            <a:ext cx="8360812" cy="3962157"/>
+            <a:off x="9309100" y="4419600"/>
+            <a:ext cx="7454900" cy="1917700"/>
           </a:xfrm>
           <a:prstGeom prst="rect">
             <a:avLst/>
           </a:prstGeom>
         </p:spPr>
       </p:pic>
+      <p:sp>
+        <p:nvSpPr>
+          <p:cNvPr id="16" name="TextBox 16"/>
+          <p:cNvSpPr txBox="1"/>
+          <p:nvPr/>
+        </p:nvSpPr>
+        <p:spPr>
+          <a:xfrm>
+            <a:off x="9467850" y="5054600"/>
+            <a:ext cx="7073900" cy="787400"/>
+          </a:xfrm>
+          <a:prstGeom prst="rect">
+            <a:avLst/>
+          </a:prstGeom>
+        </p:spPr>
+        <p:txBody>
+          <a:bodyPr lIns="0" tIns="0" rIns="0" bIns="0" rtlCol="0" anchor="ctr"/>
+          <a:lstStyle/>
+          <a:p>
+            <a:pPr lvl="0">
+              <a:lnSpc>
+                <a:spcPct val="108729"/>
+              </a:lnSpc>
+            </a:pPr>
+            <a:r>
+              <a:rPr lang="en-US" altLang="ko-KR" sz="2000" dirty="0">
+                <a:latin typeface="+mn-ea"/>
+              </a:rPr>
+              <a:t>VGG16: </a:t>
+            </a:r>
+            <a:r>
+              <a:rPr lang="ko-KR" altLang="en-US" sz="2000" dirty="0">
+                <a:latin typeface="+mn-ea"/>
+              </a:rPr>
+              <a:t>신체 특징을 깊이 학습 가능</a:t>
+            </a:r>
+            <a:endParaRPr lang="en-US" altLang="ko-KR" sz="2000" dirty="0">
+              <a:latin typeface="+mn-ea"/>
+            </a:endParaRPr>
+          </a:p>
+          <a:p>
+            <a:pPr lvl="0">
+              <a:lnSpc>
+                <a:spcPct val="108729"/>
+              </a:lnSpc>
+            </a:pPr>
+            <a:r>
+              <a:rPr lang="en-US" altLang="ko-KR" sz="2000" dirty="0">
+                <a:latin typeface="+mn-ea"/>
+              </a:rPr>
+              <a:t>EfficientNetB0: </a:t>
+            </a:r>
+            <a:r>
+              <a:rPr lang="ko-KR" altLang="en-US" sz="2000" dirty="0">
+                <a:latin typeface="+mn-ea"/>
+              </a:rPr>
+              <a:t>효율적인 특징 추출 가능</a:t>
+            </a:r>
+            <a:endParaRPr lang="en-US" sz="2000" i="0" u="none" strike="noStrike" dirty="0">
+              <a:solidFill>
+                <a:srgbClr val="393939"/>
+              </a:solidFill>
+              <a:latin typeface="+mn-ea"/>
+            </a:endParaRPr>
+          </a:p>
+        </p:txBody>
+      </p:sp>
       <p:pic>
         <p:nvPicPr>
-          <p:cNvPr id="13" name="그림 12">
-            <a:extLst>
-              <a:ext uri="{FF2B5EF4-FFF2-40B4-BE49-F238E27FC236}">
-                <a16:creationId xmlns:a16="http://schemas.microsoft.com/office/drawing/2014/main" id="{11C551DB-9413-4F23-9D9F-355D92CCA5F5}"/>
-              </a:ext>
-            </a:extLst>
-          </p:cNvPr>
+          <p:cNvPr id="17" name="Picture 17"/>
           <p:cNvPicPr>
             <a:picLocks noChangeAspect="1"/>
           </p:cNvPicPr>
           <p:nvPr/>
         </p:nvPicPr>
         <p:blipFill>
-          <a:blip r:embed="rId6"/>
+          <a:blip r:embed="rId7"/>
           <a:stretch>
             <a:fillRect/>
           </a:stretch>
         </p:blipFill>
         <p:spPr>
           <a:xfrm>
-            <a:off x="1278835" y="8131175"/>
-            <a:ext cx="8162925" cy="1123950"/>
+            <a:off x="12014200" y="4140200"/>
+            <a:ext cx="2044700" cy="584200"/>
           </a:xfrm>
           <a:prstGeom prst="rect">
             <a:avLst/>
@@ -10645,165 +11779,513 @@
       </p:pic>
       <p:sp>
         <p:nvSpPr>
-          <p:cNvPr id="16" name="TextBox 15">
-            <a:extLst>
-              <a:ext uri="{FF2B5EF4-FFF2-40B4-BE49-F238E27FC236}">
-                <a16:creationId xmlns:a16="http://schemas.microsoft.com/office/drawing/2014/main" id="{C3667D11-F357-4E40-BC2D-26BACAA686D3}"/>
-              </a:ext>
-            </a:extLst>
-          </p:cNvPr>
+          <p:cNvPr id="18" name="TextBox 18"/>
           <p:cNvSpPr txBox="1"/>
           <p:nvPr/>
         </p:nvSpPr>
         <p:spPr>
           <a:xfrm>
-            <a:off x="10188396" y="4025900"/>
-            <a:ext cx="6728004" cy="1477328"/>
-          </a:xfrm>
-          <a:prstGeom prst="rect">
-            <a:avLst/>
-          </a:prstGeom>
-          <a:noFill/>
-        </p:spPr>
-        <p:txBody>
-          <a:bodyPr wrap="square" rtlCol="0">
-            <a:spAutoFit/>
-          </a:bodyPr>
-          <a:lstStyle/>
-          <a:p>
-            <a:r>
-              <a:rPr lang="en-US" altLang="ko-KR" dirty="0">
-                <a:latin typeface="Pretendard Bold" panose="020B0600000101010101" charset="-127"/>
-                <a:ea typeface="Pretendard Bold" panose="020B0600000101010101" charset="-127"/>
-              </a:rPr>
-              <a:t>CNN</a:t>
-            </a:r>
-            <a:r>
-              <a:rPr lang="ko-KR" altLang="en-US" dirty="0">
-                <a:latin typeface="Pretendard Bold" panose="020B0600000101010101" charset="-127"/>
-                <a:ea typeface="Pretendard Bold" panose="020B0600000101010101" charset="-127"/>
-              </a:rPr>
-              <a:t>과 머신 러닝의 장점을 결합하여 성능과 효율을 극대화</a:t>
-            </a:r>
-            <a:endParaRPr lang="en-US" altLang="ko-KR" dirty="0">
-              <a:latin typeface="Pretendard Bold" panose="020B0600000101010101" charset="-127"/>
-              <a:ea typeface="Pretendard Bold" panose="020B0600000101010101" charset="-127"/>
-            </a:endParaRPr>
-          </a:p>
-          <a:p>
-            <a:r>
-              <a:rPr lang="ko-KR" altLang="en-US" dirty="0">
-                <a:latin typeface="Pretendard Bold" panose="020B0600000101010101" charset="-127"/>
-                <a:ea typeface="Pretendard Bold" panose="020B0600000101010101" charset="-127"/>
-              </a:rPr>
-              <a:t>사용한 </a:t>
-            </a:r>
-            <a:r>
-              <a:rPr lang="en-US" altLang="ko-KR" dirty="0">
-                <a:latin typeface="Pretendard Bold" panose="020B0600000101010101" charset="-127"/>
-                <a:ea typeface="Pretendard Bold" panose="020B0600000101010101" charset="-127"/>
-              </a:rPr>
-              <a:t>CNN </a:t>
-            </a:r>
-            <a:r>
-              <a:rPr lang="ko-KR" altLang="en-US" dirty="0">
-                <a:latin typeface="Pretendard Bold" panose="020B0600000101010101" charset="-127"/>
-                <a:ea typeface="Pretendard Bold" panose="020B0600000101010101" charset="-127"/>
-              </a:rPr>
-              <a:t>모델</a:t>
-            </a:r>
-            <a:r>
-              <a:rPr lang="en-US" altLang="ko-KR" dirty="0">
-                <a:latin typeface="Pretendard Bold" panose="020B0600000101010101" charset="-127"/>
-                <a:ea typeface="Pretendard Bold" panose="020B0600000101010101" charset="-127"/>
-              </a:rPr>
-              <a:t> EfficientNetB0, VGG16</a:t>
-            </a:r>
-            <a:r>
-              <a:rPr lang="ko-KR" altLang="en-US" dirty="0">
-                <a:latin typeface="Pretendard Bold" panose="020B0600000101010101" charset="-127"/>
-                <a:ea typeface="Pretendard Bold" panose="020B0600000101010101" charset="-127"/>
-              </a:rPr>
-              <a:t>에서 자동으로 감지하여 고유한 특징 벡터를 변환하여 수치 예측에 최적화된 </a:t>
-            </a:r>
-            <a:r>
-              <a:rPr lang="en-US" altLang="ko-KR" dirty="0">
-                <a:latin typeface="Pretendard Bold" panose="020B0600000101010101" charset="-127"/>
-                <a:ea typeface="Pretendard Bold" panose="020B0600000101010101" charset="-127"/>
-              </a:rPr>
-              <a:t>XGBOOST</a:t>
-            </a:r>
-            <a:r>
-              <a:rPr lang="ko-KR" altLang="en-US" dirty="0">
-                <a:latin typeface="Pretendard Bold" panose="020B0600000101010101" charset="-127"/>
-                <a:ea typeface="Pretendard Bold" panose="020B0600000101010101" charset="-127"/>
-              </a:rPr>
-              <a:t>사용</a:t>
-            </a:r>
-            <a:endParaRPr lang="en-US" altLang="ko-KR" dirty="0">
-              <a:latin typeface="Pretendard Bold" panose="020B0600000101010101" charset="-127"/>
-              <a:ea typeface="Pretendard Bold" panose="020B0600000101010101" charset="-127"/>
-            </a:endParaRPr>
-          </a:p>
-          <a:p>
-            <a:endParaRPr lang="ko-KR" altLang="en-US" dirty="0">
-              <a:latin typeface="Pretendard Bold" panose="020B0600000101010101" charset="-127"/>
-              <a:ea typeface="Pretendard Bold" panose="020B0600000101010101" charset="-127"/>
+            <a:off x="12420600" y="4178300"/>
+            <a:ext cx="1663700" cy="495300"/>
+          </a:xfrm>
+          <a:prstGeom prst="rect">
+            <a:avLst/>
+          </a:prstGeom>
+        </p:spPr>
+        <p:txBody>
+          <a:bodyPr lIns="0" tIns="0" rIns="0" bIns="0" rtlCol="0" anchor="ctr"/>
+          <a:lstStyle/>
+          <a:p>
+            <a:pPr lvl="0" algn="l">
+              <a:lnSpc>
+                <a:spcPct val="108729"/>
+              </a:lnSpc>
+            </a:pPr>
+            <a:r>
+              <a:rPr lang="ko-KR" altLang="en-US" sz="2000" b="1" i="0" u="none" strike="noStrike" dirty="0">
+                <a:solidFill>
+                  <a:srgbClr val="393939"/>
+                </a:solidFill>
+                <a:latin typeface="Pretendard Bold"/>
+              </a:rPr>
+              <a:t>학습 편의성</a:t>
+            </a:r>
+            <a:endParaRPr lang="ko-KR" sz="2000" b="1" i="0" u="none" strike="noStrike" dirty="0">
+              <a:solidFill>
+                <a:srgbClr val="393939"/>
+              </a:solidFill>
+              <a:ea typeface="Pretendard Bold"/>
             </a:endParaRPr>
           </a:p>
         </p:txBody>
       </p:sp>
       <p:pic>
         <p:nvPicPr>
-          <p:cNvPr id="4098" name="Picture 2">
-            <a:extLst>
-              <a:ext uri="{FF2B5EF4-FFF2-40B4-BE49-F238E27FC236}">
-                <a16:creationId xmlns:a16="http://schemas.microsoft.com/office/drawing/2014/main" id="{97F66075-2A92-4F81-AA7B-F652E2EC92B6}"/>
-              </a:ext>
-            </a:extLst>
-          </p:cNvPr>
+          <p:cNvPr id="20" name="Picture 20"/>
           <p:cNvPicPr>
-            <a:picLocks noChangeAspect="1" noChangeArrowheads="1"/>
+            <a:picLocks noChangeAspect="1"/>
           </p:cNvPicPr>
           <p:nvPr/>
         </p:nvPicPr>
         <p:blipFill>
-          <a:blip r:embed="rId7">
-            <a:extLst>
-              <a:ext uri="{28A0092B-C50C-407E-A947-70E740481C1C}">
-                <a14:useLocalDpi xmlns:a14="http://schemas.microsoft.com/office/drawing/2010/main" val="0"/>
-              </a:ext>
-            </a:extLst>
-          </a:blip>
-          <a:srcRect/>
+          <a:blip r:embed="rId7"/>
           <a:stretch>
             <a:fillRect/>
           </a:stretch>
         </p:blipFill>
-        <p:spPr bwMode="auto">
-          <a:xfrm>
-            <a:off x="9796807" y="5280327"/>
-            <a:ext cx="7183783" cy="4003373"/>
-          </a:xfrm>
-          <a:prstGeom prst="rect">
-            <a:avLst/>
-          </a:prstGeom>
-          <a:noFill/>
-          <a:extLst>
-            <a:ext uri="{909E8E84-426E-40DD-AFC4-6F175D3DCCD1}">
-              <a14:hiddenFill xmlns:a14="http://schemas.microsoft.com/office/drawing/2010/main">
-                <a:solidFill>
-                  <a:srgbClr val="FFFFFF"/>
-                </a:solidFill>
-              </a14:hiddenFill>
-            </a:ext>
-          </a:extLst>
+        <p:spPr>
+          <a:xfrm>
+            <a:off x="4229100" y="6680200"/>
+            <a:ext cx="2044700" cy="584200"/>
+          </a:xfrm>
+          <a:prstGeom prst="rect">
+            <a:avLst/>
+          </a:prstGeom>
         </p:spPr>
       </p:pic>
+      <p:pic>
+        <p:nvPicPr>
+          <p:cNvPr id="23" name="Picture 23"/>
+          <p:cNvPicPr>
+            <a:picLocks noChangeAspect="1"/>
+          </p:cNvPicPr>
+          <p:nvPr/>
+        </p:nvPicPr>
+        <p:blipFill>
+          <a:blip r:embed="rId7"/>
+          <a:stretch>
+            <a:fillRect/>
+          </a:stretch>
+        </p:blipFill>
+        <p:spPr>
+          <a:xfrm>
+            <a:off x="12001500" y="6654800"/>
+            <a:ext cx="2044700" cy="584200"/>
+          </a:xfrm>
+          <a:prstGeom prst="rect">
+            <a:avLst/>
+          </a:prstGeom>
+        </p:spPr>
+      </p:pic>
+      <p:grpSp>
+        <p:nvGrpSpPr>
+          <p:cNvPr id="25" name="그룹 24">
+            <a:extLst>
+              <a:ext uri="{FF2B5EF4-FFF2-40B4-BE49-F238E27FC236}">
+                <a16:creationId xmlns:a16="http://schemas.microsoft.com/office/drawing/2014/main" id="{E0BF9DEE-B871-43E8-ADC5-2AB168090689}"/>
+              </a:ext>
+            </a:extLst>
+          </p:cNvPr>
+          <p:cNvGrpSpPr/>
+          <p:nvPr/>
+        </p:nvGrpSpPr>
+        <p:grpSpPr>
+          <a:xfrm>
+            <a:off x="8375650" y="1590040"/>
+            <a:ext cx="1257300" cy="495300"/>
+            <a:chOff x="8509000" y="1574800"/>
+            <a:chExt cx="1257300" cy="495300"/>
+          </a:xfrm>
+          <a:solidFill>
+            <a:schemeClr val="accent3">
+              <a:lumMod val="40000"/>
+              <a:lumOff val="60000"/>
+            </a:schemeClr>
+          </a:solidFill>
+        </p:grpSpPr>
+        <p:sp>
+          <p:nvSpPr>
+            <p:cNvPr id="26" name="직사각형 25">
+              <a:extLst>
+                <a:ext uri="{FF2B5EF4-FFF2-40B4-BE49-F238E27FC236}">
+                  <a16:creationId xmlns:a16="http://schemas.microsoft.com/office/drawing/2014/main" id="{650681F0-ECC6-409B-8701-803F0F93F049}"/>
+                </a:ext>
+              </a:extLst>
+            </p:cNvPr>
+            <p:cNvSpPr/>
+            <p:nvPr/>
+          </p:nvSpPr>
+          <p:spPr>
+            <a:xfrm>
+              <a:off x="8686800" y="1574800"/>
+              <a:ext cx="914400" cy="495300"/>
+            </a:xfrm>
+            <a:prstGeom prst="rect">
+              <a:avLst/>
+            </a:prstGeom>
+            <a:grpFill/>
+            <a:ln>
+              <a:noFill/>
+            </a:ln>
+          </p:spPr>
+          <p:style>
+            <a:lnRef idx="2">
+              <a:schemeClr val="accent1">
+                <a:shade val="15000"/>
+              </a:schemeClr>
+            </a:lnRef>
+            <a:fillRef idx="1">
+              <a:schemeClr val="accent1"/>
+            </a:fillRef>
+            <a:effectRef idx="0">
+              <a:schemeClr val="accent1"/>
+            </a:effectRef>
+            <a:fontRef idx="minor">
+              <a:schemeClr val="lt1"/>
+            </a:fontRef>
+          </p:style>
+          <p:txBody>
+            <a:bodyPr rtlCol="0" anchor="ctr"/>
+            <a:lstStyle/>
+            <a:p>
+              <a:pPr algn="ctr"/>
+              <a:endParaRPr lang="ko-KR" altLang="en-US"/>
+            </a:p>
+          </p:txBody>
+        </p:sp>
+        <p:sp>
+          <p:nvSpPr>
+            <p:cNvPr id="27" name="타원 26">
+              <a:extLst>
+                <a:ext uri="{FF2B5EF4-FFF2-40B4-BE49-F238E27FC236}">
+                  <a16:creationId xmlns:a16="http://schemas.microsoft.com/office/drawing/2014/main" id="{6182DB7F-E92D-4C4F-94E0-0F88E97EC697}"/>
+                </a:ext>
+              </a:extLst>
+            </p:cNvPr>
+            <p:cNvSpPr/>
+            <p:nvPr/>
+          </p:nvSpPr>
+          <p:spPr>
+            <a:xfrm>
+              <a:off x="8509000" y="1574800"/>
+              <a:ext cx="457200" cy="495300"/>
+            </a:xfrm>
+            <a:prstGeom prst="ellipse">
+              <a:avLst/>
+            </a:prstGeom>
+            <a:grpFill/>
+            <a:ln>
+              <a:noFill/>
+            </a:ln>
+          </p:spPr>
+          <p:style>
+            <a:lnRef idx="2">
+              <a:schemeClr val="accent1">
+                <a:shade val="15000"/>
+              </a:schemeClr>
+            </a:lnRef>
+            <a:fillRef idx="1">
+              <a:schemeClr val="accent1"/>
+            </a:fillRef>
+            <a:effectRef idx="0">
+              <a:schemeClr val="accent1"/>
+            </a:effectRef>
+            <a:fontRef idx="minor">
+              <a:schemeClr val="lt1"/>
+            </a:fontRef>
+          </p:style>
+          <p:txBody>
+            <a:bodyPr rtlCol="0" anchor="ctr"/>
+            <a:lstStyle/>
+            <a:p>
+              <a:pPr algn="ctr"/>
+              <a:endParaRPr lang="ko-KR" altLang="en-US"/>
+            </a:p>
+          </p:txBody>
+        </p:sp>
+        <p:sp>
+          <p:nvSpPr>
+            <p:cNvPr id="28" name="타원 27">
+              <a:extLst>
+                <a:ext uri="{FF2B5EF4-FFF2-40B4-BE49-F238E27FC236}">
+                  <a16:creationId xmlns:a16="http://schemas.microsoft.com/office/drawing/2014/main" id="{F67BE491-10AC-4A09-BD90-A674503DB955}"/>
+                </a:ext>
+              </a:extLst>
+            </p:cNvPr>
+            <p:cNvSpPr/>
+            <p:nvPr/>
+          </p:nvSpPr>
+          <p:spPr>
+            <a:xfrm>
+              <a:off x="9309100" y="1574800"/>
+              <a:ext cx="457200" cy="495300"/>
+            </a:xfrm>
+            <a:prstGeom prst="ellipse">
+              <a:avLst/>
+            </a:prstGeom>
+            <a:grpFill/>
+            <a:ln>
+              <a:noFill/>
+            </a:ln>
+          </p:spPr>
+          <p:style>
+            <a:lnRef idx="2">
+              <a:schemeClr val="accent1">
+                <a:shade val="15000"/>
+              </a:schemeClr>
+            </a:lnRef>
+            <a:fillRef idx="1">
+              <a:schemeClr val="accent1"/>
+            </a:fillRef>
+            <a:effectRef idx="0">
+              <a:schemeClr val="accent1"/>
+            </a:effectRef>
+            <a:fontRef idx="minor">
+              <a:schemeClr val="lt1"/>
+            </a:fontRef>
+          </p:style>
+          <p:txBody>
+            <a:bodyPr rtlCol="0" anchor="ctr"/>
+            <a:lstStyle/>
+            <a:p>
+              <a:pPr algn="ctr"/>
+              <a:endParaRPr lang="ko-KR" altLang="en-US"/>
+            </a:p>
+          </p:txBody>
+        </p:sp>
+      </p:grpSp>
+      <p:sp>
+        <p:nvSpPr>
+          <p:cNvPr id="29" name="TextBox 31">
+            <a:extLst>
+              <a:ext uri="{FF2B5EF4-FFF2-40B4-BE49-F238E27FC236}">
+                <a16:creationId xmlns:a16="http://schemas.microsoft.com/office/drawing/2014/main" id="{BDFE878F-204E-433F-99A9-64E139B58AAA}"/>
+              </a:ext>
+            </a:extLst>
+          </p:cNvPr>
+          <p:cNvSpPr txBox="1"/>
+          <p:nvPr/>
+        </p:nvSpPr>
+        <p:spPr>
+          <a:xfrm>
+            <a:off x="8229600" y="1651000"/>
+            <a:ext cx="1574800" cy="355600"/>
+          </a:xfrm>
+          <a:prstGeom prst="rect">
+            <a:avLst/>
+          </a:prstGeom>
+        </p:spPr>
+        <p:txBody>
+          <a:bodyPr lIns="0" tIns="0" rIns="0" bIns="0" rtlCol="0" anchor="ctr"/>
+          <a:lstStyle/>
+          <a:p>
+            <a:pPr lvl="0" algn="ctr">
+              <a:lnSpc>
+                <a:spcPct val="92960"/>
+              </a:lnSpc>
+            </a:pPr>
+            <a:r>
+              <a:rPr lang="en-US" altLang="ko-KR" sz="2000" b="0" i="0" u="none" strike="noStrike" dirty="0">
+                <a:solidFill>
+                  <a:srgbClr val="393939"/>
+                </a:solidFill>
+                <a:latin typeface="Pretendard Bold"/>
+              </a:rPr>
+              <a:t>Step.03</a:t>
+            </a:r>
+          </a:p>
+        </p:txBody>
+      </p:sp>
+      <p:sp>
+        <p:nvSpPr>
+          <p:cNvPr id="30" name="TextBox 14">
+            <a:extLst>
+              <a:ext uri="{FF2B5EF4-FFF2-40B4-BE49-F238E27FC236}">
+                <a16:creationId xmlns:a16="http://schemas.microsoft.com/office/drawing/2014/main" id="{673C543A-3E48-441C-877A-6EF4164C7986}"/>
+              </a:ext>
+            </a:extLst>
+          </p:cNvPr>
+          <p:cNvSpPr txBox="1"/>
+          <p:nvPr/>
+        </p:nvSpPr>
+        <p:spPr>
+          <a:xfrm>
+            <a:off x="4584700" y="6743700"/>
+            <a:ext cx="1663700" cy="495300"/>
+          </a:xfrm>
+          <a:prstGeom prst="rect">
+            <a:avLst/>
+          </a:prstGeom>
+        </p:spPr>
+        <p:txBody>
+          <a:bodyPr lIns="0" tIns="0" rIns="0" bIns="0" rtlCol="0" anchor="ctr"/>
+          <a:lstStyle/>
+          <a:p>
+            <a:pPr lvl="0" algn="l">
+              <a:lnSpc>
+                <a:spcPct val="108729"/>
+              </a:lnSpc>
+            </a:pPr>
+            <a:r>
+              <a:rPr lang="ko-KR" altLang="en-US" sz="2000" b="1" i="0" u="none" strike="noStrike" dirty="0">
+                <a:solidFill>
+                  <a:srgbClr val="393939"/>
+                </a:solidFill>
+                <a:latin typeface="+mn-ea"/>
+              </a:rPr>
+              <a:t>해석 가능성</a:t>
+            </a:r>
+            <a:endParaRPr lang="ko-KR" sz="2000" b="1" i="0" u="none" strike="noStrike" dirty="0">
+              <a:solidFill>
+                <a:srgbClr val="393939"/>
+              </a:solidFill>
+              <a:latin typeface="+mn-ea"/>
+            </a:endParaRPr>
+          </a:p>
+        </p:txBody>
+      </p:sp>
+      <p:sp>
+        <p:nvSpPr>
+          <p:cNvPr id="31" name="TextBox 14">
+            <a:extLst>
+              <a:ext uri="{FF2B5EF4-FFF2-40B4-BE49-F238E27FC236}">
+                <a16:creationId xmlns:a16="http://schemas.microsoft.com/office/drawing/2014/main" id="{11F50A13-A4A0-4E3F-9A86-7C58F09A7A50}"/>
+              </a:ext>
+            </a:extLst>
+          </p:cNvPr>
+          <p:cNvSpPr txBox="1"/>
+          <p:nvPr/>
+        </p:nvSpPr>
+        <p:spPr>
+          <a:xfrm>
+            <a:off x="12525513" y="6699250"/>
+            <a:ext cx="2044700" cy="495300"/>
+          </a:xfrm>
+          <a:prstGeom prst="rect">
+            <a:avLst/>
+          </a:prstGeom>
+        </p:spPr>
+        <p:txBody>
+          <a:bodyPr lIns="0" tIns="0" rIns="0" bIns="0" rtlCol="0" anchor="ctr"/>
+          <a:lstStyle/>
+          <a:p>
+            <a:pPr lvl="0" algn="l">
+              <a:lnSpc>
+                <a:spcPct val="108729"/>
+              </a:lnSpc>
+            </a:pPr>
+            <a:r>
+              <a:rPr lang="ko-KR" altLang="en-US" sz="2000" b="1" dirty="0"/>
+              <a:t>학습 환경</a:t>
+            </a:r>
+            <a:endParaRPr lang="ko-KR" sz="2000" b="1" i="0" u="none" strike="noStrike" dirty="0">
+              <a:solidFill>
+                <a:srgbClr val="393939"/>
+              </a:solidFill>
+              <a:latin typeface="+mn-ea"/>
+            </a:endParaRPr>
+          </a:p>
+        </p:txBody>
+      </p:sp>
+      <p:sp>
+        <p:nvSpPr>
+          <p:cNvPr id="33" name="TextBox 12">
+            <a:extLst>
+              <a:ext uri="{FF2B5EF4-FFF2-40B4-BE49-F238E27FC236}">
+                <a16:creationId xmlns:a16="http://schemas.microsoft.com/office/drawing/2014/main" id="{DD00B055-5B60-4F96-A784-9FBC5560B3A6}"/>
+              </a:ext>
+            </a:extLst>
+          </p:cNvPr>
+          <p:cNvSpPr txBox="1"/>
+          <p:nvPr/>
+        </p:nvSpPr>
+        <p:spPr>
+          <a:xfrm>
+            <a:off x="1848954" y="7493000"/>
+            <a:ext cx="7010400" cy="980440"/>
+          </a:xfrm>
+          <a:prstGeom prst="rect">
+            <a:avLst/>
+          </a:prstGeom>
+        </p:spPr>
+        <p:txBody>
+          <a:bodyPr lIns="0" tIns="0" rIns="0" bIns="0" rtlCol="0" anchor="ctr"/>
+          <a:lstStyle/>
+          <a:p>
+            <a:pPr lvl="0">
+              <a:lnSpc>
+                <a:spcPct val="108729"/>
+              </a:lnSpc>
+            </a:pPr>
+            <a:r>
+              <a:rPr lang="en-US" altLang="ko-KR" sz="2000" dirty="0"/>
+              <a:t>VGG16</a:t>
+            </a:r>
+            <a:r>
+              <a:rPr lang="ko-KR" altLang="en-US" sz="2000" dirty="0"/>
+              <a:t>은 직관적인 </a:t>
+            </a:r>
+            <a:r>
+              <a:rPr lang="en-US" altLang="ko-KR" sz="2000" dirty="0"/>
+              <a:t>CNN </a:t>
+            </a:r>
+            <a:r>
+              <a:rPr lang="ko-KR" altLang="en-US" sz="2000" dirty="0"/>
+              <a:t>구조로 해석이 쉬우며</a:t>
+            </a:r>
+            <a:r>
+              <a:rPr lang="en-US" altLang="ko-KR" sz="2000" dirty="0"/>
+              <a:t>, EfficientNetB0</a:t>
+            </a:r>
+            <a:r>
+              <a:rPr lang="ko-KR" altLang="en-US" sz="2000" dirty="0"/>
+              <a:t>는 최적화된 설계로 설정과 튜닝이 간단함</a:t>
+            </a:r>
+            <a:endParaRPr lang="en-US" sz="2000" b="0" i="0" u="none" strike="noStrike" dirty="0">
+              <a:solidFill>
+                <a:srgbClr val="393939"/>
+              </a:solidFill>
+              <a:latin typeface="Pretendard Light"/>
+            </a:endParaRPr>
+          </a:p>
+        </p:txBody>
+      </p:sp>
+      <p:sp>
+        <p:nvSpPr>
+          <p:cNvPr id="34" name="TextBox 16">
+            <a:extLst>
+              <a:ext uri="{FF2B5EF4-FFF2-40B4-BE49-F238E27FC236}">
+                <a16:creationId xmlns:a16="http://schemas.microsoft.com/office/drawing/2014/main" id="{B5AADE4A-82E1-41BF-840B-0ADCF0908E1E}"/>
+              </a:ext>
+            </a:extLst>
+          </p:cNvPr>
+          <p:cNvSpPr txBox="1"/>
+          <p:nvPr/>
+        </p:nvSpPr>
+        <p:spPr>
+          <a:xfrm>
+            <a:off x="9571383" y="7480300"/>
+            <a:ext cx="7073900" cy="787400"/>
+          </a:xfrm>
+          <a:prstGeom prst="rect">
+            <a:avLst/>
+          </a:prstGeom>
+        </p:spPr>
+        <p:txBody>
+          <a:bodyPr lIns="0" tIns="0" rIns="0" bIns="0" rtlCol="0" anchor="ctr"/>
+          <a:lstStyle/>
+          <a:p>
+            <a:pPr lvl="0">
+              <a:lnSpc>
+                <a:spcPct val="108729"/>
+              </a:lnSpc>
+            </a:pPr>
+            <a:r>
+              <a:rPr lang="ko-KR" altLang="en-US" sz="2000" i="0" u="none" strike="noStrike" dirty="0">
+                <a:latin typeface="+mn-ea"/>
+              </a:rPr>
+              <a:t>학습 속도가 빠르지만 정확도 측면에서 사용한 조합에 비해 현저히 떨어짐 </a:t>
+            </a:r>
+            <a:endParaRPr lang="en-US" sz="2000" i="0" u="none" strike="noStrike" dirty="0">
+              <a:latin typeface="+mn-ea"/>
+            </a:endParaRPr>
+          </a:p>
+        </p:txBody>
+      </p:sp>
     </p:spTree>
     <p:extLst>
       <p:ext uri="{BB962C8B-B14F-4D97-AF65-F5344CB8AC3E}">
-        <p14:creationId xmlns:p14="http://schemas.microsoft.com/office/powerpoint/2010/main" val="1229568751"/>
+        <p14:creationId xmlns:p14="http://schemas.microsoft.com/office/powerpoint/2010/main" val="780050515"/>
       </p:ext>
     </p:extLst>
   </p:cSld>
@@ -10981,36 +12463,6 @@
           </a:p>
         </p:txBody>
       </p:sp>
-      <p:pic>
-        <p:nvPicPr>
-          <p:cNvPr id="20" name="그림 19">
-            <a:extLst>
-              <a:ext uri="{FF2B5EF4-FFF2-40B4-BE49-F238E27FC236}">
-                <a16:creationId xmlns:a16="http://schemas.microsoft.com/office/drawing/2014/main" id="{FF4C97F7-EC46-C65C-1E94-6670661F46BD}"/>
-              </a:ext>
-            </a:extLst>
-          </p:cNvPr>
-          <p:cNvPicPr>
-            <a:picLocks noChangeAspect="1"/>
-          </p:cNvPicPr>
-          <p:nvPr/>
-        </p:nvPicPr>
-        <p:blipFill>
-          <a:blip r:embed="rId5"/>
-          <a:stretch>
-            <a:fillRect/>
-          </a:stretch>
-        </p:blipFill>
-        <p:spPr>
-          <a:xfrm>
-            <a:off x="7543800" y="1749624"/>
-            <a:ext cx="8839934" cy="7762676"/>
-          </a:xfrm>
-          <a:prstGeom prst="rect">
-            <a:avLst/>
-          </a:prstGeom>
-        </p:spPr>
-      </p:pic>
       <p:sp>
         <p:nvSpPr>
           <p:cNvPr id="21" name="TextBox 4">
@@ -11227,6 +12679,42 @@
           </a:p>
         </p:txBody>
       </p:sp>
+      <p:pic>
+        <p:nvPicPr>
+          <p:cNvPr id="6" name="그림 5">
+            <a:extLst>
+              <a:ext uri="{FF2B5EF4-FFF2-40B4-BE49-F238E27FC236}">
+                <a16:creationId xmlns:a16="http://schemas.microsoft.com/office/drawing/2014/main" id="{CCCA7EAB-E949-4D66-B7FB-FB7E3382B936}"/>
+              </a:ext>
+            </a:extLst>
+          </p:cNvPr>
+          <p:cNvPicPr>
+            <a:picLocks noChangeAspect="1"/>
+          </p:cNvPicPr>
+          <p:nvPr/>
+        </p:nvPicPr>
+        <p:blipFill>
+          <a:blip r:embed="rId5">
+            <a:extLst>
+              <a:ext uri="{28A0092B-C50C-407E-A947-70E740481C1C}">
+                <a14:useLocalDpi xmlns:a14="http://schemas.microsoft.com/office/drawing/2010/main" val="0"/>
+              </a:ext>
+            </a:extLst>
+          </a:blip>
+          <a:stretch>
+            <a:fillRect/>
+          </a:stretch>
+        </p:blipFill>
+        <p:spPr>
+          <a:xfrm>
+            <a:off x="8153400" y="1966851"/>
+            <a:ext cx="8364117" cy="7144747"/>
+          </a:xfrm>
+          <a:prstGeom prst="rect">
+            <a:avLst/>
+          </a:prstGeom>
+        </p:spPr>
+      </p:pic>
     </p:spTree>
     <p:extLst>
       <p:ext uri="{BB962C8B-B14F-4D97-AF65-F5344CB8AC3E}">
@@ -11241,6 +12729,1041 @@
 </file>
 
 <file path=ppt/slides/slide20.xml><?xml version="1.0" encoding="utf-8"?>
+<p:sld xmlns:a="http://schemas.openxmlformats.org/drawingml/2006/main" xmlns:r="http://schemas.openxmlformats.org/officeDocument/2006/relationships" xmlns:p="http://schemas.openxmlformats.org/presentationml/2006/main">
+  <p:cSld>
+    <p:spTree>
+      <p:nvGrpSpPr>
+        <p:cNvPr id="1" name=""/>
+        <p:cNvGrpSpPr/>
+        <p:nvPr/>
+      </p:nvGrpSpPr>
+      <p:grpSpPr>
+        <a:xfrm>
+          <a:off x="0" y="0"/>
+          <a:ext cx="0" cy="0"/>
+          <a:chOff x="0" y="0"/>
+          <a:chExt cx="0" cy="0"/>
+        </a:xfrm>
+      </p:grpSpPr>
+      <p:pic>
+        <p:nvPicPr>
+          <p:cNvPr id="2" name="Picture 2">
+            <a:extLst>
+              <a:ext uri="{FF2B5EF4-FFF2-40B4-BE49-F238E27FC236}">
+                <a16:creationId xmlns:a16="http://schemas.microsoft.com/office/drawing/2014/main" id="{F6A56B70-3153-0924-31FD-01077E90311C}"/>
+              </a:ext>
+            </a:extLst>
+          </p:cNvPr>
+          <p:cNvPicPr>
+            <a:picLocks noChangeAspect="1"/>
+          </p:cNvPicPr>
+          <p:nvPr/>
+        </p:nvPicPr>
+        <p:blipFill>
+          <a:blip r:embed="rId2"/>
+          <a:stretch>
+            <a:fillRect/>
+          </a:stretch>
+        </p:blipFill>
+        <p:spPr>
+          <a:xfrm>
+            <a:off x="472109" y="481721"/>
+            <a:ext cx="17208500" cy="9309100"/>
+          </a:xfrm>
+          <a:prstGeom prst="rect">
+            <a:avLst/>
+          </a:prstGeom>
+          <a:effectLst>
+            <a:outerShdw blurRad="323758" dist="143241" dir="7080000">
+              <a:srgbClr val="393939">
+                <a:alpha val="30000"/>
+              </a:srgbClr>
+            </a:outerShdw>
+          </a:effectLst>
+        </p:spPr>
+      </p:pic>
+      <p:sp>
+        <p:nvSpPr>
+          <p:cNvPr id="3" name="TextBox 25">
+            <a:extLst>
+              <a:ext uri="{FF2B5EF4-FFF2-40B4-BE49-F238E27FC236}">
+                <a16:creationId xmlns:a16="http://schemas.microsoft.com/office/drawing/2014/main" id="{CBA78E5E-6D0B-DCC2-A3CD-5CF6970E78DE}"/>
+              </a:ext>
+            </a:extLst>
+          </p:cNvPr>
+          <p:cNvSpPr txBox="1"/>
+          <p:nvPr/>
+        </p:nvSpPr>
+        <p:spPr>
+          <a:xfrm>
+            <a:off x="965200" y="3788465"/>
+            <a:ext cx="7874000" cy="2311400"/>
+          </a:xfrm>
+          <a:prstGeom prst="rect">
+            <a:avLst/>
+          </a:prstGeom>
+        </p:spPr>
+        <p:txBody>
+          <a:bodyPr lIns="0" tIns="0" rIns="0" bIns="0" rtlCol="0" anchor="ctr"/>
+          <a:lstStyle/>
+          <a:p>
+            <a:pPr lvl="0" algn="ctr">
+              <a:lnSpc>
+                <a:spcPct val="98770"/>
+              </a:lnSpc>
+            </a:pPr>
+            <a:r>
+              <a:rPr lang="ko-KR" altLang="en-US" sz="5400" spc="-100" dirty="0">
+                <a:solidFill>
+                  <a:srgbClr val="393939"/>
+                </a:solidFill>
+                <a:latin typeface="+mj-ea"/>
+                <a:ea typeface="+mj-ea"/>
+              </a:rPr>
+              <a:t>신체둘레 예측</a:t>
+            </a:r>
+            <a:r>
+              <a:rPr lang="en-US" altLang="ko-KR" sz="5400" spc="-100" dirty="0">
+                <a:solidFill>
+                  <a:srgbClr val="393939"/>
+                </a:solidFill>
+                <a:latin typeface="+mj-ea"/>
+                <a:ea typeface="+mj-ea"/>
+              </a:rPr>
+              <a:t>(</a:t>
+            </a:r>
+            <a:r>
+              <a:rPr lang="ko-KR" altLang="en-US" sz="5400" spc="-100" dirty="0">
+                <a:solidFill>
+                  <a:srgbClr val="393939"/>
+                </a:solidFill>
+                <a:latin typeface="+mj-ea"/>
+                <a:ea typeface="+mj-ea"/>
+              </a:rPr>
+              <a:t>회귀</a:t>
+            </a:r>
+            <a:r>
+              <a:rPr lang="en-US" altLang="ko-KR" sz="5400" spc="-100" dirty="0">
+                <a:solidFill>
+                  <a:srgbClr val="393939"/>
+                </a:solidFill>
+                <a:latin typeface="+mj-ea"/>
+                <a:ea typeface="+mj-ea"/>
+              </a:rPr>
+              <a:t>) &amp;</a:t>
+            </a:r>
+            <a:r>
+              <a:rPr lang="ko-KR" altLang="en-US" sz="5400" spc="-100" dirty="0">
+                <a:solidFill>
+                  <a:srgbClr val="393939"/>
+                </a:solidFill>
+                <a:latin typeface="+mj-ea"/>
+                <a:ea typeface="+mj-ea"/>
+              </a:rPr>
+              <a:t>체형 분류 모델</a:t>
+            </a:r>
+            <a:endParaRPr lang="ko-KR" sz="5400" b="0" i="0" u="none" strike="noStrike" spc="-100" dirty="0">
+              <a:solidFill>
+                <a:srgbClr val="393939"/>
+              </a:solidFill>
+              <a:latin typeface="+mj-ea"/>
+              <a:ea typeface="+mj-ea"/>
+            </a:endParaRPr>
+          </a:p>
+        </p:txBody>
+      </p:sp>
+      <p:pic>
+        <p:nvPicPr>
+          <p:cNvPr id="4" name="Picture 26">
+            <a:extLst>
+              <a:ext uri="{FF2B5EF4-FFF2-40B4-BE49-F238E27FC236}">
+                <a16:creationId xmlns:a16="http://schemas.microsoft.com/office/drawing/2014/main" id="{73D4396C-7BE4-3F22-9387-77507DF51ADB}"/>
+              </a:ext>
+            </a:extLst>
+          </p:cNvPr>
+          <p:cNvPicPr>
+            <a:picLocks noChangeAspect="1"/>
+          </p:cNvPicPr>
+          <p:nvPr/>
+        </p:nvPicPr>
+        <p:blipFill>
+          <a:blip r:embed="rId3"/>
+          <a:stretch>
+            <a:fillRect/>
+          </a:stretch>
+        </p:blipFill>
+        <p:spPr>
+          <a:xfrm>
+            <a:off x="812800" y="2781300"/>
+            <a:ext cx="1308100" cy="520700"/>
+          </a:xfrm>
+          <a:prstGeom prst="rect">
+            <a:avLst/>
+          </a:prstGeom>
+        </p:spPr>
+      </p:pic>
+      <p:sp>
+        <p:nvSpPr>
+          <p:cNvPr id="5" name="TextBox 27">
+            <a:extLst>
+              <a:ext uri="{FF2B5EF4-FFF2-40B4-BE49-F238E27FC236}">
+                <a16:creationId xmlns:a16="http://schemas.microsoft.com/office/drawing/2014/main" id="{193E4C64-83AC-7DD2-761A-5D9C063DD827}"/>
+              </a:ext>
+            </a:extLst>
+          </p:cNvPr>
+          <p:cNvSpPr txBox="1"/>
+          <p:nvPr/>
+        </p:nvSpPr>
+        <p:spPr>
+          <a:xfrm>
+            <a:off x="685800" y="2857500"/>
+            <a:ext cx="1574800" cy="355600"/>
+          </a:xfrm>
+          <a:prstGeom prst="rect">
+            <a:avLst/>
+          </a:prstGeom>
+        </p:spPr>
+        <p:txBody>
+          <a:bodyPr lIns="0" tIns="0" rIns="0" bIns="0" rtlCol="0" anchor="ctr"/>
+          <a:lstStyle/>
+          <a:p>
+            <a:pPr lvl="0" algn="ctr">
+              <a:lnSpc>
+                <a:spcPct val="92960"/>
+              </a:lnSpc>
+            </a:pPr>
+            <a:r>
+              <a:rPr lang="en-US" sz="2000" b="0" i="0" u="none" strike="noStrike" dirty="0">
+                <a:solidFill>
+                  <a:srgbClr val="393939"/>
+                </a:solidFill>
+                <a:latin typeface="Pretendard Bold"/>
+              </a:rPr>
+              <a:t>Part.03</a:t>
+            </a:r>
+          </a:p>
+        </p:txBody>
+      </p:sp>
+      <p:sp>
+        <p:nvSpPr>
+          <p:cNvPr id="12" name="TextBox 3">
+            <a:extLst>
+              <a:ext uri="{FF2B5EF4-FFF2-40B4-BE49-F238E27FC236}">
+                <a16:creationId xmlns:a16="http://schemas.microsoft.com/office/drawing/2014/main" id="{043E7314-E9CA-FA9D-6F1C-FFDFC7A9CAE0}"/>
+              </a:ext>
+            </a:extLst>
+          </p:cNvPr>
+          <p:cNvSpPr txBox="1"/>
+          <p:nvPr/>
+        </p:nvSpPr>
+        <p:spPr>
+          <a:xfrm>
+            <a:off x="1663700" y="6286500"/>
+            <a:ext cx="7175500" cy="1447800"/>
+          </a:xfrm>
+          <a:prstGeom prst="rect">
+            <a:avLst/>
+          </a:prstGeom>
+        </p:spPr>
+        <p:txBody>
+          <a:bodyPr lIns="0" tIns="0" rIns="0" bIns="0" rtlCol="0" anchor="ctr"/>
+          <a:lstStyle/>
+          <a:p>
+            <a:pPr lvl="0" algn="ctr">
+              <a:lnSpc>
+                <a:spcPct val="108729"/>
+              </a:lnSpc>
+            </a:pPr>
+            <a:r>
+              <a:rPr lang="ko-KR" altLang="en-US" sz="2800" dirty="0" err="1"/>
+              <a:t>딥러닝과</a:t>
+            </a:r>
+            <a:r>
+              <a:rPr lang="ko-KR" altLang="en-US" sz="2800" dirty="0"/>
+              <a:t> </a:t>
+            </a:r>
+            <a:r>
+              <a:rPr lang="ko-KR" altLang="en-US" sz="2800" dirty="0" err="1"/>
+              <a:t>머신러닝을</a:t>
+            </a:r>
+            <a:r>
+              <a:rPr lang="ko-KR" altLang="en-US" sz="2800" dirty="0"/>
+              <a:t> 결합한 하이브리드 모델</a:t>
+            </a:r>
+            <a:endParaRPr lang="en-US" sz="2500" b="0" i="0" u="none" strike="noStrike" dirty="0">
+              <a:solidFill>
+                <a:srgbClr val="9E9E9E"/>
+              </a:solidFill>
+              <a:latin typeface="Pretendard Light"/>
+            </a:endParaRPr>
+          </a:p>
+        </p:txBody>
+      </p:sp>
+      <p:pic>
+        <p:nvPicPr>
+          <p:cNvPr id="13" name="Picture 4">
+            <a:extLst>
+              <a:ext uri="{FF2B5EF4-FFF2-40B4-BE49-F238E27FC236}">
+                <a16:creationId xmlns:a16="http://schemas.microsoft.com/office/drawing/2014/main" id="{CAC0CEA0-A6F7-DCF8-4B17-D111319BDDF8}"/>
+              </a:ext>
+            </a:extLst>
+          </p:cNvPr>
+          <p:cNvPicPr>
+            <a:picLocks noChangeAspect="1"/>
+          </p:cNvPicPr>
+          <p:nvPr/>
+        </p:nvPicPr>
+        <p:blipFill>
+          <a:blip r:embed="rId4"/>
+          <a:stretch>
+            <a:fillRect/>
+          </a:stretch>
+        </p:blipFill>
+        <p:spPr>
+          <a:xfrm>
+            <a:off x="1117600" y="6197600"/>
+            <a:ext cx="7874000" cy="12700"/>
+          </a:xfrm>
+          <a:prstGeom prst="rect">
+            <a:avLst/>
+          </a:prstGeom>
+        </p:spPr>
+      </p:pic>
+      <p:sp>
+        <p:nvSpPr>
+          <p:cNvPr id="16" name="TextBox 8">
+            <a:extLst>
+              <a:ext uri="{FF2B5EF4-FFF2-40B4-BE49-F238E27FC236}">
+                <a16:creationId xmlns:a16="http://schemas.microsoft.com/office/drawing/2014/main" id="{379C6139-DFEF-661D-D08B-B5689638B11C}"/>
+              </a:ext>
+            </a:extLst>
+          </p:cNvPr>
+          <p:cNvSpPr txBox="1"/>
+          <p:nvPr/>
+        </p:nvSpPr>
+        <p:spPr>
+          <a:xfrm>
+            <a:off x="1676400" y="800100"/>
+            <a:ext cx="13716000" cy="533400"/>
+          </a:xfrm>
+          <a:prstGeom prst="rect">
+            <a:avLst/>
+          </a:prstGeom>
+        </p:spPr>
+        <p:txBody>
+          <a:bodyPr lIns="0" tIns="0" rIns="0" bIns="0" rtlCol="0" anchor="ctr"/>
+          <a:lstStyle/>
+          <a:p>
+            <a:pPr lvl="0">
+              <a:lnSpc>
+                <a:spcPct val="92960"/>
+              </a:lnSpc>
+            </a:pPr>
+            <a:r>
+              <a:rPr lang="en-US" sz="2400" dirty="0">
+                <a:solidFill>
+                  <a:srgbClr val="393939"/>
+                </a:solidFill>
+                <a:latin typeface="Pretendard Bold"/>
+              </a:rPr>
+              <a:t>www.FitAI-Pro.com/AI-Model</a:t>
+            </a:r>
+            <a:endParaRPr lang="en-US" sz="2400" b="0" i="0" u="none" strike="noStrike" dirty="0">
+              <a:solidFill>
+                <a:srgbClr val="393939"/>
+              </a:solidFill>
+              <a:latin typeface="Pretendard Bold"/>
+            </a:endParaRPr>
+          </a:p>
+        </p:txBody>
+      </p:sp>
+      <p:pic>
+        <p:nvPicPr>
+          <p:cNvPr id="7" name="그림 6">
+            <a:extLst>
+              <a:ext uri="{FF2B5EF4-FFF2-40B4-BE49-F238E27FC236}">
+                <a16:creationId xmlns:a16="http://schemas.microsoft.com/office/drawing/2014/main" id="{4ABF7581-BAF9-4B49-97CD-7A8D23B87C0B}"/>
+              </a:ext>
+            </a:extLst>
+          </p:cNvPr>
+          <p:cNvPicPr>
+            <a:picLocks noChangeAspect="1"/>
+          </p:cNvPicPr>
+          <p:nvPr/>
+        </p:nvPicPr>
+        <p:blipFill>
+          <a:blip r:embed="rId5"/>
+          <a:stretch>
+            <a:fillRect/>
+          </a:stretch>
+        </p:blipFill>
+        <p:spPr>
+          <a:xfrm>
+            <a:off x="10069029" y="5597937"/>
+            <a:ext cx="6443041" cy="3619686"/>
+          </a:xfrm>
+          <a:prstGeom prst="rect">
+            <a:avLst/>
+          </a:prstGeom>
+        </p:spPr>
+      </p:pic>
+      <p:pic>
+        <p:nvPicPr>
+          <p:cNvPr id="9" name="그림 8">
+            <a:extLst>
+              <a:ext uri="{FF2B5EF4-FFF2-40B4-BE49-F238E27FC236}">
+                <a16:creationId xmlns:a16="http://schemas.microsoft.com/office/drawing/2014/main" id="{55536138-BD0B-45C2-8F27-E93C0EA3EACC}"/>
+              </a:ext>
+            </a:extLst>
+          </p:cNvPr>
+          <p:cNvPicPr>
+            <a:picLocks noChangeAspect="1"/>
+          </p:cNvPicPr>
+          <p:nvPr/>
+        </p:nvPicPr>
+        <p:blipFill>
+          <a:blip r:embed="rId6"/>
+          <a:stretch>
+            <a:fillRect/>
+          </a:stretch>
+        </p:blipFill>
+        <p:spPr>
+          <a:xfrm>
+            <a:off x="10049151" y="1465375"/>
+            <a:ext cx="6858000" cy="4000686"/>
+          </a:xfrm>
+          <a:prstGeom prst="rect">
+            <a:avLst/>
+          </a:prstGeom>
+        </p:spPr>
+      </p:pic>
+      <p:sp>
+        <p:nvSpPr>
+          <p:cNvPr id="10" name="TextBox 9">
+            <a:extLst>
+              <a:ext uri="{FF2B5EF4-FFF2-40B4-BE49-F238E27FC236}">
+                <a16:creationId xmlns:a16="http://schemas.microsoft.com/office/drawing/2014/main" id="{B7A03960-4208-47A7-B11D-545738FB769B}"/>
+              </a:ext>
+            </a:extLst>
+          </p:cNvPr>
+          <p:cNvSpPr txBox="1"/>
+          <p:nvPr/>
+        </p:nvSpPr>
+        <p:spPr>
+          <a:xfrm>
+            <a:off x="13106400" y="5136271"/>
+            <a:ext cx="1556516" cy="923330"/>
+          </a:xfrm>
+          <a:prstGeom prst="rect">
+            <a:avLst/>
+          </a:prstGeom>
+          <a:noFill/>
+        </p:spPr>
+        <p:txBody>
+          <a:bodyPr wrap="none" rtlCol="0">
+            <a:spAutoFit/>
+          </a:bodyPr>
+          <a:lstStyle/>
+          <a:p>
+            <a:r>
+              <a:rPr lang="en-US" altLang="ko-KR" b="1" dirty="0"/>
+              <a:t>EfficientNetB0</a:t>
+            </a:r>
+            <a:br>
+              <a:rPr lang="en-US" altLang="ko-KR" b="1" dirty="0"/>
+            </a:br>
+            <a:r>
+              <a:rPr lang="en-US" altLang="ko-KR" b="1" dirty="0"/>
+              <a:t> </a:t>
+            </a:r>
+            <a:br>
+              <a:rPr lang="en-US" altLang="ko-KR" b="1" dirty="0"/>
+            </a:br>
+            <a:r>
+              <a:rPr lang="en-US" altLang="ko-KR" b="1" dirty="0"/>
+              <a:t>VGG16</a:t>
+            </a:r>
+            <a:endParaRPr lang="ko-KR" altLang="en-US" b="1" dirty="0"/>
+          </a:p>
+        </p:txBody>
+      </p:sp>
+    </p:spTree>
+    <p:extLst>
+      <p:ext uri="{BB962C8B-B14F-4D97-AF65-F5344CB8AC3E}">
+        <p14:creationId xmlns:p14="http://schemas.microsoft.com/office/powerpoint/2010/main" val="3482996238"/>
+      </p:ext>
+    </p:extLst>
+  </p:cSld>
+  <p:clrMapOvr>
+    <a:masterClrMapping/>
+  </p:clrMapOvr>
+</p:sld>
+</file>
+
+<file path=ppt/slides/slide21.xml><?xml version="1.0" encoding="utf-8"?>
+<p:sld xmlns:a="http://schemas.openxmlformats.org/drawingml/2006/main" xmlns:r="http://schemas.openxmlformats.org/officeDocument/2006/relationships" xmlns:p="http://schemas.openxmlformats.org/presentationml/2006/main">
+  <p:cSld>
+    <p:spTree>
+      <p:nvGrpSpPr>
+        <p:cNvPr id="1" name="">
+          <a:extLst>
+            <a:ext uri="{FF2B5EF4-FFF2-40B4-BE49-F238E27FC236}">
+              <a16:creationId xmlns:a16="http://schemas.microsoft.com/office/drawing/2014/main" id="{E142088B-0971-C734-E7F2-55C861B6D57D}"/>
+            </a:ext>
+          </a:extLst>
+        </p:cNvPr>
+        <p:cNvGrpSpPr/>
+        <p:nvPr/>
+      </p:nvGrpSpPr>
+      <p:grpSpPr>
+        <a:xfrm>
+          <a:off x="0" y="0"/>
+          <a:ext cx="0" cy="0"/>
+          <a:chOff x="0" y="0"/>
+          <a:chExt cx="0" cy="0"/>
+        </a:xfrm>
+      </p:grpSpPr>
+      <p:pic>
+        <p:nvPicPr>
+          <p:cNvPr id="2" name="Picture 2">
+            <a:extLst>
+              <a:ext uri="{FF2B5EF4-FFF2-40B4-BE49-F238E27FC236}">
+                <a16:creationId xmlns:a16="http://schemas.microsoft.com/office/drawing/2014/main" id="{8703F2F4-6675-3385-9DA7-831CF1533CA9}"/>
+              </a:ext>
+            </a:extLst>
+          </p:cNvPr>
+          <p:cNvPicPr>
+            <a:picLocks noChangeAspect="1"/>
+          </p:cNvPicPr>
+          <p:nvPr/>
+        </p:nvPicPr>
+        <p:blipFill>
+          <a:blip r:embed="rId2"/>
+          <a:stretch>
+            <a:fillRect/>
+          </a:stretch>
+        </p:blipFill>
+        <p:spPr>
+          <a:xfrm>
+            <a:off x="533400" y="482600"/>
+            <a:ext cx="17208500" cy="9309100"/>
+          </a:xfrm>
+          <a:prstGeom prst="rect">
+            <a:avLst/>
+          </a:prstGeom>
+          <a:effectLst>
+            <a:outerShdw blurRad="323758" dist="143241" dir="7080000">
+              <a:srgbClr val="393939">
+                <a:alpha val="30000"/>
+              </a:srgbClr>
+            </a:outerShdw>
+          </a:effectLst>
+        </p:spPr>
+      </p:pic>
+      <p:sp>
+        <p:nvSpPr>
+          <p:cNvPr id="3" name="TextBox 8">
+            <a:extLst>
+              <a:ext uri="{FF2B5EF4-FFF2-40B4-BE49-F238E27FC236}">
+                <a16:creationId xmlns:a16="http://schemas.microsoft.com/office/drawing/2014/main" id="{AE594E7B-5E95-A900-7BD4-B3A9B7A0BCF3}"/>
+              </a:ext>
+            </a:extLst>
+          </p:cNvPr>
+          <p:cNvSpPr txBox="1"/>
+          <p:nvPr/>
+        </p:nvSpPr>
+        <p:spPr>
+          <a:xfrm>
+            <a:off x="1676400" y="800100"/>
+            <a:ext cx="13716000" cy="508000"/>
+          </a:xfrm>
+          <a:prstGeom prst="rect">
+            <a:avLst/>
+          </a:prstGeom>
+        </p:spPr>
+        <p:txBody>
+          <a:bodyPr lIns="0" tIns="0" rIns="0" bIns="0" rtlCol="0" anchor="ctr"/>
+          <a:lstStyle/>
+          <a:p>
+            <a:pPr lvl="0">
+              <a:lnSpc>
+                <a:spcPct val="92960"/>
+              </a:lnSpc>
+            </a:pPr>
+            <a:r>
+              <a:rPr lang="en-US" sz="2400" dirty="0">
+                <a:solidFill>
+                  <a:srgbClr val="393939"/>
+                </a:solidFill>
+                <a:latin typeface="Pretendard Bold"/>
+              </a:rPr>
+              <a:t>www.FitAI-Pro.com/AI-Model/</a:t>
+            </a:r>
+            <a:r>
+              <a:rPr lang="en-US" altLang="ko-KR" sz="2400" dirty="0">
+                <a:solidFill>
+                  <a:srgbClr val="393939"/>
+                </a:solidFill>
+                <a:latin typeface="Pretendard Bold"/>
+              </a:rPr>
+              <a:t>body_type</a:t>
+            </a:r>
+            <a:endParaRPr lang="en-US" sz="2400" b="0" i="0" u="none" strike="noStrike" dirty="0">
+              <a:solidFill>
+                <a:srgbClr val="393939"/>
+              </a:solidFill>
+              <a:latin typeface="Pretendard Bold"/>
+            </a:endParaRPr>
+          </a:p>
+        </p:txBody>
+      </p:sp>
+      <p:sp>
+        <p:nvSpPr>
+          <p:cNvPr id="4" name="TextBox 3">
+            <a:extLst>
+              <a:ext uri="{FF2B5EF4-FFF2-40B4-BE49-F238E27FC236}">
+                <a16:creationId xmlns:a16="http://schemas.microsoft.com/office/drawing/2014/main" id="{4AE649F6-12DF-2300-6199-B1A6B7BDDDCB}"/>
+              </a:ext>
+            </a:extLst>
+          </p:cNvPr>
+          <p:cNvSpPr txBox="1"/>
+          <p:nvPr/>
+        </p:nvSpPr>
+        <p:spPr>
+          <a:xfrm>
+            <a:off x="3289300" y="2044700"/>
+            <a:ext cx="11709400" cy="1244600"/>
+          </a:xfrm>
+          <a:prstGeom prst="rect">
+            <a:avLst/>
+          </a:prstGeom>
+        </p:spPr>
+        <p:txBody>
+          <a:bodyPr lIns="0" tIns="0" rIns="0" bIns="0" rtlCol="0" anchor="ctr"/>
+          <a:lstStyle/>
+          <a:p>
+            <a:pPr lvl="0" algn="ctr">
+              <a:lnSpc>
+                <a:spcPct val="86320"/>
+              </a:lnSpc>
+            </a:pPr>
+            <a:r>
+              <a:rPr lang="ko-KR" altLang="en-US" sz="7000" b="0" i="0" u="none" strike="noStrike" spc="-100" dirty="0">
+                <a:solidFill>
+                  <a:srgbClr val="393939"/>
+                </a:solidFill>
+                <a:ea typeface="Pretendard Bold"/>
+              </a:rPr>
+              <a:t>신체 부위별  수치 예측 모델</a:t>
+            </a:r>
+            <a:endParaRPr lang="ko-KR" sz="7000" b="0" i="0" u="none" strike="noStrike" spc="-100" dirty="0">
+              <a:solidFill>
+                <a:srgbClr val="393939"/>
+              </a:solidFill>
+              <a:ea typeface="Pretendard Bold"/>
+            </a:endParaRPr>
+          </a:p>
+        </p:txBody>
+      </p:sp>
+      <p:sp>
+        <p:nvSpPr>
+          <p:cNvPr id="5" name="TextBox 4">
+            <a:extLst>
+              <a:ext uri="{FF2B5EF4-FFF2-40B4-BE49-F238E27FC236}">
+                <a16:creationId xmlns:a16="http://schemas.microsoft.com/office/drawing/2014/main" id="{258F1079-67AA-1DC9-96B2-2C2B7F1F2994}"/>
+              </a:ext>
+            </a:extLst>
+          </p:cNvPr>
+          <p:cNvSpPr txBox="1"/>
+          <p:nvPr/>
+        </p:nvSpPr>
+        <p:spPr>
+          <a:xfrm>
+            <a:off x="5562600" y="3340100"/>
+            <a:ext cx="7010400" cy="444500"/>
+          </a:xfrm>
+          <a:prstGeom prst="rect">
+            <a:avLst/>
+          </a:prstGeom>
+        </p:spPr>
+        <p:txBody>
+          <a:bodyPr lIns="0" tIns="0" rIns="0" bIns="0" rtlCol="0" anchor="ctr"/>
+          <a:lstStyle/>
+          <a:p>
+            <a:pPr lvl="0" algn="ctr">
+              <a:lnSpc>
+                <a:spcPct val="108729"/>
+              </a:lnSpc>
+            </a:pPr>
+            <a:r>
+              <a:rPr lang="en-US" altLang="ko-KR" sz="2500" b="0" i="0" u="none" strike="noStrike" dirty="0">
+                <a:solidFill>
+                  <a:srgbClr val="9E9E9E"/>
+                </a:solidFill>
+                <a:ea typeface="Pretendard Light"/>
+              </a:rPr>
+              <a:t>CNN</a:t>
+            </a:r>
+            <a:r>
+              <a:rPr lang="ko-KR" altLang="en-US" sz="2500" b="0" i="0" u="none" strike="noStrike" dirty="0">
+                <a:solidFill>
+                  <a:srgbClr val="9E9E9E"/>
+                </a:solidFill>
+                <a:ea typeface="Pretendard Light"/>
+              </a:rPr>
+              <a:t>특징벡터 추출 후 </a:t>
+            </a:r>
+            <a:r>
+              <a:rPr lang="en-US" altLang="ko-KR" sz="2500" b="0" i="0" u="none" strike="noStrike" dirty="0">
+                <a:solidFill>
+                  <a:srgbClr val="9E9E9E"/>
+                </a:solidFill>
+                <a:ea typeface="Pretendard Light"/>
+              </a:rPr>
+              <a:t>XGBOOST</a:t>
+            </a:r>
+            <a:endParaRPr lang="en-US" sz="2500" b="0" i="0" u="none" strike="noStrike" dirty="0">
+              <a:solidFill>
+                <a:srgbClr val="9E9E9E"/>
+              </a:solidFill>
+              <a:latin typeface="Pretendard Light"/>
+            </a:endParaRPr>
+          </a:p>
+        </p:txBody>
+      </p:sp>
+      <p:pic>
+        <p:nvPicPr>
+          <p:cNvPr id="6" name="Picture 38">
+            <a:extLst>
+              <a:ext uri="{FF2B5EF4-FFF2-40B4-BE49-F238E27FC236}">
+                <a16:creationId xmlns:a16="http://schemas.microsoft.com/office/drawing/2014/main" id="{A96EFDDD-5F2E-6C2F-5767-672AC253467E}"/>
+              </a:ext>
+            </a:extLst>
+          </p:cNvPr>
+          <p:cNvPicPr>
+            <a:picLocks noChangeAspect="1"/>
+          </p:cNvPicPr>
+          <p:nvPr/>
+        </p:nvPicPr>
+        <p:blipFill>
+          <a:blip r:embed="rId3"/>
+          <a:stretch>
+            <a:fillRect/>
+          </a:stretch>
+        </p:blipFill>
+        <p:spPr>
+          <a:xfrm>
+            <a:off x="8496300" y="1574800"/>
+            <a:ext cx="1308100" cy="520700"/>
+          </a:xfrm>
+          <a:prstGeom prst="rect">
+            <a:avLst/>
+          </a:prstGeom>
+        </p:spPr>
+      </p:pic>
+      <p:sp>
+        <p:nvSpPr>
+          <p:cNvPr id="7" name="TextBox 39">
+            <a:extLst>
+              <a:ext uri="{FF2B5EF4-FFF2-40B4-BE49-F238E27FC236}">
+                <a16:creationId xmlns:a16="http://schemas.microsoft.com/office/drawing/2014/main" id="{87E73513-F386-1F60-EB0A-5016542C5327}"/>
+              </a:ext>
+            </a:extLst>
+          </p:cNvPr>
+          <p:cNvSpPr txBox="1"/>
+          <p:nvPr/>
+        </p:nvSpPr>
+        <p:spPr>
+          <a:xfrm>
+            <a:off x="8356600" y="1651000"/>
+            <a:ext cx="1574800" cy="355600"/>
+          </a:xfrm>
+          <a:prstGeom prst="rect">
+            <a:avLst/>
+          </a:prstGeom>
+        </p:spPr>
+        <p:txBody>
+          <a:bodyPr lIns="0" tIns="0" rIns="0" bIns="0" rtlCol="0" anchor="ctr"/>
+          <a:lstStyle/>
+          <a:p>
+            <a:pPr lvl="0" algn="ctr">
+              <a:lnSpc>
+                <a:spcPct val="92960"/>
+              </a:lnSpc>
+            </a:pPr>
+            <a:r>
+              <a:rPr lang="en-US" sz="2000" b="0" i="0" u="none" strike="noStrike" dirty="0">
+                <a:solidFill>
+                  <a:srgbClr val="393939"/>
+                </a:solidFill>
+                <a:latin typeface="Pretendard Bold"/>
+              </a:rPr>
+              <a:t>Part.03</a:t>
+            </a:r>
+          </a:p>
+        </p:txBody>
+      </p:sp>
+      <p:pic>
+        <p:nvPicPr>
+          <p:cNvPr id="8" name="Picture 26">
+            <a:extLst>
+              <a:ext uri="{FF2B5EF4-FFF2-40B4-BE49-F238E27FC236}">
+                <a16:creationId xmlns:a16="http://schemas.microsoft.com/office/drawing/2014/main" id="{D607F77E-39E2-C905-DDEE-83E9B13116AE}"/>
+              </a:ext>
+            </a:extLst>
+          </p:cNvPr>
+          <p:cNvPicPr>
+            <a:picLocks noChangeAspect="1"/>
+          </p:cNvPicPr>
+          <p:nvPr/>
+        </p:nvPicPr>
+        <p:blipFill>
+          <a:blip r:embed="rId4"/>
+          <a:stretch>
+            <a:fillRect/>
+          </a:stretch>
+        </p:blipFill>
+        <p:spPr>
+          <a:xfrm>
+            <a:off x="4711700" y="3251200"/>
+            <a:ext cx="8864600" cy="12700"/>
+          </a:xfrm>
+          <a:prstGeom prst="rect">
+            <a:avLst/>
+          </a:prstGeom>
+        </p:spPr>
+      </p:pic>
+      <p:pic>
+        <p:nvPicPr>
+          <p:cNvPr id="10" name="그림 9">
+            <a:extLst>
+              <a:ext uri="{FF2B5EF4-FFF2-40B4-BE49-F238E27FC236}">
+                <a16:creationId xmlns:a16="http://schemas.microsoft.com/office/drawing/2014/main" id="{F9D151B8-95FA-4725-A205-2E5FEBC67010}"/>
+              </a:ext>
+            </a:extLst>
+          </p:cNvPr>
+          <p:cNvPicPr>
+            <a:picLocks noChangeAspect="1"/>
+          </p:cNvPicPr>
+          <p:nvPr/>
+        </p:nvPicPr>
+        <p:blipFill>
+          <a:blip r:embed="rId5"/>
+          <a:stretch>
+            <a:fillRect/>
+          </a:stretch>
+        </p:blipFill>
+        <p:spPr>
+          <a:xfrm>
+            <a:off x="1240389" y="3924543"/>
+            <a:ext cx="8360812" cy="3962157"/>
+          </a:xfrm>
+          <a:prstGeom prst="rect">
+            <a:avLst/>
+          </a:prstGeom>
+        </p:spPr>
+      </p:pic>
+      <p:pic>
+        <p:nvPicPr>
+          <p:cNvPr id="13" name="그림 12">
+            <a:extLst>
+              <a:ext uri="{FF2B5EF4-FFF2-40B4-BE49-F238E27FC236}">
+                <a16:creationId xmlns:a16="http://schemas.microsoft.com/office/drawing/2014/main" id="{11C551DB-9413-4F23-9D9F-355D92CCA5F5}"/>
+              </a:ext>
+            </a:extLst>
+          </p:cNvPr>
+          <p:cNvPicPr>
+            <a:picLocks noChangeAspect="1"/>
+          </p:cNvPicPr>
+          <p:nvPr/>
+        </p:nvPicPr>
+        <p:blipFill>
+          <a:blip r:embed="rId6"/>
+          <a:stretch>
+            <a:fillRect/>
+          </a:stretch>
+        </p:blipFill>
+        <p:spPr>
+          <a:xfrm>
+            <a:off x="1278835" y="8131175"/>
+            <a:ext cx="8162925" cy="1123950"/>
+          </a:xfrm>
+          <a:prstGeom prst="rect">
+            <a:avLst/>
+          </a:prstGeom>
+        </p:spPr>
+      </p:pic>
+      <p:sp>
+        <p:nvSpPr>
+          <p:cNvPr id="16" name="TextBox 15">
+            <a:extLst>
+              <a:ext uri="{FF2B5EF4-FFF2-40B4-BE49-F238E27FC236}">
+                <a16:creationId xmlns:a16="http://schemas.microsoft.com/office/drawing/2014/main" id="{C3667D11-F357-4E40-BC2D-26BACAA686D3}"/>
+              </a:ext>
+            </a:extLst>
+          </p:cNvPr>
+          <p:cNvSpPr txBox="1"/>
+          <p:nvPr/>
+        </p:nvSpPr>
+        <p:spPr>
+          <a:xfrm>
+            <a:off x="10188396" y="4025900"/>
+            <a:ext cx="6728004" cy="1477328"/>
+          </a:xfrm>
+          <a:prstGeom prst="rect">
+            <a:avLst/>
+          </a:prstGeom>
+          <a:noFill/>
+        </p:spPr>
+        <p:txBody>
+          <a:bodyPr wrap="square" rtlCol="0">
+            <a:spAutoFit/>
+          </a:bodyPr>
+          <a:lstStyle/>
+          <a:p>
+            <a:r>
+              <a:rPr lang="en-US" altLang="ko-KR" dirty="0">
+                <a:latin typeface="+mj-ea"/>
+                <a:ea typeface="+mj-ea"/>
+              </a:rPr>
+              <a:t>CNN</a:t>
+            </a:r>
+            <a:r>
+              <a:rPr lang="ko-KR" altLang="en-US" dirty="0">
+                <a:latin typeface="+mj-ea"/>
+                <a:ea typeface="+mj-ea"/>
+              </a:rPr>
+              <a:t>과 머신 러닝의 장점을 결합하여 성능과 효율을 극대화</a:t>
+            </a:r>
+            <a:endParaRPr lang="en-US" altLang="ko-KR" dirty="0">
+              <a:latin typeface="+mj-ea"/>
+              <a:ea typeface="+mj-ea"/>
+            </a:endParaRPr>
+          </a:p>
+          <a:p>
+            <a:r>
+              <a:rPr lang="ko-KR" altLang="en-US" dirty="0">
+                <a:latin typeface="+mj-ea"/>
+                <a:ea typeface="+mj-ea"/>
+              </a:rPr>
+              <a:t>사용한 </a:t>
+            </a:r>
+            <a:r>
+              <a:rPr lang="en-US" altLang="ko-KR" dirty="0">
+                <a:latin typeface="+mj-ea"/>
+                <a:ea typeface="+mj-ea"/>
+              </a:rPr>
+              <a:t>CNN </a:t>
+            </a:r>
+            <a:r>
+              <a:rPr lang="ko-KR" altLang="en-US" dirty="0">
+                <a:latin typeface="+mj-ea"/>
+                <a:ea typeface="+mj-ea"/>
+              </a:rPr>
+              <a:t>모델</a:t>
+            </a:r>
+            <a:r>
+              <a:rPr lang="en-US" altLang="ko-KR" dirty="0">
+                <a:latin typeface="+mj-ea"/>
+                <a:ea typeface="+mj-ea"/>
+              </a:rPr>
+              <a:t> EfficientNetB0, VGG16</a:t>
+            </a:r>
+            <a:r>
+              <a:rPr lang="ko-KR" altLang="en-US" dirty="0">
+                <a:latin typeface="+mj-ea"/>
+                <a:ea typeface="+mj-ea"/>
+              </a:rPr>
+              <a:t>에서 자동으로 감지하여 고유한 특징 벡터를 변환하여 수치 예측에 최적화된 </a:t>
+            </a:r>
+            <a:r>
+              <a:rPr lang="en-US" altLang="ko-KR" dirty="0">
+                <a:latin typeface="+mj-ea"/>
+                <a:ea typeface="+mj-ea"/>
+              </a:rPr>
+              <a:t>XGBOOST</a:t>
+            </a:r>
+            <a:r>
+              <a:rPr lang="ko-KR" altLang="en-US" dirty="0">
+                <a:latin typeface="+mj-ea"/>
+                <a:ea typeface="+mj-ea"/>
+              </a:rPr>
+              <a:t>사용</a:t>
+            </a:r>
+            <a:endParaRPr lang="en-US" altLang="ko-KR" dirty="0">
+              <a:latin typeface="+mj-ea"/>
+              <a:ea typeface="+mj-ea"/>
+            </a:endParaRPr>
+          </a:p>
+          <a:p>
+            <a:endParaRPr lang="ko-KR" altLang="en-US" dirty="0">
+              <a:latin typeface="+mj-ea"/>
+              <a:ea typeface="+mj-ea"/>
+            </a:endParaRPr>
+          </a:p>
+        </p:txBody>
+      </p:sp>
+      <p:pic>
+        <p:nvPicPr>
+          <p:cNvPr id="4098" name="Picture 2">
+            <a:extLst>
+              <a:ext uri="{FF2B5EF4-FFF2-40B4-BE49-F238E27FC236}">
+                <a16:creationId xmlns:a16="http://schemas.microsoft.com/office/drawing/2014/main" id="{97F66075-2A92-4F81-AA7B-F652E2EC92B6}"/>
+              </a:ext>
+            </a:extLst>
+          </p:cNvPr>
+          <p:cNvPicPr>
+            <a:picLocks noChangeAspect="1" noChangeArrowheads="1"/>
+          </p:cNvPicPr>
+          <p:nvPr/>
+        </p:nvPicPr>
+        <p:blipFill>
+          <a:blip r:embed="rId7">
+            <a:extLst>
+              <a:ext uri="{28A0092B-C50C-407E-A947-70E740481C1C}">
+                <a14:useLocalDpi xmlns:a14="http://schemas.microsoft.com/office/drawing/2010/main" val="0"/>
+              </a:ext>
+            </a:extLst>
+          </a:blip>
+          <a:srcRect/>
+          <a:stretch>
+            <a:fillRect/>
+          </a:stretch>
+        </p:blipFill>
+        <p:spPr bwMode="auto">
+          <a:xfrm>
+            <a:off x="9796807" y="5280327"/>
+            <a:ext cx="7183783" cy="4003373"/>
+          </a:xfrm>
+          <a:prstGeom prst="rect">
+            <a:avLst/>
+          </a:prstGeom>
+          <a:noFill/>
+          <a:extLst>
+            <a:ext uri="{909E8E84-426E-40DD-AFC4-6F175D3DCCD1}">
+              <a14:hiddenFill xmlns:a14="http://schemas.microsoft.com/office/drawing/2010/main">
+                <a:solidFill>
+                  <a:srgbClr val="FFFFFF"/>
+                </a:solidFill>
+              </a14:hiddenFill>
+            </a:ext>
+          </a:extLst>
+        </p:spPr>
+      </p:pic>
+    </p:spTree>
+    <p:extLst>
+      <p:ext uri="{BB962C8B-B14F-4D97-AF65-F5344CB8AC3E}">
+        <p14:creationId xmlns:p14="http://schemas.microsoft.com/office/powerpoint/2010/main" val="1229568751"/>
+      </p:ext>
+    </p:extLst>
+  </p:cSld>
+  <p:clrMapOvr>
+    <a:masterClrMapping/>
+  </p:clrMapOvr>
+</p:sld>
+</file>
+
+<file path=ppt/slides/slide22.xml><?xml version="1.0" encoding="utf-8"?>
 <p:sld xmlns:a="http://schemas.openxmlformats.org/drawingml/2006/main" xmlns:r="http://schemas.openxmlformats.org/officeDocument/2006/relationships" xmlns:p="http://schemas.openxmlformats.org/presentationml/2006/main">
   <p:cSld>
     <p:spTree>
@@ -11614,7 +14137,7 @@
 </p:sld>
 </file>
 
-<file path=ppt/slides/slide21.xml><?xml version="1.0" encoding="utf-8"?>
+<file path=ppt/slides/slide23.xml><?xml version="1.0" encoding="utf-8"?>
 <p:sld xmlns:a="http://schemas.openxmlformats.org/drawingml/2006/main" xmlns:r="http://schemas.openxmlformats.org/officeDocument/2006/relationships" xmlns:p="http://schemas.openxmlformats.org/presentationml/2006/main">
   <p:cSld>
     <p:spTree>
@@ -12051,6 +14574,12 @@
           <a:prstGeom prst="downArrow">
             <a:avLst/>
           </a:prstGeom>
+          <a:solidFill>
+            <a:schemeClr val="accent1">
+              <a:lumMod val="20000"/>
+              <a:lumOff val="80000"/>
+            </a:schemeClr>
+          </a:solidFill>
         </p:spPr>
         <p:style>
           <a:lnRef idx="2">
@@ -12074,17 +14603,33 @@
           <a:p>
             <a:pPr algn="ctr"/>
             <a:r>
-              <a:rPr lang="ko-KR" altLang="en-US" dirty="0"/>
+              <a:rPr lang="ko-KR" altLang="en-US" dirty="0">
+                <a:solidFill>
+                  <a:schemeClr val="tx1"/>
+                </a:solidFill>
+              </a:rPr>
               <a:t>데이터</a:t>
             </a:r>
             <a:br>
-              <a:rPr lang="en-US" altLang="ko-KR" dirty="0"/>
+              <a:rPr lang="en-US" altLang="ko-KR" dirty="0">
+                <a:solidFill>
+                  <a:schemeClr val="tx1"/>
+                </a:solidFill>
+              </a:rPr>
             </a:br>
             <a:r>
-              <a:rPr lang="ko-KR" altLang="en-US" dirty="0"/>
+              <a:rPr lang="ko-KR" altLang="en-US" dirty="0">
+                <a:solidFill>
+                  <a:schemeClr val="tx1"/>
+                </a:solidFill>
+              </a:rPr>
               <a:t>증강</a:t>
             </a:r>
-            <a:endParaRPr lang="en-US" altLang="ko-KR" dirty="0"/>
+            <a:endParaRPr lang="en-US" altLang="ko-KR" dirty="0">
+              <a:solidFill>
+                <a:schemeClr val="tx1"/>
+              </a:solidFill>
+            </a:endParaRPr>
           </a:p>
         </p:txBody>
       </p:sp>
@@ -12110,8 +14655,8 @@
         </p:blipFill>
         <p:spPr>
           <a:xfrm>
-            <a:off x="10892852" y="4419600"/>
-            <a:ext cx="4105848" cy="3562847"/>
+            <a:off x="10668000" y="4495800"/>
+            <a:ext cx="5257800" cy="4562453"/>
           </a:xfrm>
           <a:prstGeom prst="rect">
             <a:avLst/>
@@ -12132,7 +14677,7 @@
         </p:nvSpPr>
         <p:spPr>
           <a:xfrm>
-            <a:off x="10911890" y="4082018"/>
+            <a:off x="10820400" y="4083951"/>
             <a:ext cx="1160895" cy="369332"/>
           </a:xfrm>
           <a:prstGeom prst="rect">
@@ -12166,7 +14711,7 @@
 </p:sld>
 </file>
 
-<file path=ppt/slides/slide22.xml><?xml version="1.0" encoding="utf-8"?>
+<file path=ppt/slides/slide24.xml><?xml version="1.0" encoding="utf-8"?>
 <p:sld xmlns:a="http://schemas.openxmlformats.org/drawingml/2006/main" xmlns:r="http://schemas.openxmlformats.org/officeDocument/2006/relationships" xmlns:p="http://schemas.openxmlformats.org/presentationml/2006/main">
   <p:cSld>
     <p:spTree>
@@ -12532,7 +15077,7 @@
 </p:sld>
 </file>
 
-<file path=ppt/slides/slide23.xml><?xml version="1.0" encoding="utf-8"?>
+<file path=ppt/slides/slide25.xml><?xml version="1.0" encoding="utf-8"?>
 <p:sld xmlns:a="http://schemas.openxmlformats.org/drawingml/2006/main" xmlns:r="http://schemas.openxmlformats.org/officeDocument/2006/relationships" xmlns:p="http://schemas.openxmlformats.org/presentationml/2006/main">
   <p:cSld>
     <p:spTree>
@@ -12880,6 +15425,2682 @@
     <p:extLst>
       <p:ext uri="{BB962C8B-B14F-4D97-AF65-F5344CB8AC3E}">
         <p14:creationId xmlns:p14="http://schemas.microsoft.com/office/powerpoint/2010/main" val="1331072287"/>
+      </p:ext>
+    </p:extLst>
+  </p:cSld>
+  <p:clrMapOvr>
+    <a:masterClrMapping/>
+  </p:clrMapOvr>
+</p:sld>
+</file>
+
+<file path=ppt/slides/slide26.xml><?xml version="1.0" encoding="utf-8"?>
+<p:sld xmlns:a="http://schemas.openxmlformats.org/drawingml/2006/main" xmlns:r="http://schemas.openxmlformats.org/officeDocument/2006/relationships" xmlns:p="http://schemas.openxmlformats.org/presentationml/2006/main">
+  <p:cSld>
+    <p:spTree>
+      <p:nvGrpSpPr>
+        <p:cNvPr id="1" name="">
+          <a:extLst>
+            <a:ext uri="{FF2B5EF4-FFF2-40B4-BE49-F238E27FC236}">
+              <a16:creationId xmlns:a16="http://schemas.microsoft.com/office/drawing/2014/main" id="{14BA25C2-A988-73B6-76BA-DFCF83F8FA4D}"/>
+            </a:ext>
+          </a:extLst>
+        </p:cNvPr>
+        <p:cNvGrpSpPr/>
+        <p:nvPr/>
+      </p:nvGrpSpPr>
+      <p:grpSpPr>
+        <a:xfrm>
+          <a:off x="0" y="0"/>
+          <a:ext cx="0" cy="0"/>
+          <a:chOff x="0" y="0"/>
+          <a:chExt cx="0" cy="0"/>
+        </a:xfrm>
+      </p:grpSpPr>
+      <p:pic>
+        <p:nvPicPr>
+          <p:cNvPr id="2" name="Picture 2">
+            <a:extLst>
+              <a:ext uri="{FF2B5EF4-FFF2-40B4-BE49-F238E27FC236}">
+                <a16:creationId xmlns:a16="http://schemas.microsoft.com/office/drawing/2014/main" id="{3EFC17A5-33D9-91B1-A1C2-B5F6FBE07734}"/>
+              </a:ext>
+            </a:extLst>
+          </p:cNvPr>
+          <p:cNvPicPr>
+            <a:picLocks noChangeAspect="1"/>
+          </p:cNvPicPr>
+          <p:nvPr/>
+        </p:nvPicPr>
+        <p:blipFill>
+          <a:blip r:embed="rId2"/>
+          <a:stretch>
+            <a:fillRect/>
+          </a:stretch>
+        </p:blipFill>
+        <p:spPr>
+          <a:xfrm>
+            <a:off x="546100" y="463550"/>
+            <a:ext cx="17208500" cy="9309100"/>
+          </a:xfrm>
+          <a:prstGeom prst="rect">
+            <a:avLst/>
+          </a:prstGeom>
+          <a:effectLst>
+            <a:outerShdw blurRad="323758" dist="143241" dir="7080000">
+              <a:srgbClr val="393939">
+                <a:alpha val="30000"/>
+              </a:srgbClr>
+            </a:outerShdw>
+          </a:effectLst>
+        </p:spPr>
+      </p:pic>
+      <p:pic>
+        <p:nvPicPr>
+          <p:cNvPr id="3" name="Picture 3">
+            <a:extLst>
+              <a:ext uri="{FF2B5EF4-FFF2-40B4-BE49-F238E27FC236}">
+                <a16:creationId xmlns:a16="http://schemas.microsoft.com/office/drawing/2014/main" id="{8553BA42-F906-11E4-806A-8F8370541F59}"/>
+              </a:ext>
+            </a:extLst>
+          </p:cNvPr>
+          <p:cNvPicPr>
+            <a:picLocks noChangeAspect="1"/>
+          </p:cNvPicPr>
+          <p:nvPr/>
+        </p:nvPicPr>
+        <p:blipFill>
+          <a:blip r:embed="rId3"/>
+          <a:stretch>
+            <a:fillRect/>
+          </a:stretch>
+        </p:blipFill>
+        <p:spPr>
+          <a:xfrm>
+            <a:off x="533400" y="7429500"/>
+            <a:ext cx="17208500" cy="2374900"/>
+          </a:xfrm>
+          <a:prstGeom prst="rect">
+            <a:avLst/>
+          </a:prstGeom>
+        </p:spPr>
+      </p:pic>
+      <p:pic>
+        <p:nvPicPr>
+          <p:cNvPr id="4" name="Picture 4">
+            <a:extLst>
+              <a:ext uri="{FF2B5EF4-FFF2-40B4-BE49-F238E27FC236}">
+                <a16:creationId xmlns:a16="http://schemas.microsoft.com/office/drawing/2014/main" id="{989D377F-E790-AEBE-E443-081D0EFC5E70}"/>
+              </a:ext>
+            </a:extLst>
+          </p:cNvPr>
+          <p:cNvPicPr>
+            <a:picLocks noChangeAspect="1"/>
+          </p:cNvPicPr>
+          <p:nvPr/>
+        </p:nvPicPr>
+        <p:blipFill>
+          <a:blip r:embed="rId4"/>
+          <a:stretch>
+            <a:fillRect/>
+          </a:stretch>
+        </p:blipFill>
+        <p:spPr>
+          <a:xfrm>
+            <a:off x="3683000" y="2133600"/>
+            <a:ext cx="10909300" cy="6426200"/>
+          </a:xfrm>
+          <a:prstGeom prst="rect">
+            <a:avLst/>
+          </a:prstGeom>
+        </p:spPr>
+      </p:pic>
+      <p:pic>
+        <p:nvPicPr>
+          <p:cNvPr id="5" name="Picture 5">
+            <a:extLst>
+              <a:ext uri="{FF2B5EF4-FFF2-40B4-BE49-F238E27FC236}">
+                <a16:creationId xmlns:a16="http://schemas.microsoft.com/office/drawing/2014/main" id="{56AE3077-004F-0C3F-6D52-DC3A7D022954}"/>
+              </a:ext>
+            </a:extLst>
+          </p:cNvPr>
+          <p:cNvPicPr>
+            <a:picLocks noChangeAspect="1"/>
+          </p:cNvPicPr>
+          <p:nvPr/>
+        </p:nvPicPr>
+        <p:blipFill>
+          <a:blip r:embed="rId5"/>
+          <a:stretch>
+            <a:fillRect/>
+          </a:stretch>
+        </p:blipFill>
+        <p:spPr>
+          <a:xfrm>
+            <a:off x="4089400" y="2514600"/>
+            <a:ext cx="10096500" cy="5651500"/>
+          </a:xfrm>
+          <a:prstGeom prst="rect">
+            <a:avLst/>
+          </a:prstGeom>
+        </p:spPr>
+      </p:pic>
+      <p:pic>
+        <p:nvPicPr>
+          <p:cNvPr id="6" name="Picture 6">
+            <a:extLst>
+              <a:ext uri="{FF2B5EF4-FFF2-40B4-BE49-F238E27FC236}">
+                <a16:creationId xmlns:a16="http://schemas.microsoft.com/office/drawing/2014/main" id="{8E60B491-55AC-D54F-320C-84DDD11AE8AA}"/>
+              </a:ext>
+            </a:extLst>
+          </p:cNvPr>
+          <p:cNvPicPr>
+            <a:picLocks noChangeAspect="1"/>
+          </p:cNvPicPr>
+          <p:nvPr/>
+        </p:nvPicPr>
+        <p:blipFill>
+          <a:blip r:embed="rId6"/>
+          <a:stretch>
+            <a:fillRect/>
+          </a:stretch>
+        </p:blipFill>
+        <p:spPr>
+          <a:xfrm>
+            <a:off x="8216900" y="3467100"/>
+            <a:ext cx="1866900" cy="609600"/>
+          </a:xfrm>
+          <a:prstGeom prst="rect">
+            <a:avLst/>
+          </a:prstGeom>
+        </p:spPr>
+      </p:pic>
+      <p:pic>
+        <p:nvPicPr>
+          <p:cNvPr id="7" name="Picture 7">
+            <a:extLst>
+              <a:ext uri="{FF2B5EF4-FFF2-40B4-BE49-F238E27FC236}">
+                <a16:creationId xmlns:a16="http://schemas.microsoft.com/office/drawing/2014/main" id="{51FD306F-3E35-F142-511C-E11D6BF3B77E}"/>
+              </a:ext>
+            </a:extLst>
+          </p:cNvPr>
+          <p:cNvPicPr>
+            <a:picLocks noChangeAspect="1"/>
+          </p:cNvPicPr>
+          <p:nvPr/>
+        </p:nvPicPr>
+        <p:blipFill>
+          <a:blip r:embed="rId7"/>
+          <a:stretch>
+            <a:fillRect/>
+          </a:stretch>
+        </p:blipFill>
+        <p:spPr>
+          <a:xfrm>
+            <a:off x="6070600" y="5638800"/>
+            <a:ext cx="6134100" cy="12700"/>
+          </a:xfrm>
+          <a:prstGeom prst="rect">
+            <a:avLst/>
+          </a:prstGeom>
+        </p:spPr>
+      </p:pic>
+      <p:sp>
+        <p:nvSpPr>
+          <p:cNvPr id="8" name="TextBox 8">
+            <a:extLst>
+              <a:ext uri="{FF2B5EF4-FFF2-40B4-BE49-F238E27FC236}">
+                <a16:creationId xmlns:a16="http://schemas.microsoft.com/office/drawing/2014/main" id="{B35E5906-3E0D-C0F2-DE20-0A0513717914}"/>
+              </a:ext>
+            </a:extLst>
+          </p:cNvPr>
+          <p:cNvSpPr txBox="1"/>
+          <p:nvPr/>
+        </p:nvSpPr>
+        <p:spPr>
+          <a:xfrm>
+            <a:off x="8432800" y="3505200"/>
+            <a:ext cx="1435100" cy="533400"/>
+          </a:xfrm>
+          <a:prstGeom prst="rect">
+            <a:avLst/>
+          </a:prstGeom>
+        </p:spPr>
+        <p:txBody>
+          <a:bodyPr lIns="0" tIns="0" rIns="0" bIns="0" rtlCol="0" anchor="ctr"/>
+          <a:lstStyle/>
+          <a:p>
+            <a:pPr lvl="0" algn="ctr">
+              <a:lnSpc>
+                <a:spcPct val="92960"/>
+              </a:lnSpc>
+            </a:pPr>
+            <a:r>
+              <a:rPr lang="en-US" sz="3000" b="0" i="0" u="none" strike="noStrike" dirty="0">
+                <a:solidFill>
+                  <a:srgbClr val="393939"/>
+                </a:solidFill>
+                <a:latin typeface="Pretendard Bold"/>
+              </a:rPr>
+              <a:t>Part</a:t>
+            </a:r>
+            <a:r>
+              <a:rPr lang="en-US" sz="3000" b="0" i="0" u="none" strike="noStrike">
+                <a:solidFill>
+                  <a:srgbClr val="393939"/>
+                </a:solidFill>
+                <a:latin typeface="Pretendard Bold"/>
+              </a:rPr>
+              <a:t>.0</a:t>
+            </a:r>
+            <a:r>
+              <a:rPr lang="en-US" sz="3000">
+                <a:solidFill>
+                  <a:srgbClr val="393939"/>
+                </a:solidFill>
+                <a:latin typeface="Pretendard Bold"/>
+              </a:rPr>
+              <a:t>4</a:t>
+            </a:r>
+            <a:endParaRPr lang="en-US" sz="3000" b="0" i="0" u="none" strike="noStrike" dirty="0">
+              <a:solidFill>
+                <a:srgbClr val="393939"/>
+              </a:solidFill>
+              <a:latin typeface="Pretendard Bold"/>
+            </a:endParaRPr>
+          </a:p>
+        </p:txBody>
+      </p:sp>
+      <p:sp>
+        <p:nvSpPr>
+          <p:cNvPr id="9" name="TextBox 9">
+            <a:extLst>
+              <a:ext uri="{FF2B5EF4-FFF2-40B4-BE49-F238E27FC236}">
+                <a16:creationId xmlns:a16="http://schemas.microsoft.com/office/drawing/2014/main" id="{0A1E6521-2156-F0DC-2946-026137C18DDD}"/>
+              </a:ext>
+            </a:extLst>
+          </p:cNvPr>
+          <p:cNvSpPr txBox="1"/>
+          <p:nvPr/>
+        </p:nvSpPr>
+        <p:spPr>
+          <a:xfrm>
+            <a:off x="4978400" y="3962400"/>
+            <a:ext cx="8331200" cy="1765300"/>
+          </a:xfrm>
+          <a:prstGeom prst="rect">
+            <a:avLst/>
+          </a:prstGeom>
+        </p:spPr>
+        <p:txBody>
+          <a:bodyPr lIns="0" tIns="0" rIns="0" bIns="0" rtlCol="0" anchor="ctr"/>
+          <a:lstStyle/>
+          <a:p>
+            <a:pPr lvl="0" algn="ctr">
+              <a:lnSpc>
+                <a:spcPct val="92960"/>
+              </a:lnSpc>
+            </a:pPr>
+            <a:r>
+              <a:rPr lang="en-US" altLang="ko-KR" sz="9600" b="0" i="0" u="none" strike="noStrike" spc="-200">
+                <a:solidFill>
+                  <a:srgbClr val="393939"/>
+                </a:solidFill>
+                <a:latin typeface="Pretendard Bold"/>
+              </a:rPr>
+              <a:t>Django</a:t>
+            </a:r>
+            <a:endParaRPr lang="en-US" altLang="ko-KR" sz="9600" b="0" i="0" u="none" strike="noStrike" spc="-200" dirty="0">
+              <a:solidFill>
+                <a:srgbClr val="393939"/>
+              </a:solidFill>
+              <a:latin typeface="Pretendard Bold"/>
+            </a:endParaRPr>
+          </a:p>
+        </p:txBody>
+      </p:sp>
+      <p:sp>
+        <p:nvSpPr>
+          <p:cNvPr id="10" name="TextBox 10">
+            <a:extLst>
+              <a:ext uri="{FF2B5EF4-FFF2-40B4-BE49-F238E27FC236}">
+                <a16:creationId xmlns:a16="http://schemas.microsoft.com/office/drawing/2014/main" id="{07B45CA4-C234-8E84-F5D9-CBC1B1B80B41}"/>
+              </a:ext>
+            </a:extLst>
+          </p:cNvPr>
+          <p:cNvSpPr txBox="1"/>
+          <p:nvPr/>
+        </p:nvSpPr>
+        <p:spPr>
+          <a:xfrm>
+            <a:off x="5765800" y="5854700"/>
+            <a:ext cx="6756400" cy="457200"/>
+          </a:xfrm>
+          <a:prstGeom prst="rect">
+            <a:avLst/>
+          </a:prstGeom>
+        </p:spPr>
+        <p:txBody>
+          <a:bodyPr lIns="0" tIns="0" rIns="0" bIns="0" rtlCol="0" anchor="ctr"/>
+          <a:lstStyle/>
+          <a:p>
+            <a:pPr lvl="0" algn="ctr">
+              <a:lnSpc>
+                <a:spcPct val="108729"/>
+              </a:lnSpc>
+            </a:pPr>
+            <a:r>
+              <a:rPr lang="ko-KR" altLang="en-US" sz="2600" b="0" i="0" u="none" strike="noStrike">
+                <a:solidFill>
+                  <a:srgbClr val="9E9E9E"/>
+                </a:solidFill>
+                <a:latin typeface="Pretendard Light"/>
+              </a:rPr>
+              <a:t>웹 구현</a:t>
+            </a:r>
+            <a:endParaRPr lang="en-US" sz="2600" b="0" i="0" u="none" strike="noStrike" dirty="0">
+              <a:solidFill>
+                <a:srgbClr val="9E9E9E"/>
+              </a:solidFill>
+              <a:latin typeface="Pretendard Light"/>
+            </a:endParaRPr>
+          </a:p>
+        </p:txBody>
+      </p:sp>
+      <p:pic>
+        <p:nvPicPr>
+          <p:cNvPr id="11" name="Picture 11">
+            <a:extLst>
+              <a:ext uri="{FF2B5EF4-FFF2-40B4-BE49-F238E27FC236}">
+                <a16:creationId xmlns:a16="http://schemas.microsoft.com/office/drawing/2014/main" id="{BC983AFF-0AF2-CC63-5B6B-4EE3D51FB43E}"/>
+              </a:ext>
+            </a:extLst>
+          </p:cNvPr>
+          <p:cNvPicPr>
+            <a:picLocks noChangeAspect="1"/>
+          </p:cNvPicPr>
+          <p:nvPr/>
+        </p:nvPicPr>
+        <p:blipFill>
+          <a:blip r:embed="rId8"/>
+          <a:stretch>
+            <a:fillRect/>
+          </a:stretch>
+        </p:blipFill>
+        <p:spPr>
+          <a:xfrm>
+            <a:off x="6121400" y="6781800"/>
+            <a:ext cx="1955800" cy="520700"/>
+          </a:xfrm>
+          <a:prstGeom prst="rect">
+            <a:avLst/>
+          </a:prstGeom>
+        </p:spPr>
+      </p:pic>
+      <p:sp>
+        <p:nvSpPr>
+          <p:cNvPr id="12" name="TextBox 12">
+            <a:extLst>
+              <a:ext uri="{FF2B5EF4-FFF2-40B4-BE49-F238E27FC236}">
+                <a16:creationId xmlns:a16="http://schemas.microsoft.com/office/drawing/2014/main" id="{3C2DC015-F95B-385E-E98E-BAC8A9D3CB12}"/>
+              </a:ext>
+            </a:extLst>
+          </p:cNvPr>
+          <p:cNvSpPr txBox="1"/>
+          <p:nvPr/>
+        </p:nvSpPr>
+        <p:spPr>
+          <a:xfrm>
+            <a:off x="6178550" y="6829425"/>
+            <a:ext cx="1841500" cy="406400"/>
+          </a:xfrm>
+          <a:prstGeom prst="rect">
+            <a:avLst/>
+          </a:prstGeom>
+        </p:spPr>
+        <p:txBody>
+          <a:bodyPr lIns="0" tIns="0" rIns="0" bIns="0" rtlCol="0" anchor="ctr"/>
+          <a:lstStyle/>
+          <a:p>
+            <a:pPr lvl="0" algn="l">
+              <a:lnSpc>
+                <a:spcPct val="108729"/>
+              </a:lnSpc>
+            </a:pPr>
+            <a:r>
+              <a:rPr lang="en-US" sz="2300" b="0" i="0" u="none" strike="noStrike" dirty="0">
+                <a:solidFill>
+                  <a:srgbClr val="393939"/>
+                </a:solidFill>
+                <a:latin typeface="Pretendard Bold"/>
+              </a:rPr>
+              <a:t>#</a:t>
+            </a:r>
+            <a:r>
+              <a:rPr lang="ko-KR" altLang="en-US" sz="2300" b="0" i="0" u="none" strike="noStrike" dirty="0">
+                <a:solidFill>
+                  <a:srgbClr val="393939"/>
+                </a:solidFill>
+                <a:latin typeface="Pretendard Bold"/>
+                <a:ea typeface="Pretendard Bold"/>
+              </a:rPr>
+              <a:t>운동 자세 교정</a:t>
+            </a:r>
+            <a:endParaRPr lang="ko-KR" sz="2300" b="0" i="0" u="none" strike="noStrike" dirty="0">
+              <a:solidFill>
+                <a:srgbClr val="393939"/>
+              </a:solidFill>
+              <a:ea typeface="Pretendard Bold"/>
+            </a:endParaRPr>
+          </a:p>
+        </p:txBody>
+      </p:sp>
+      <p:pic>
+        <p:nvPicPr>
+          <p:cNvPr id="13" name="Picture 13">
+            <a:extLst>
+              <a:ext uri="{FF2B5EF4-FFF2-40B4-BE49-F238E27FC236}">
+                <a16:creationId xmlns:a16="http://schemas.microsoft.com/office/drawing/2014/main" id="{678D01C4-1CA6-D2AE-943F-1DB513703C97}"/>
+              </a:ext>
+            </a:extLst>
+          </p:cNvPr>
+          <p:cNvPicPr>
+            <a:picLocks noChangeAspect="1"/>
+          </p:cNvPicPr>
+          <p:nvPr/>
+        </p:nvPicPr>
+        <p:blipFill>
+          <a:blip r:embed="rId8"/>
+          <a:stretch>
+            <a:fillRect/>
+          </a:stretch>
+        </p:blipFill>
+        <p:spPr>
+          <a:xfrm>
+            <a:off x="8166100" y="6781800"/>
+            <a:ext cx="1955800" cy="520700"/>
+          </a:xfrm>
+          <a:prstGeom prst="rect">
+            <a:avLst/>
+          </a:prstGeom>
+        </p:spPr>
+      </p:pic>
+      <p:sp>
+        <p:nvSpPr>
+          <p:cNvPr id="14" name="TextBox 14">
+            <a:extLst>
+              <a:ext uri="{FF2B5EF4-FFF2-40B4-BE49-F238E27FC236}">
+                <a16:creationId xmlns:a16="http://schemas.microsoft.com/office/drawing/2014/main" id="{8548F53E-4106-4F21-BC9D-DEFEC1468616}"/>
+              </a:ext>
+            </a:extLst>
+          </p:cNvPr>
+          <p:cNvSpPr txBox="1"/>
+          <p:nvPr/>
+        </p:nvSpPr>
+        <p:spPr>
+          <a:xfrm>
+            <a:off x="8470900" y="6829425"/>
+            <a:ext cx="1651000" cy="406400"/>
+          </a:xfrm>
+          <a:prstGeom prst="rect">
+            <a:avLst/>
+          </a:prstGeom>
+        </p:spPr>
+        <p:txBody>
+          <a:bodyPr lIns="0" tIns="0" rIns="0" bIns="0" rtlCol="0" anchor="ctr"/>
+          <a:lstStyle/>
+          <a:p>
+            <a:pPr lvl="0" algn="l">
+              <a:lnSpc>
+                <a:spcPct val="108729"/>
+              </a:lnSpc>
+            </a:pPr>
+            <a:r>
+              <a:rPr lang="en-US" sz="2300" b="0" i="0" u="none" strike="noStrike" dirty="0">
+                <a:solidFill>
+                  <a:srgbClr val="393939"/>
+                </a:solidFill>
+                <a:latin typeface="Pretendard Bold"/>
+              </a:rPr>
+              <a:t>#</a:t>
+            </a:r>
+            <a:r>
+              <a:rPr lang="ko-KR" altLang="en-US" sz="2300" b="0" i="0" u="none" strike="noStrike" dirty="0">
+                <a:solidFill>
+                  <a:srgbClr val="393939"/>
+                </a:solidFill>
+                <a:ea typeface="Pretendard Bold"/>
+              </a:rPr>
+              <a:t>체형 분석</a:t>
+            </a:r>
+            <a:endParaRPr lang="ko-KR" sz="2300" b="0" i="0" u="none" strike="noStrike" dirty="0">
+              <a:solidFill>
+                <a:srgbClr val="393939"/>
+              </a:solidFill>
+              <a:ea typeface="Pretendard Bold"/>
+            </a:endParaRPr>
+          </a:p>
+        </p:txBody>
+      </p:sp>
+      <p:pic>
+        <p:nvPicPr>
+          <p:cNvPr id="15" name="Picture 15">
+            <a:extLst>
+              <a:ext uri="{FF2B5EF4-FFF2-40B4-BE49-F238E27FC236}">
+                <a16:creationId xmlns:a16="http://schemas.microsoft.com/office/drawing/2014/main" id="{F0B3FFCB-9F00-9D6D-A970-BF107810871A}"/>
+              </a:ext>
+            </a:extLst>
+          </p:cNvPr>
+          <p:cNvPicPr>
+            <a:picLocks noChangeAspect="1"/>
+          </p:cNvPicPr>
+          <p:nvPr/>
+        </p:nvPicPr>
+        <p:blipFill>
+          <a:blip r:embed="rId8"/>
+          <a:stretch>
+            <a:fillRect/>
+          </a:stretch>
+        </p:blipFill>
+        <p:spPr>
+          <a:xfrm>
+            <a:off x="10210800" y="6781800"/>
+            <a:ext cx="1955800" cy="520700"/>
+          </a:xfrm>
+          <a:prstGeom prst="rect">
+            <a:avLst/>
+          </a:prstGeom>
+        </p:spPr>
+      </p:pic>
+      <p:pic>
+        <p:nvPicPr>
+          <p:cNvPr id="16" name="Picture 16">
+            <a:extLst>
+              <a:ext uri="{FF2B5EF4-FFF2-40B4-BE49-F238E27FC236}">
+                <a16:creationId xmlns:a16="http://schemas.microsoft.com/office/drawing/2014/main" id="{D901C120-5A24-4FF8-762E-C4790A88FAE9}"/>
+              </a:ext>
+            </a:extLst>
+          </p:cNvPr>
+          <p:cNvPicPr>
+            <a:picLocks noChangeAspect="1"/>
+          </p:cNvPicPr>
+          <p:nvPr/>
+        </p:nvPicPr>
+        <p:blipFill>
+          <a:blip r:embed="rId9"/>
+          <a:stretch>
+            <a:fillRect/>
+          </a:stretch>
+        </p:blipFill>
+        <p:spPr>
+          <a:xfrm rot="-1380000">
+            <a:off x="12039600" y="6007100"/>
+            <a:ext cx="4279900" cy="4279900"/>
+          </a:xfrm>
+          <a:prstGeom prst="rect">
+            <a:avLst/>
+          </a:prstGeom>
+        </p:spPr>
+      </p:pic>
+      <p:sp>
+        <p:nvSpPr>
+          <p:cNvPr id="17" name="TextBox 17">
+            <a:extLst>
+              <a:ext uri="{FF2B5EF4-FFF2-40B4-BE49-F238E27FC236}">
+                <a16:creationId xmlns:a16="http://schemas.microsoft.com/office/drawing/2014/main" id="{3A8618E9-F640-9445-59EA-F81D94C61300}"/>
+              </a:ext>
+            </a:extLst>
+          </p:cNvPr>
+          <p:cNvSpPr txBox="1"/>
+          <p:nvPr/>
+        </p:nvSpPr>
+        <p:spPr>
+          <a:xfrm>
+            <a:off x="10515600" y="6832600"/>
+            <a:ext cx="1651000" cy="406400"/>
+          </a:xfrm>
+          <a:prstGeom prst="rect">
+            <a:avLst/>
+          </a:prstGeom>
+        </p:spPr>
+        <p:txBody>
+          <a:bodyPr lIns="0" tIns="0" rIns="0" bIns="0" rtlCol="0" anchor="ctr"/>
+          <a:lstStyle/>
+          <a:p>
+            <a:pPr lvl="0" algn="l">
+              <a:lnSpc>
+                <a:spcPct val="108729"/>
+              </a:lnSpc>
+            </a:pPr>
+            <a:r>
+              <a:rPr lang="en-US" sz="2300" b="0" i="0" u="none" strike="noStrike" dirty="0">
+                <a:solidFill>
+                  <a:srgbClr val="393939"/>
+                </a:solidFill>
+                <a:latin typeface="Pretendard Bold"/>
+              </a:rPr>
+              <a:t>#</a:t>
+            </a:r>
+            <a:r>
+              <a:rPr lang="ko-KR" altLang="en-US" sz="2300" b="0" i="0" u="none" strike="noStrike" dirty="0">
+                <a:solidFill>
+                  <a:srgbClr val="393939"/>
+                </a:solidFill>
+                <a:ea typeface="Pretendard Bold"/>
+              </a:rPr>
+              <a:t>식단 추천</a:t>
+            </a:r>
+            <a:endParaRPr lang="ko-KR" sz="2300" b="0" i="0" u="none" strike="noStrike" dirty="0">
+              <a:solidFill>
+                <a:srgbClr val="393939"/>
+              </a:solidFill>
+              <a:ea typeface="Pretendard Bold"/>
+            </a:endParaRPr>
+          </a:p>
+        </p:txBody>
+      </p:sp>
+      <p:sp>
+        <p:nvSpPr>
+          <p:cNvPr id="18" name="TextBox 8">
+            <a:extLst>
+              <a:ext uri="{FF2B5EF4-FFF2-40B4-BE49-F238E27FC236}">
+                <a16:creationId xmlns:a16="http://schemas.microsoft.com/office/drawing/2014/main" id="{F9E46F91-3444-1F1B-EBE0-A87ACB97EC13}"/>
+              </a:ext>
+            </a:extLst>
+          </p:cNvPr>
+          <p:cNvSpPr txBox="1"/>
+          <p:nvPr/>
+        </p:nvSpPr>
+        <p:spPr>
+          <a:xfrm>
+            <a:off x="1676400" y="774700"/>
+            <a:ext cx="13716000" cy="533400"/>
+          </a:xfrm>
+          <a:prstGeom prst="rect">
+            <a:avLst/>
+          </a:prstGeom>
+        </p:spPr>
+        <p:txBody>
+          <a:bodyPr lIns="0" tIns="0" rIns="0" bIns="0" rtlCol="0" anchor="ctr"/>
+          <a:lstStyle/>
+          <a:p>
+            <a:pPr lvl="0">
+              <a:lnSpc>
+                <a:spcPct val="92960"/>
+              </a:lnSpc>
+            </a:pPr>
+            <a:r>
+              <a:rPr lang="en-US" sz="2400" dirty="0">
+                <a:solidFill>
+                  <a:srgbClr val="393939"/>
+                </a:solidFill>
+                <a:latin typeface="Pretendard Bold"/>
+              </a:rPr>
+              <a:t>www.FitAI-Pro.</a:t>
+            </a:r>
+            <a:r>
+              <a:rPr lang="en-US" sz="2400">
+                <a:solidFill>
+                  <a:srgbClr val="393939"/>
+                </a:solidFill>
+                <a:latin typeface="Pretendard Bold"/>
+              </a:rPr>
+              <a:t>com/Django</a:t>
+            </a:r>
+            <a:endParaRPr lang="en-US" sz="2400" b="0" i="0" u="none" strike="noStrike" dirty="0">
+              <a:solidFill>
+                <a:srgbClr val="393939"/>
+              </a:solidFill>
+              <a:latin typeface="Pretendard Bold"/>
+            </a:endParaRPr>
+          </a:p>
+        </p:txBody>
+      </p:sp>
+    </p:spTree>
+    <p:extLst>
+      <p:ext uri="{BB962C8B-B14F-4D97-AF65-F5344CB8AC3E}">
+        <p14:creationId xmlns:p14="http://schemas.microsoft.com/office/powerpoint/2010/main" val="1615175101"/>
+      </p:ext>
+    </p:extLst>
+  </p:cSld>
+  <p:clrMapOvr>
+    <a:masterClrMapping/>
+  </p:clrMapOvr>
+</p:sld>
+</file>
+
+<file path=ppt/slides/slide27.xml><?xml version="1.0" encoding="utf-8"?>
+<p:sld xmlns:a="http://schemas.openxmlformats.org/drawingml/2006/main" xmlns:r="http://schemas.openxmlformats.org/officeDocument/2006/relationships" xmlns:p="http://schemas.openxmlformats.org/presentationml/2006/main">
+  <p:cSld>
+    <p:spTree>
+      <p:nvGrpSpPr>
+        <p:cNvPr id="1" name="">
+          <a:extLst>
+            <a:ext uri="{FF2B5EF4-FFF2-40B4-BE49-F238E27FC236}">
+              <a16:creationId xmlns:a16="http://schemas.microsoft.com/office/drawing/2014/main" id="{5DD90EC9-F8D0-8459-A79A-E7C79DBF34B2}"/>
+            </a:ext>
+          </a:extLst>
+        </p:cNvPr>
+        <p:cNvGrpSpPr/>
+        <p:nvPr/>
+      </p:nvGrpSpPr>
+      <p:grpSpPr>
+        <a:xfrm>
+          <a:off x="0" y="0"/>
+          <a:ext cx="0" cy="0"/>
+          <a:chOff x="0" y="0"/>
+          <a:chExt cx="0" cy="0"/>
+        </a:xfrm>
+      </p:grpSpPr>
+      <p:pic>
+        <p:nvPicPr>
+          <p:cNvPr id="2" name="Picture 2">
+            <a:extLst>
+              <a:ext uri="{FF2B5EF4-FFF2-40B4-BE49-F238E27FC236}">
+                <a16:creationId xmlns:a16="http://schemas.microsoft.com/office/drawing/2014/main" id="{646B7E0E-A379-63FE-2C5C-91346F8D5649}"/>
+              </a:ext>
+            </a:extLst>
+          </p:cNvPr>
+          <p:cNvPicPr>
+            <a:picLocks noChangeAspect="1"/>
+          </p:cNvPicPr>
+          <p:nvPr/>
+        </p:nvPicPr>
+        <p:blipFill>
+          <a:blip r:embed="rId3"/>
+          <a:stretch>
+            <a:fillRect/>
+          </a:stretch>
+        </p:blipFill>
+        <p:spPr>
+          <a:xfrm>
+            <a:off x="533400" y="482600"/>
+            <a:ext cx="17208500" cy="9309100"/>
+          </a:xfrm>
+          <a:prstGeom prst="rect">
+            <a:avLst/>
+          </a:prstGeom>
+          <a:effectLst>
+            <a:outerShdw blurRad="323758" dist="143241" dir="7080000">
+              <a:srgbClr val="393939">
+                <a:alpha val="30000"/>
+              </a:srgbClr>
+            </a:outerShdw>
+          </a:effectLst>
+        </p:spPr>
+      </p:pic>
+      <p:sp>
+        <p:nvSpPr>
+          <p:cNvPr id="3" name="TextBox 8">
+            <a:extLst>
+              <a:ext uri="{FF2B5EF4-FFF2-40B4-BE49-F238E27FC236}">
+                <a16:creationId xmlns:a16="http://schemas.microsoft.com/office/drawing/2014/main" id="{96EDA1C6-BE43-E10E-2D66-CB79614D1566}"/>
+              </a:ext>
+            </a:extLst>
+          </p:cNvPr>
+          <p:cNvSpPr txBox="1"/>
+          <p:nvPr/>
+        </p:nvSpPr>
+        <p:spPr>
+          <a:xfrm>
+            <a:off x="1676400" y="787400"/>
+            <a:ext cx="13716000" cy="520700"/>
+          </a:xfrm>
+          <a:prstGeom prst="rect">
+            <a:avLst/>
+          </a:prstGeom>
+        </p:spPr>
+        <p:txBody>
+          <a:bodyPr lIns="0" tIns="0" rIns="0" bIns="0" rtlCol="0" anchor="ctr"/>
+          <a:lstStyle/>
+          <a:p>
+            <a:pPr lvl="0">
+              <a:lnSpc>
+                <a:spcPct val="92960"/>
+              </a:lnSpc>
+            </a:pPr>
+            <a:r>
+              <a:rPr lang="en-US" altLang="ko-KR" sz="2400">
+                <a:solidFill>
+                  <a:srgbClr val="393939"/>
+                </a:solidFill>
+                <a:latin typeface="Pretendard Bold"/>
+              </a:rPr>
+              <a:t>www.FitAI-Pro.com/Django/Flow</a:t>
+            </a:r>
+            <a:endParaRPr lang="en-US" altLang="ko-KR" sz="2400" b="0" i="0" u="none" strike="noStrike" dirty="0">
+              <a:solidFill>
+                <a:srgbClr val="393939"/>
+              </a:solidFill>
+              <a:latin typeface="Pretendard Bold"/>
+            </a:endParaRPr>
+          </a:p>
+        </p:txBody>
+      </p:sp>
+      <p:sp>
+        <p:nvSpPr>
+          <p:cNvPr id="15" name="TextBox 3">
+            <a:extLst>
+              <a:ext uri="{FF2B5EF4-FFF2-40B4-BE49-F238E27FC236}">
+                <a16:creationId xmlns:a16="http://schemas.microsoft.com/office/drawing/2014/main" id="{78F54563-5436-81C8-503C-4AD023AF1D2E}"/>
+              </a:ext>
+            </a:extLst>
+          </p:cNvPr>
+          <p:cNvSpPr txBox="1"/>
+          <p:nvPr/>
+        </p:nvSpPr>
+        <p:spPr>
+          <a:xfrm>
+            <a:off x="5753100" y="3238500"/>
+            <a:ext cx="6756400" cy="444500"/>
+          </a:xfrm>
+          <a:prstGeom prst="rect">
+            <a:avLst/>
+          </a:prstGeom>
+        </p:spPr>
+        <p:txBody>
+          <a:bodyPr lIns="0" tIns="0" rIns="0" bIns="0" rtlCol="0" anchor="ctr"/>
+          <a:lstStyle/>
+          <a:p>
+            <a:pPr lvl="0" algn="ctr">
+              <a:lnSpc>
+                <a:spcPct val="108729"/>
+              </a:lnSpc>
+            </a:pPr>
+            <a:r>
+              <a:rPr lang="ko-KR" altLang="en-US" sz="2500" dirty="0">
+                <a:solidFill>
+                  <a:srgbClr val="9E9E9E"/>
+                </a:solidFill>
+                <a:latin typeface="Pretendard Light"/>
+                <a:ea typeface="Pretendard Light"/>
+              </a:rPr>
+              <a:t>체형 예측 웹페이지 작동 방식</a:t>
+            </a:r>
+            <a:endParaRPr lang="en-US" sz="2500" b="0" i="0" u="none" strike="noStrike" dirty="0">
+              <a:solidFill>
+                <a:srgbClr val="9E9E9E"/>
+              </a:solidFill>
+              <a:latin typeface="Pretendard Light"/>
+            </a:endParaRPr>
+          </a:p>
+        </p:txBody>
+      </p:sp>
+      <p:pic>
+        <p:nvPicPr>
+          <p:cNvPr id="16" name="Picture 4">
+            <a:extLst>
+              <a:ext uri="{FF2B5EF4-FFF2-40B4-BE49-F238E27FC236}">
+                <a16:creationId xmlns:a16="http://schemas.microsoft.com/office/drawing/2014/main" id="{95D2DDDC-04B4-57BF-0A3C-BF29A4E74352}"/>
+              </a:ext>
+            </a:extLst>
+          </p:cNvPr>
+          <p:cNvPicPr>
+            <a:picLocks noChangeAspect="1"/>
+          </p:cNvPicPr>
+          <p:nvPr/>
+        </p:nvPicPr>
+        <p:blipFill>
+          <a:blip r:embed="rId4"/>
+          <a:stretch>
+            <a:fillRect/>
+          </a:stretch>
+        </p:blipFill>
+        <p:spPr>
+          <a:xfrm>
+            <a:off x="5207000" y="3162300"/>
+            <a:ext cx="7874000" cy="12700"/>
+          </a:xfrm>
+          <a:prstGeom prst="rect">
+            <a:avLst/>
+          </a:prstGeom>
+        </p:spPr>
+      </p:pic>
+      <p:sp>
+        <p:nvSpPr>
+          <p:cNvPr id="17" name="TextBox 29">
+            <a:extLst>
+              <a:ext uri="{FF2B5EF4-FFF2-40B4-BE49-F238E27FC236}">
+                <a16:creationId xmlns:a16="http://schemas.microsoft.com/office/drawing/2014/main" id="{C8728DC6-2D0F-1328-F806-BBE2A016139E}"/>
+              </a:ext>
+            </a:extLst>
+          </p:cNvPr>
+          <p:cNvSpPr txBox="1"/>
+          <p:nvPr/>
+        </p:nvSpPr>
+        <p:spPr>
+          <a:xfrm>
+            <a:off x="2679700" y="1943100"/>
+            <a:ext cx="13169900" cy="1244600"/>
+          </a:xfrm>
+          <a:prstGeom prst="rect">
+            <a:avLst/>
+          </a:prstGeom>
+        </p:spPr>
+        <p:txBody>
+          <a:bodyPr lIns="0" tIns="0" rIns="0" bIns="0" rtlCol="0" anchor="ctr"/>
+          <a:lstStyle/>
+          <a:p>
+            <a:pPr lvl="0" algn="ctr">
+              <a:lnSpc>
+                <a:spcPct val="86320"/>
+              </a:lnSpc>
+            </a:pPr>
+            <a:r>
+              <a:rPr lang="ko-KR" altLang="en-US" sz="5400" b="0" i="0" u="none" strike="noStrike" spc="-100" dirty="0">
+                <a:solidFill>
+                  <a:srgbClr val="393939"/>
+                </a:solidFill>
+                <a:ea typeface="Pretendard Bold"/>
+              </a:rPr>
+              <a:t>웹 페이지 작동 방식</a:t>
+            </a:r>
+            <a:endParaRPr lang="ko-KR" sz="5400" b="0" i="0" u="none" strike="noStrike" spc="-100" dirty="0">
+              <a:solidFill>
+                <a:srgbClr val="393939"/>
+              </a:solidFill>
+              <a:ea typeface="Pretendard Bold"/>
+            </a:endParaRPr>
+          </a:p>
+        </p:txBody>
+      </p:sp>
+      <p:pic>
+        <p:nvPicPr>
+          <p:cNvPr id="10" name="Picture 38">
+            <a:extLst>
+              <a:ext uri="{FF2B5EF4-FFF2-40B4-BE49-F238E27FC236}">
+                <a16:creationId xmlns:a16="http://schemas.microsoft.com/office/drawing/2014/main" id="{12A5C850-59ED-95C3-0550-00BBE36E6A2B}"/>
+              </a:ext>
+            </a:extLst>
+          </p:cNvPr>
+          <p:cNvPicPr>
+            <a:picLocks noChangeAspect="1"/>
+          </p:cNvPicPr>
+          <p:nvPr/>
+        </p:nvPicPr>
+        <p:blipFill>
+          <a:blip r:embed="rId5"/>
+          <a:stretch>
+            <a:fillRect/>
+          </a:stretch>
+        </p:blipFill>
+        <p:spPr>
+          <a:xfrm>
+            <a:off x="8496300" y="1574800"/>
+            <a:ext cx="1308100" cy="520700"/>
+          </a:xfrm>
+          <a:prstGeom prst="rect">
+            <a:avLst/>
+          </a:prstGeom>
+        </p:spPr>
+      </p:pic>
+      <p:pic>
+        <p:nvPicPr>
+          <p:cNvPr id="5" name="그림 4">
+            <a:extLst>
+              <a:ext uri="{FF2B5EF4-FFF2-40B4-BE49-F238E27FC236}">
+                <a16:creationId xmlns:a16="http://schemas.microsoft.com/office/drawing/2014/main" id="{D287B947-5B8C-4475-BD7D-9831BD4C2172}"/>
+              </a:ext>
+            </a:extLst>
+          </p:cNvPr>
+          <p:cNvPicPr>
+            <a:picLocks noChangeAspect="1"/>
+          </p:cNvPicPr>
+          <p:nvPr/>
+        </p:nvPicPr>
+        <p:blipFill>
+          <a:blip r:embed="rId6"/>
+          <a:stretch>
+            <a:fillRect/>
+          </a:stretch>
+        </p:blipFill>
+        <p:spPr>
+          <a:xfrm>
+            <a:off x="4641331" y="3733800"/>
+            <a:ext cx="9531869" cy="5963529"/>
+          </a:xfrm>
+          <a:prstGeom prst="rect">
+            <a:avLst/>
+          </a:prstGeom>
+        </p:spPr>
+      </p:pic>
+      <p:sp>
+        <p:nvSpPr>
+          <p:cNvPr id="12" name="TextBox 39">
+            <a:extLst>
+              <a:ext uri="{FF2B5EF4-FFF2-40B4-BE49-F238E27FC236}">
+                <a16:creationId xmlns:a16="http://schemas.microsoft.com/office/drawing/2014/main" id="{33F5AC4C-E155-45D4-A3DF-AC61B4B57D74}"/>
+              </a:ext>
+            </a:extLst>
+          </p:cNvPr>
+          <p:cNvSpPr txBox="1"/>
+          <p:nvPr/>
+        </p:nvSpPr>
+        <p:spPr>
+          <a:xfrm>
+            <a:off x="8356600" y="1645478"/>
+            <a:ext cx="1574800" cy="355600"/>
+          </a:xfrm>
+          <a:prstGeom prst="rect">
+            <a:avLst/>
+          </a:prstGeom>
+        </p:spPr>
+        <p:txBody>
+          <a:bodyPr lIns="0" tIns="0" rIns="0" bIns="0" rtlCol="0" anchor="ctr"/>
+          <a:lstStyle/>
+          <a:p>
+            <a:pPr lvl="0" algn="ctr">
+              <a:lnSpc>
+                <a:spcPct val="92960"/>
+              </a:lnSpc>
+            </a:pPr>
+            <a:r>
+              <a:rPr lang="en-US" sz="2000" b="0" i="0" u="none" strike="noStrike" dirty="0">
+                <a:solidFill>
+                  <a:srgbClr val="393939"/>
+                </a:solidFill>
+                <a:latin typeface="Pretendard Bold"/>
+              </a:rPr>
+              <a:t>Part.04</a:t>
+            </a:r>
+          </a:p>
+        </p:txBody>
+      </p:sp>
+    </p:spTree>
+    <p:extLst>
+      <p:ext uri="{BB962C8B-B14F-4D97-AF65-F5344CB8AC3E}">
+        <p14:creationId xmlns:p14="http://schemas.microsoft.com/office/powerpoint/2010/main" val="2322791457"/>
+      </p:ext>
+    </p:extLst>
+  </p:cSld>
+  <p:clrMapOvr>
+    <a:masterClrMapping/>
+  </p:clrMapOvr>
+</p:sld>
+</file>
+
+<file path=ppt/slides/slide28.xml><?xml version="1.0" encoding="utf-8"?>
+<p:sld xmlns:a="http://schemas.openxmlformats.org/drawingml/2006/main" xmlns:r="http://schemas.openxmlformats.org/officeDocument/2006/relationships" xmlns:p="http://schemas.openxmlformats.org/presentationml/2006/main">
+  <p:cSld>
+    <p:spTree>
+      <p:nvGrpSpPr>
+        <p:cNvPr id="1" name="">
+          <a:extLst>
+            <a:ext uri="{FF2B5EF4-FFF2-40B4-BE49-F238E27FC236}">
+              <a16:creationId xmlns:a16="http://schemas.microsoft.com/office/drawing/2014/main" id="{C115BEC7-E174-E6D0-9EAD-6ECB4D361BEE}"/>
+            </a:ext>
+          </a:extLst>
+        </p:cNvPr>
+        <p:cNvGrpSpPr/>
+        <p:nvPr/>
+      </p:nvGrpSpPr>
+      <p:grpSpPr>
+        <a:xfrm>
+          <a:off x="0" y="0"/>
+          <a:ext cx="0" cy="0"/>
+          <a:chOff x="0" y="0"/>
+          <a:chExt cx="0" cy="0"/>
+        </a:xfrm>
+      </p:grpSpPr>
+      <p:pic>
+        <p:nvPicPr>
+          <p:cNvPr id="2" name="Picture 2">
+            <a:extLst>
+              <a:ext uri="{FF2B5EF4-FFF2-40B4-BE49-F238E27FC236}">
+                <a16:creationId xmlns:a16="http://schemas.microsoft.com/office/drawing/2014/main" id="{567CE76B-5546-E4DC-7F01-7FA8DF40D59C}"/>
+              </a:ext>
+            </a:extLst>
+          </p:cNvPr>
+          <p:cNvPicPr>
+            <a:picLocks noChangeAspect="1"/>
+          </p:cNvPicPr>
+          <p:nvPr/>
+        </p:nvPicPr>
+        <p:blipFill>
+          <a:blip r:embed="rId2"/>
+          <a:stretch>
+            <a:fillRect/>
+          </a:stretch>
+        </p:blipFill>
+        <p:spPr>
+          <a:xfrm>
+            <a:off x="533400" y="482600"/>
+            <a:ext cx="17208500" cy="9309100"/>
+          </a:xfrm>
+          <a:prstGeom prst="rect">
+            <a:avLst/>
+          </a:prstGeom>
+          <a:effectLst>
+            <a:outerShdw blurRad="323758" dist="143241" dir="7080000">
+              <a:srgbClr val="393939">
+                <a:alpha val="30000"/>
+              </a:srgbClr>
+            </a:outerShdw>
+          </a:effectLst>
+        </p:spPr>
+      </p:pic>
+      <p:pic>
+        <p:nvPicPr>
+          <p:cNvPr id="1035" name="그림 1034">
+            <a:extLst>
+              <a:ext uri="{FF2B5EF4-FFF2-40B4-BE49-F238E27FC236}">
+                <a16:creationId xmlns:a16="http://schemas.microsoft.com/office/drawing/2014/main" id="{07772D6E-C23B-4822-981C-05CC55E7F39B}"/>
+              </a:ext>
+            </a:extLst>
+          </p:cNvPr>
+          <p:cNvPicPr>
+            <a:picLocks noChangeAspect="1"/>
+          </p:cNvPicPr>
+          <p:nvPr/>
+        </p:nvPicPr>
+        <p:blipFill>
+          <a:blip r:embed="rId3"/>
+          <a:stretch>
+            <a:fillRect/>
+          </a:stretch>
+        </p:blipFill>
+        <p:spPr>
+          <a:xfrm>
+            <a:off x="4417813" y="3076683"/>
+            <a:ext cx="10328674" cy="6486417"/>
+          </a:xfrm>
+          <a:prstGeom prst="rect">
+            <a:avLst/>
+          </a:prstGeom>
+        </p:spPr>
+      </p:pic>
+      <p:sp>
+        <p:nvSpPr>
+          <p:cNvPr id="3" name="TextBox 8">
+            <a:extLst>
+              <a:ext uri="{FF2B5EF4-FFF2-40B4-BE49-F238E27FC236}">
+                <a16:creationId xmlns:a16="http://schemas.microsoft.com/office/drawing/2014/main" id="{CC6E3554-919D-2CEB-98B7-6E4F6EB98A19}"/>
+              </a:ext>
+            </a:extLst>
+          </p:cNvPr>
+          <p:cNvSpPr txBox="1"/>
+          <p:nvPr/>
+        </p:nvSpPr>
+        <p:spPr>
+          <a:xfrm>
+            <a:off x="1676400" y="800100"/>
+            <a:ext cx="13716000" cy="508000"/>
+          </a:xfrm>
+          <a:prstGeom prst="rect">
+            <a:avLst/>
+          </a:prstGeom>
+        </p:spPr>
+        <p:txBody>
+          <a:bodyPr lIns="0" tIns="0" rIns="0" bIns="0" rtlCol="0" anchor="ctr"/>
+          <a:lstStyle/>
+          <a:p>
+            <a:pPr lvl="0">
+              <a:lnSpc>
+                <a:spcPct val="92960"/>
+              </a:lnSpc>
+            </a:pPr>
+            <a:r>
+              <a:rPr lang="en-US" sz="2400" dirty="0">
+                <a:solidFill>
+                  <a:srgbClr val="393939"/>
+                </a:solidFill>
+                <a:latin typeface="Pretendard Bold"/>
+              </a:rPr>
+              <a:t>www.FitAI-Pro.com/WEB/body_type</a:t>
+            </a:r>
+            <a:endParaRPr lang="en-US" sz="2400" b="0" i="0" u="none" strike="noStrike" dirty="0">
+              <a:solidFill>
+                <a:srgbClr val="393939"/>
+              </a:solidFill>
+              <a:latin typeface="Pretendard Bold"/>
+            </a:endParaRPr>
+          </a:p>
+        </p:txBody>
+      </p:sp>
+      <p:sp>
+        <p:nvSpPr>
+          <p:cNvPr id="4" name="TextBox 3">
+            <a:extLst>
+              <a:ext uri="{FF2B5EF4-FFF2-40B4-BE49-F238E27FC236}">
+                <a16:creationId xmlns:a16="http://schemas.microsoft.com/office/drawing/2014/main" id="{5FE94F8F-9BDC-2E94-6105-AB26373E2166}"/>
+              </a:ext>
+            </a:extLst>
+          </p:cNvPr>
+          <p:cNvSpPr txBox="1"/>
+          <p:nvPr/>
+        </p:nvSpPr>
+        <p:spPr>
+          <a:xfrm>
+            <a:off x="3289300" y="2172641"/>
+            <a:ext cx="11709400" cy="812800"/>
+          </a:xfrm>
+          <a:prstGeom prst="rect">
+            <a:avLst/>
+          </a:prstGeom>
+        </p:spPr>
+        <p:txBody>
+          <a:bodyPr lIns="0" tIns="0" rIns="0" bIns="0" rtlCol="0" anchor="ctr"/>
+          <a:lstStyle/>
+          <a:p>
+            <a:pPr lvl="0" algn="ctr">
+              <a:lnSpc>
+                <a:spcPct val="86320"/>
+              </a:lnSpc>
+            </a:pPr>
+            <a:r>
+              <a:rPr lang="en-US" altLang="ko-KR" sz="4800" spc="-100" dirty="0">
+                <a:solidFill>
+                  <a:srgbClr val="393939"/>
+                </a:solidFill>
+                <a:ea typeface="Pretendard Bold"/>
+              </a:rPr>
+              <a:t>Django</a:t>
+            </a:r>
+            <a:r>
+              <a:rPr lang="ko-KR" altLang="en-US" sz="4800" spc="-100" dirty="0">
+                <a:solidFill>
+                  <a:srgbClr val="393939"/>
+                </a:solidFill>
+                <a:ea typeface="Pretendard Bold"/>
+              </a:rPr>
+              <a:t>를 이용한 </a:t>
+            </a:r>
+            <a:r>
+              <a:rPr lang="en-US" altLang="ko-KR" sz="4800" spc="-100" dirty="0">
+                <a:solidFill>
+                  <a:srgbClr val="393939"/>
+                </a:solidFill>
+                <a:ea typeface="Pretendard Bold"/>
+              </a:rPr>
+              <a:t>WEB</a:t>
+            </a:r>
+            <a:r>
+              <a:rPr lang="ko-KR" altLang="en-US" sz="4800" spc="-100" dirty="0">
+                <a:solidFill>
+                  <a:srgbClr val="393939"/>
+                </a:solidFill>
+                <a:ea typeface="Pretendard Bold"/>
+              </a:rPr>
+              <a:t>구현</a:t>
+            </a:r>
+            <a:endParaRPr lang="ko-KR" sz="4800" b="0" i="0" u="none" strike="noStrike" spc="-100" dirty="0">
+              <a:solidFill>
+                <a:srgbClr val="393939"/>
+              </a:solidFill>
+              <a:ea typeface="Pretendard Bold"/>
+            </a:endParaRPr>
+          </a:p>
+        </p:txBody>
+      </p:sp>
+      <p:pic>
+        <p:nvPicPr>
+          <p:cNvPr id="6" name="Picture 38">
+            <a:extLst>
+              <a:ext uri="{FF2B5EF4-FFF2-40B4-BE49-F238E27FC236}">
+                <a16:creationId xmlns:a16="http://schemas.microsoft.com/office/drawing/2014/main" id="{0E244ED1-B06D-E5C0-0FCD-1E160CF55611}"/>
+              </a:ext>
+            </a:extLst>
+          </p:cNvPr>
+          <p:cNvPicPr>
+            <a:picLocks noChangeAspect="1"/>
+          </p:cNvPicPr>
+          <p:nvPr/>
+        </p:nvPicPr>
+        <p:blipFill>
+          <a:blip r:embed="rId4"/>
+          <a:stretch>
+            <a:fillRect/>
+          </a:stretch>
+        </p:blipFill>
+        <p:spPr>
+          <a:xfrm>
+            <a:off x="8496300" y="1574800"/>
+            <a:ext cx="1308100" cy="520700"/>
+          </a:xfrm>
+          <a:prstGeom prst="rect">
+            <a:avLst/>
+          </a:prstGeom>
+        </p:spPr>
+      </p:pic>
+      <p:sp>
+        <p:nvSpPr>
+          <p:cNvPr id="7" name="TextBox 39">
+            <a:extLst>
+              <a:ext uri="{FF2B5EF4-FFF2-40B4-BE49-F238E27FC236}">
+                <a16:creationId xmlns:a16="http://schemas.microsoft.com/office/drawing/2014/main" id="{B594AF48-80D7-1501-42F1-3AAA110066F7}"/>
+              </a:ext>
+            </a:extLst>
+          </p:cNvPr>
+          <p:cNvSpPr txBox="1"/>
+          <p:nvPr/>
+        </p:nvSpPr>
+        <p:spPr>
+          <a:xfrm>
+            <a:off x="8356600" y="1651000"/>
+            <a:ext cx="1574800" cy="355600"/>
+          </a:xfrm>
+          <a:prstGeom prst="rect">
+            <a:avLst/>
+          </a:prstGeom>
+        </p:spPr>
+        <p:txBody>
+          <a:bodyPr lIns="0" tIns="0" rIns="0" bIns="0" rtlCol="0" anchor="ctr"/>
+          <a:lstStyle/>
+          <a:p>
+            <a:pPr lvl="0" algn="ctr">
+              <a:lnSpc>
+                <a:spcPct val="92960"/>
+              </a:lnSpc>
+            </a:pPr>
+            <a:r>
+              <a:rPr lang="en-US" sz="2000" b="0" i="0" u="none" strike="noStrike" dirty="0">
+                <a:solidFill>
+                  <a:srgbClr val="393939"/>
+                </a:solidFill>
+                <a:latin typeface="Pretendard Bold"/>
+              </a:rPr>
+              <a:t>Part.04</a:t>
+            </a:r>
+          </a:p>
+        </p:txBody>
+      </p:sp>
+      <p:pic>
+        <p:nvPicPr>
+          <p:cNvPr id="8" name="Picture 26">
+            <a:extLst>
+              <a:ext uri="{FF2B5EF4-FFF2-40B4-BE49-F238E27FC236}">
+                <a16:creationId xmlns:a16="http://schemas.microsoft.com/office/drawing/2014/main" id="{F6A98239-0810-E391-C877-374A1316008A}"/>
+              </a:ext>
+            </a:extLst>
+          </p:cNvPr>
+          <p:cNvPicPr>
+            <a:picLocks noChangeAspect="1"/>
+          </p:cNvPicPr>
+          <p:nvPr/>
+        </p:nvPicPr>
+        <p:blipFill>
+          <a:blip r:embed="rId5"/>
+          <a:stretch>
+            <a:fillRect/>
+          </a:stretch>
+        </p:blipFill>
+        <p:spPr>
+          <a:xfrm>
+            <a:off x="4711700" y="2933700"/>
+            <a:ext cx="8864600" cy="12700"/>
+          </a:xfrm>
+          <a:prstGeom prst="rect">
+            <a:avLst/>
+          </a:prstGeom>
+        </p:spPr>
+      </p:pic>
+      <p:sp>
+        <p:nvSpPr>
+          <p:cNvPr id="9" name="TextBox 12">
+            <a:extLst>
+              <a:ext uri="{FF2B5EF4-FFF2-40B4-BE49-F238E27FC236}">
+                <a16:creationId xmlns:a16="http://schemas.microsoft.com/office/drawing/2014/main" id="{7372E79D-D99C-BB03-8E10-7FBAD4890FA5}"/>
+              </a:ext>
+            </a:extLst>
+          </p:cNvPr>
+          <p:cNvSpPr txBox="1"/>
+          <p:nvPr/>
+        </p:nvSpPr>
+        <p:spPr>
+          <a:xfrm>
+            <a:off x="533400" y="1787525"/>
+            <a:ext cx="5715000" cy="3403600"/>
+          </a:xfrm>
+          <a:prstGeom prst="rect">
+            <a:avLst/>
+          </a:prstGeom>
+        </p:spPr>
+        <p:txBody>
+          <a:bodyPr lIns="0" tIns="0" rIns="0" bIns="0" rtlCol="0" anchor="ctr"/>
+          <a:lstStyle/>
+          <a:p>
+            <a:pPr lvl="0" algn="l">
+              <a:lnSpc>
+                <a:spcPct val="108729"/>
+              </a:lnSpc>
+            </a:pPr>
+            <a:endParaRPr lang="en-US" altLang="ko-KR" sz="2100" dirty="0">
+              <a:solidFill>
+                <a:srgbClr val="393939"/>
+              </a:solidFill>
+              <a:latin typeface="Pretendard Light"/>
+            </a:endParaRPr>
+          </a:p>
+        </p:txBody>
+      </p:sp>
+      <p:sp>
+        <p:nvSpPr>
+          <p:cNvPr id="12" name="직사각형 11">
+            <a:extLst>
+              <a:ext uri="{FF2B5EF4-FFF2-40B4-BE49-F238E27FC236}">
+                <a16:creationId xmlns:a16="http://schemas.microsoft.com/office/drawing/2014/main" id="{D8ED353F-EDD1-4DB6-A06E-EB8E249FF847}"/>
+              </a:ext>
+            </a:extLst>
+          </p:cNvPr>
+          <p:cNvSpPr/>
+          <p:nvPr/>
+        </p:nvSpPr>
+        <p:spPr>
+          <a:xfrm>
+            <a:off x="6934200" y="3583825"/>
+            <a:ext cx="5409150" cy="476019"/>
+          </a:xfrm>
+          <a:prstGeom prst="rect">
+            <a:avLst/>
+          </a:prstGeom>
+          <a:noFill/>
+          <a:ln>
+            <a:solidFill>
+              <a:srgbClr val="C00000"/>
+            </a:solidFill>
+          </a:ln>
+        </p:spPr>
+        <p:style>
+          <a:lnRef idx="2">
+            <a:schemeClr val="accent1">
+              <a:shade val="15000"/>
+            </a:schemeClr>
+          </a:lnRef>
+          <a:fillRef idx="1">
+            <a:schemeClr val="accent1"/>
+          </a:fillRef>
+          <a:effectRef idx="0">
+            <a:schemeClr val="accent1"/>
+          </a:effectRef>
+          <a:fontRef idx="minor">
+            <a:schemeClr val="lt1"/>
+          </a:fontRef>
+        </p:style>
+        <p:txBody>
+          <a:bodyPr rtlCol="0" anchor="ctr"/>
+          <a:lstStyle/>
+          <a:p>
+            <a:pPr algn="ctr"/>
+            <a:endParaRPr lang="ko-KR" altLang="en-US"/>
+          </a:p>
+        </p:txBody>
+      </p:sp>
+      <p:cxnSp>
+        <p:nvCxnSpPr>
+          <p:cNvPr id="13" name="연결선: 꺾임 12">
+            <a:extLst>
+              <a:ext uri="{FF2B5EF4-FFF2-40B4-BE49-F238E27FC236}">
+                <a16:creationId xmlns:a16="http://schemas.microsoft.com/office/drawing/2014/main" id="{0C77D363-16CC-4C80-97D5-9FC404D881B0}"/>
+              </a:ext>
+            </a:extLst>
+          </p:cNvPr>
+          <p:cNvCxnSpPr>
+            <a:cxnSpLocks/>
+            <a:stCxn id="12" idx="3"/>
+            <a:endCxn id="15" idx="1"/>
+          </p:cNvCxnSpPr>
+          <p:nvPr/>
+        </p:nvCxnSpPr>
+        <p:spPr>
+          <a:xfrm>
+            <a:off x="12343350" y="3821835"/>
+            <a:ext cx="2090078" cy="368730"/>
+          </a:xfrm>
+          <a:prstGeom prst="bentConnector3">
+            <a:avLst>
+              <a:gd name="adj1" fmla="val 50000"/>
+            </a:avLst>
+          </a:prstGeom>
+          <a:ln w="25400">
+            <a:solidFill>
+              <a:schemeClr val="tx1"/>
+            </a:solidFill>
+            <a:tailEnd type="triangle"/>
+          </a:ln>
+        </p:spPr>
+        <p:style>
+          <a:lnRef idx="1">
+            <a:schemeClr val="accent2"/>
+          </a:lnRef>
+          <a:fillRef idx="0">
+            <a:schemeClr val="accent2"/>
+          </a:fillRef>
+          <a:effectRef idx="0">
+            <a:schemeClr val="accent2"/>
+          </a:effectRef>
+          <a:fontRef idx="minor">
+            <a:schemeClr val="tx1"/>
+          </a:fontRef>
+        </p:style>
+      </p:cxnSp>
+      <p:sp>
+        <p:nvSpPr>
+          <p:cNvPr id="15" name="TextBox 14">
+            <a:extLst>
+              <a:ext uri="{FF2B5EF4-FFF2-40B4-BE49-F238E27FC236}">
+                <a16:creationId xmlns:a16="http://schemas.microsoft.com/office/drawing/2014/main" id="{34AAC3FF-45A2-4B1E-B1E6-F597397B1DAF}"/>
+              </a:ext>
+            </a:extLst>
+          </p:cNvPr>
+          <p:cNvSpPr txBox="1"/>
+          <p:nvPr/>
+        </p:nvSpPr>
+        <p:spPr>
+          <a:xfrm>
+            <a:off x="14433428" y="3759678"/>
+            <a:ext cx="3321172" cy="861774"/>
+          </a:xfrm>
+          <a:prstGeom prst="rect">
+            <a:avLst/>
+          </a:prstGeom>
+          <a:solidFill>
+            <a:schemeClr val="accent1">
+              <a:lumMod val="20000"/>
+              <a:lumOff val="80000"/>
+            </a:schemeClr>
+          </a:solidFill>
+        </p:spPr>
+        <p:txBody>
+          <a:bodyPr wrap="square" rtlCol="0">
+            <a:spAutoFit/>
+          </a:bodyPr>
+          <a:lstStyle/>
+          <a:p>
+            <a:r>
+              <a:rPr lang="en-US" altLang="ko-KR" b="1" dirty="0"/>
+              <a:t>Navigation Bar :</a:t>
+            </a:r>
+          </a:p>
+          <a:p>
+            <a:r>
+              <a:rPr lang="ko-KR" altLang="en-US" sz="1600" dirty="0"/>
+              <a:t>다른 페이지에서도 클릭 가능하게</a:t>
+            </a:r>
+            <a:endParaRPr lang="en-US" altLang="ko-KR" sz="1600" dirty="0"/>
+          </a:p>
+          <a:p>
+            <a:r>
+              <a:rPr lang="ko-KR" altLang="en-US" sz="1600" dirty="0"/>
+              <a:t>네비게이션 바 고정</a:t>
+            </a:r>
+            <a:endParaRPr lang="en-US" altLang="ko-KR" sz="1600" dirty="0"/>
+          </a:p>
+        </p:txBody>
+      </p:sp>
+      <p:sp>
+        <p:nvSpPr>
+          <p:cNvPr id="17" name="직사각형 16">
+            <a:extLst>
+              <a:ext uri="{FF2B5EF4-FFF2-40B4-BE49-F238E27FC236}">
+                <a16:creationId xmlns:a16="http://schemas.microsoft.com/office/drawing/2014/main" id="{27EDBA4D-9E53-442E-8149-CB87FE3B08E5}"/>
+              </a:ext>
+            </a:extLst>
+          </p:cNvPr>
+          <p:cNvSpPr/>
+          <p:nvPr/>
+        </p:nvSpPr>
+        <p:spPr>
+          <a:xfrm>
+            <a:off x="8458200" y="3031370"/>
+            <a:ext cx="1981200" cy="495562"/>
+          </a:xfrm>
+          <a:prstGeom prst="rect">
+            <a:avLst/>
+          </a:prstGeom>
+          <a:noFill/>
+          <a:ln>
+            <a:solidFill>
+              <a:srgbClr val="C00000"/>
+            </a:solidFill>
+          </a:ln>
+        </p:spPr>
+        <p:style>
+          <a:lnRef idx="2">
+            <a:schemeClr val="accent1">
+              <a:shade val="15000"/>
+            </a:schemeClr>
+          </a:lnRef>
+          <a:fillRef idx="1">
+            <a:schemeClr val="accent1"/>
+          </a:fillRef>
+          <a:effectRef idx="0">
+            <a:schemeClr val="accent1"/>
+          </a:effectRef>
+          <a:fontRef idx="minor">
+            <a:schemeClr val="lt1"/>
+          </a:fontRef>
+        </p:style>
+        <p:txBody>
+          <a:bodyPr rtlCol="0" anchor="ctr"/>
+          <a:lstStyle/>
+          <a:p>
+            <a:pPr algn="ctr"/>
+            <a:endParaRPr lang="ko-KR" altLang="en-US"/>
+          </a:p>
+        </p:txBody>
+      </p:sp>
+      <p:cxnSp>
+        <p:nvCxnSpPr>
+          <p:cNvPr id="18" name="연결선: 꺾임 17">
+            <a:extLst>
+              <a:ext uri="{FF2B5EF4-FFF2-40B4-BE49-F238E27FC236}">
+                <a16:creationId xmlns:a16="http://schemas.microsoft.com/office/drawing/2014/main" id="{885F0C7A-9B20-4536-BA49-4794128B3EEE}"/>
+              </a:ext>
+            </a:extLst>
+          </p:cNvPr>
+          <p:cNvCxnSpPr>
+            <a:cxnSpLocks/>
+            <a:stCxn id="17" idx="3"/>
+            <a:endCxn id="20" idx="1"/>
+          </p:cNvCxnSpPr>
+          <p:nvPr/>
+        </p:nvCxnSpPr>
+        <p:spPr>
+          <a:xfrm flipV="1">
+            <a:off x="10439400" y="3274536"/>
+            <a:ext cx="2329988" cy="4615"/>
+          </a:xfrm>
+          <a:prstGeom prst="bentConnector3">
+            <a:avLst>
+              <a:gd name="adj1" fmla="val 50000"/>
+            </a:avLst>
+          </a:prstGeom>
+          <a:ln w="25400">
+            <a:solidFill>
+              <a:schemeClr val="tx1"/>
+            </a:solidFill>
+            <a:tailEnd type="triangle"/>
+          </a:ln>
+        </p:spPr>
+        <p:style>
+          <a:lnRef idx="1">
+            <a:schemeClr val="accent2"/>
+          </a:lnRef>
+          <a:fillRef idx="0">
+            <a:schemeClr val="accent2"/>
+          </a:fillRef>
+          <a:effectRef idx="0">
+            <a:schemeClr val="accent2"/>
+          </a:effectRef>
+          <a:fontRef idx="minor">
+            <a:schemeClr val="tx1"/>
+          </a:fontRef>
+        </p:style>
+      </p:cxnSp>
+      <p:sp>
+        <p:nvSpPr>
+          <p:cNvPr id="20" name="TextBox 19">
+            <a:extLst>
+              <a:ext uri="{FF2B5EF4-FFF2-40B4-BE49-F238E27FC236}">
+                <a16:creationId xmlns:a16="http://schemas.microsoft.com/office/drawing/2014/main" id="{E5C4785C-27DC-4568-96E0-A790104E86C9}"/>
+              </a:ext>
+            </a:extLst>
+          </p:cNvPr>
+          <p:cNvSpPr txBox="1"/>
+          <p:nvPr/>
+        </p:nvSpPr>
+        <p:spPr>
+          <a:xfrm>
+            <a:off x="12769388" y="2951370"/>
+            <a:ext cx="2935419" cy="646331"/>
+          </a:xfrm>
+          <a:prstGeom prst="rect">
+            <a:avLst/>
+          </a:prstGeom>
+          <a:solidFill>
+            <a:schemeClr val="accent1">
+              <a:lumMod val="20000"/>
+              <a:lumOff val="80000"/>
+            </a:schemeClr>
+          </a:solidFill>
+        </p:spPr>
+        <p:txBody>
+          <a:bodyPr wrap="none" rtlCol="0">
+            <a:spAutoFit/>
+          </a:bodyPr>
+          <a:lstStyle/>
+          <a:p>
+            <a:r>
+              <a:rPr lang="en-US" altLang="ko-KR" b="1" dirty="0"/>
+              <a:t>Header :</a:t>
+            </a:r>
+            <a:br>
+              <a:rPr lang="en-US" altLang="ko-KR" dirty="0"/>
+            </a:br>
+            <a:r>
+              <a:rPr lang="ko-KR" altLang="en-US" dirty="0"/>
+              <a:t>로고 클릭 시 메인으로 이동</a:t>
+            </a:r>
+            <a:endParaRPr lang="ko-KR" altLang="en-US" b="1" dirty="0"/>
+          </a:p>
+        </p:txBody>
+      </p:sp>
+      <p:sp>
+        <p:nvSpPr>
+          <p:cNvPr id="24" name="직사각형 23">
+            <a:extLst>
+              <a:ext uri="{FF2B5EF4-FFF2-40B4-BE49-F238E27FC236}">
+                <a16:creationId xmlns:a16="http://schemas.microsoft.com/office/drawing/2014/main" id="{992C618E-3491-4993-B853-A9A422909B01}"/>
+              </a:ext>
+            </a:extLst>
+          </p:cNvPr>
+          <p:cNvSpPr/>
+          <p:nvPr/>
+        </p:nvSpPr>
+        <p:spPr>
+          <a:xfrm>
+            <a:off x="4354734" y="4292590"/>
+            <a:ext cx="10078693" cy="3841071"/>
+          </a:xfrm>
+          <a:prstGeom prst="rect">
+            <a:avLst/>
+          </a:prstGeom>
+          <a:noFill/>
+          <a:ln>
+            <a:solidFill>
+              <a:srgbClr val="C00000"/>
+            </a:solidFill>
+          </a:ln>
+        </p:spPr>
+        <p:style>
+          <a:lnRef idx="2">
+            <a:schemeClr val="accent1">
+              <a:shade val="15000"/>
+            </a:schemeClr>
+          </a:lnRef>
+          <a:fillRef idx="1">
+            <a:schemeClr val="accent1"/>
+          </a:fillRef>
+          <a:effectRef idx="0">
+            <a:schemeClr val="accent1"/>
+          </a:effectRef>
+          <a:fontRef idx="minor">
+            <a:schemeClr val="lt1"/>
+          </a:fontRef>
+        </p:style>
+        <p:txBody>
+          <a:bodyPr rtlCol="0" anchor="ctr"/>
+          <a:lstStyle/>
+          <a:p>
+            <a:pPr algn="ctr"/>
+            <a:endParaRPr lang="ko-KR" altLang="en-US"/>
+          </a:p>
+        </p:txBody>
+      </p:sp>
+      <p:cxnSp>
+        <p:nvCxnSpPr>
+          <p:cNvPr id="28" name="연결선: 꺾임 27">
+            <a:extLst>
+              <a:ext uri="{FF2B5EF4-FFF2-40B4-BE49-F238E27FC236}">
+                <a16:creationId xmlns:a16="http://schemas.microsoft.com/office/drawing/2014/main" id="{588DFCBD-0482-4B4C-A25B-F6A67021BA9A}"/>
+              </a:ext>
+            </a:extLst>
+          </p:cNvPr>
+          <p:cNvCxnSpPr>
+            <a:cxnSpLocks/>
+            <a:stCxn id="24" idx="1"/>
+            <a:endCxn id="40" idx="3"/>
+          </p:cNvCxnSpPr>
+          <p:nvPr/>
+        </p:nvCxnSpPr>
+        <p:spPr>
+          <a:xfrm rot="10800000" flipV="1">
+            <a:off x="3124200" y="6213125"/>
+            <a:ext cx="1230534" cy="629905"/>
+          </a:xfrm>
+          <a:prstGeom prst="bentConnector3">
+            <a:avLst>
+              <a:gd name="adj1" fmla="val 50000"/>
+            </a:avLst>
+          </a:prstGeom>
+          <a:ln w="25400">
+            <a:solidFill>
+              <a:schemeClr val="tx1"/>
+            </a:solidFill>
+            <a:tailEnd type="triangle"/>
+          </a:ln>
+        </p:spPr>
+        <p:style>
+          <a:lnRef idx="1">
+            <a:schemeClr val="accent2"/>
+          </a:lnRef>
+          <a:fillRef idx="0">
+            <a:schemeClr val="accent2"/>
+          </a:fillRef>
+          <a:effectRef idx="0">
+            <a:schemeClr val="accent2"/>
+          </a:effectRef>
+          <a:fontRef idx="minor">
+            <a:schemeClr val="tx1"/>
+          </a:fontRef>
+        </p:style>
+      </p:cxnSp>
+      <p:sp>
+        <p:nvSpPr>
+          <p:cNvPr id="40" name="TextBox 39">
+            <a:extLst>
+              <a:ext uri="{FF2B5EF4-FFF2-40B4-BE49-F238E27FC236}">
+                <a16:creationId xmlns:a16="http://schemas.microsoft.com/office/drawing/2014/main" id="{5D220A0C-8230-4823-B9EA-CF1BD1BD50BB}"/>
+              </a:ext>
+            </a:extLst>
+          </p:cNvPr>
+          <p:cNvSpPr txBox="1"/>
+          <p:nvPr/>
+        </p:nvSpPr>
+        <p:spPr>
+          <a:xfrm>
+            <a:off x="980883" y="6519865"/>
+            <a:ext cx="2143317" cy="646331"/>
+          </a:xfrm>
+          <a:prstGeom prst="rect">
+            <a:avLst/>
+          </a:prstGeom>
+          <a:solidFill>
+            <a:schemeClr val="accent1">
+              <a:lumMod val="20000"/>
+              <a:lumOff val="80000"/>
+            </a:schemeClr>
+          </a:solidFill>
+        </p:spPr>
+        <p:txBody>
+          <a:bodyPr wrap="square" rtlCol="0">
+            <a:spAutoFit/>
+          </a:bodyPr>
+          <a:lstStyle/>
+          <a:p>
+            <a:r>
+              <a:rPr lang="ko-KR" altLang="en-US" dirty="0"/>
+              <a:t>이미지 클릭 시 </a:t>
+            </a:r>
+            <a:endParaRPr lang="en-US" altLang="ko-KR" dirty="0"/>
+          </a:p>
+          <a:p>
+            <a:r>
+              <a:rPr lang="ko-KR" altLang="en-US" dirty="0"/>
+              <a:t>해당 페이지로 이동</a:t>
+            </a:r>
+          </a:p>
+        </p:txBody>
+      </p:sp>
+      <p:sp>
+        <p:nvSpPr>
+          <p:cNvPr id="55" name="TextBox 54">
+            <a:extLst>
+              <a:ext uri="{FF2B5EF4-FFF2-40B4-BE49-F238E27FC236}">
+                <a16:creationId xmlns:a16="http://schemas.microsoft.com/office/drawing/2014/main" id="{455D9829-B235-477D-A0EE-9C20747ACBBD}"/>
+              </a:ext>
+            </a:extLst>
+          </p:cNvPr>
+          <p:cNvSpPr txBox="1"/>
+          <p:nvPr/>
+        </p:nvSpPr>
+        <p:spPr>
+          <a:xfrm>
+            <a:off x="14433427" y="4610100"/>
+            <a:ext cx="3321173" cy="584775"/>
+          </a:xfrm>
+          <a:prstGeom prst="rect">
+            <a:avLst/>
+          </a:prstGeom>
+          <a:solidFill>
+            <a:schemeClr val="accent1">
+              <a:lumMod val="20000"/>
+              <a:lumOff val="80000"/>
+            </a:schemeClr>
+          </a:solidFill>
+        </p:spPr>
+        <p:txBody>
+          <a:bodyPr wrap="square" rtlCol="0">
+            <a:spAutoFit/>
+          </a:bodyPr>
+          <a:lstStyle/>
+          <a:p>
+            <a:r>
+              <a:rPr lang="ko-KR" altLang="en-US" sz="1600" b="1" dirty="0"/>
+              <a:t>회원가입</a:t>
+            </a:r>
+            <a:r>
+              <a:rPr lang="ko-KR" altLang="en-US" sz="1600" dirty="0"/>
+              <a:t> </a:t>
+            </a:r>
+            <a:r>
+              <a:rPr lang="en-US" altLang="ko-KR" sz="1600" dirty="0"/>
+              <a:t>: </a:t>
+            </a:r>
+            <a:r>
+              <a:rPr lang="ko-KR" altLang="en-US" sz="1600" dirty="0"/>
+              <a:t>회원가입 페이지로 이동</a:t>
+            </a:r>
+            <a:endParaRPr lang="en-US" altLang="ko-KR" sz="1600" dirty="0"/>
+          </a:p>
+          <a:p>
+            <a:r>
+              <a:rPr lang="ko-KR" altLang="en-US" sz="1600" b="1" dirty="0"/>
+              <a:t>로그인</a:t>
+            </a:r>
+            <a:r>
+              <a:rPr lang="ko-KR" altLang="en-US" sz="1600" dirty="0"/>
+              <a:t> </a:t>
+            </a:r>
+            <a:r>
+              <a:rPr lang="en-US" altLang="ko-KR" sz="1600" dirty="0"/>
+              <a:t>: </a:t>
+            </a:r>
+            <a:r>
+              <a:rPr lang="ko-KR" altLang="en-US" sz="1600" dirty="0"/>
+              <a:t>로그인 페이지로 이동</a:t>
+            </a:r>
+          </a:p>
+        </p:txBody>
+      </p:sp>
+      <p:sp>
+        <p:nvSpPr>
+          <p:cNvPr id="56" name="직사각형 55">
+            <a:extLst>
+              <a:ext uri="{FF2B5EF4-FFF2-40B4-BE49-F238E27FC236}">
+                <a16:creationId xmlns:a16="http://schemas.microsoft.com/office/drawing/2014/main" id="{B35CB824-7871-4813-9E45-6A60D21DB5EA}"/>
+              </a:ext>
+            </a:extLst>
+          </p:cNvPr>
+          <p:cNvSpPr/>
+          <p:nvPr/>
+        </p:nvSpPr>
+        <p:spPr>
+          <a:xfrm>
+            <a:off x="3924300" y="9105900"/>
+            <a:ext cx="11315700" cy="584775"/>
+          </a:xfrm>
+          <a:prstGeom prst="rect">
+            <a:avLst/>
+          </a:prstGeom>
+          <a:noFill/>
+          <a:ln>
+            <a:solidFill>
+              <a:srgbClr val="C00000"/>
+            </a:solidFill>
+          </a:ln>
+        </p:spPr>
+        <p:style>
+          <a:lnRef idx="2">
+            <a:schemeClr val="accent1">
+              <a:shade val="15000"/>
+            </a:schemeClr>
+          </a:lnRef>
+          <a:fillRef idx="1">
+            <a:schemeClr val="accent1"/>
+          </a:fillRef>
+          <a:effectRef idx="0">
+            <a:schemeClr val="accent1"/>
+          </a:effectRef>
+          <a:fontRef idx="minor">
+            <a:schemeClr val="lt1"/>
+          </a:fontRef>
+        </p:style>
+        <p:txBody>
+          <a:bodyPr rtlCol="0" anchor="ctr"/>
+          <a:lstStyle/>
+          <a:p>
+            <a:pPr algn="ctr"/>
+            <a:endParaRPr lang="ko-KR" altLang="en-US"/>
+          </a:p>
+        </p:txBody>
+      </p:sp>
+      <p:cxnSp>
+        <p:nvCxnSpPr>
+          <p:cNvPr id="71" name="연결선: 꺾임 70">
+            <a:extLst>
+              <a:ext uri="{FF2B5EF4-FFF2-40B4-BE49-F238E27FC236}">
+                <a16:creationId xmlns:a16="http://schemas.microsoft.com/office/drawing/2014/main" id="{D9291932-EDDA-41D0-A04A-5A828C68A429}"/>
+              </a:ext>
+            </a:extLst>
+          </p:cNvPr>
+          <p:cNvCxnSpPr>
+            <a:cxnSpLocks/>
+          </p:cNvCxnSpPr>
+          <p:nvPr/>
+        </p:nvCxnSpPr>
+        <p:spPr>
+          <a:xfrm rot="10800000" flipV="1">
+            <a:off x="2667000" y="9161795"/>
+            <a:ext cx="1244600" cy="311016"/>
+          </a:xfrm>
+          <a:prstGeom prst="bentConnector3">
+            <a:avLst>
+              <a:gd name="adj1" fmla="val 50000"/>
+            </a:avLst>
+          </a:prstGeom>
+          <a:ln w="25400">
+            <a:solidFill>
+              <a:schemeClr val="tx1"/>
+            </a:solidFill>
+            <a:tailEnd type="triangle"/>
+          </a:ln>
+        </p:spPr>
+        <p:style>
+          <a:lnRef idx="1">
+            <a:schemeClr val="accent2"/>
+          </a:lnRef>
+          <a:fillRef idx="0">
+            <a:schemeClr val="accent2"/>
+          </a:fillRef>
+          <a:effectRef idx="0">
+            <a:schemeClr val="accent2"/>
+          </a:effectRef>
+          <a:fontRef idx="minor">
+            <a:schemeClr val="tx1"/>
+          </a:fontRef>
+        </p:style>
+      </p:cxnSp>
+      <p:sp>
+        <p:nvSpPr>
+          <p:cNvPr id="73" name="TextBox 72">
+            <a:extLst>
+              <a:ext uri="{FF2B5EF4-FFF2-40B4-BE49-F238E27FC236}">
+                <a16:creationId xmlns:a16="http://schemas.microsoft.com/office/drawing/2014/main" id="{26137342-F3E1-49E2-BFD7-05CABB7D6C32}"/>
+              </a:ext>
+            </a:extLst>
+          </p:cNvPr>
+          <p:cNvSpPr txBox="1"/>
+          <p:nvPr/>
+        </p:nvSpPr>
+        <p:spPr>
+          <a:xfrm>
+            <a:off x="1090679" y="9288145"/>
+            <a:ext cx="1472390" cy="369332"/>
+          </a:xfrm>
+          <a:prstGeom prst="rect">
+            <a:avLst/>
+          </a:prstGeom>
+          <a:solidFill>
+            <a:schemeClr val="accent1">
+              <a:lumMod val="20000"/>
+              <a:lumOff val="80000"/>
+            </a:schemeClr>
+          </a:solidFill>
+        </p:spPr>
+        <p:txBody>
+          <a:bodyPr wrap="square" rtlCol="0">
+            <a:spAutoFit/>
+          </a:bodyPr>
+          <a:lstStyle/>
+          <a:p>
+            <a:r>
+              <a:rPr lang="en-US" altLang="ko-KR" dirty="0"/>
+              <a:t>FOOTER </a:t>
+            </a:r>
+            <a:r>
+              <a:rPr lang="ko-KR" altLang="en-US" dirty="0"/>
+              <a:t>고정</a:t>
+            </a:r>
+          </a:p>
+        </p:txBody>
+      </p:sp>
+    </p:spTree>
+    <p:extLst>
+      <p:ext uri="{BB962C8B-B14F-4D97-AF65-F5344CB8AC3E}">
+        <p14:creationId xmlns:p14="http://schemas.microsoft.com/office/powerpoint/2010/main" val="4225407218"/>
+      </p:ext>
+    </p:extLst>
+  </p:cSld>
+  <p:clrMapOvr>
+    <a:masterClrMapping/>
+  </p:clrMapOvr>
+</p:sld>
+</file>
+
+<file path=ppt/slides/slide29.xml><?xml version="1.0" encoding="utf-8"?>
+<p:sld xmlns:a="http://schemas.openxmlformats.org/drawingml/2006/main" xmlns:r="http://schemas.openxmlformats.org/officeDocument/2006/relationships" xmlns:p="http://schemas.openxmlformats.org/presentationml/2006/main">
+  <p:cSld>
+    <p:spTree>
+      <p:nvGrpSpPr>
+        <p:cNvPr id="1" name="">
+          <a:extLst>
+            <a:ext uri="{FF2B5EF4-FFF2-40B4-BE49-F238E27FC236}">
+              <a16:creationId xmlns:a16="http://schemas.microsoft.com/office/drawing/2014/main" id="{C115BEC7-E174-E6D0-9EAD-6ECB4D361BEE}"/>
+            </a:ext>
+          </a:extLst>
+        </p:cNvPr>
+        <p:cNvGrpSpPr/>
+        <p:nvPr/>
+      </p:nvGrpSpPr>
+      <p:grpSpPr>
+        <a:xfrm>
+          <a:off x="0" y="0"/>
+          <a:ext cx="0" cy="0"/>
+          <a:chOff x="0" y="0"/>
+          <a:chExt cx="0" cy="0"/>
+        </a:xfrm>
+      </p:grpSpPr>
+      <p:pic>
+        <p:nvPicPr>
+          <p:cNvPr id="2" name="Picture 2">
+            <a:extLst>
+              <a:ext uri="{FF2B5EF4-FFF2-40B4-BE49-F238E27FC236}">
+                <a16:creationId xmlns:a16="http://schemas.microsoft.com/office/drawing/2014/main" id="{567CE76B-5546-E4DC-7F01-7FA8DF40D59C}"/>
+              </a:ext>
+            </a:extLst>
+          </p:cNvPr>
+          <p:cNvPicPr>
+            <a:picLocks noChangeAspect="1"/>
+          </p:cNvPicPr>
+          <p:nvPr/>
+        </p:nvPicPr>
+        <p:blipFill>
+          <a:blip r:embed="rId2"/>
+          <a:stretch>
+            <a:fillRect/>
+          </a:stretch>
+        </p:blipFill>
+        <p:spPr>
+          <a:xfrm>
+            <a:off x="533400" y="482600"/>
+            <a:ext cx="17208500" cy="9309100"/>
+          </a:xfrm>
+          <a:prstGeom prst="rect">
+            <a:avLst/>
+          </a:prstGeom>
+          <a:effectLst>
+            <a:outerShdw blurRad="323758" dist="143241" dir="7080000">
+              <a:srgbClr val="393939">
+                <a:alpha val="30000"/>
+              </a:srgbClr>
+            </a:outerShdw>
+          </a:effectLst>
+        </p:spPr>
+      </p:pic>
+      <p:sp>
+        <p:nvSpPr>
+          <p:cNvPr id="3" name="TextBox 8">
+            <a:extLst>
+              <a:ext uri="{FF2B5EF4-FFF2-40B4-BE49-F238E27FC236}">
+                <a16:creationId xmlns:a16="http://schemas.microsoft.com/office/drawing/2014/main" id="{CC6E3554-919D-2CEB-98B7-6E4F6EB98A19}"/>
+              </a:ext>
+            </a:extLst>
+          </p:cNvPr>
+          <p:cNvSpPr txBox="1"/>
+          <p:nvPr/>
+        </p:nvSpPr>
+        <p:spPr>
+          <a:xfrm>
+            <a:off x="1676400" y="800100"/>
+            <a:ext cx="13716000" cy="508000"/>
+          </a:xfrm>
+          <a:prstGeom prst="rect">
+            <a:avLst/>
+          </a:prstGeom>
+        </p:spPr>
+        <p:txBody>
+          <a:bodyPr lIns="0" tIns="0" rIns="0" bIns="0" rtlCol="0" anchor="ctr"/>
+          <a:lstStyle/>
+          <a:p>
+            <a:pPr lvl="0">
+              <a:lnSpc>
+                <a:spcPct val="92960"/>
+              </a:lnSpc>
+            </a:pPr>
+            <a:r>
+              <a:rPr lang="en-US" sz="2400" dirty="0">
+                <a:solidFill>
+                  <a:srgbClr val="393939"/>
+                </a:solidFill>
+                <a:latin typeface="Pretendard Bold"/>
+              </a:rPr>
+              <a:t>www.FitAI-Pro.com/WEB/body_type</a:t>
+            </a:r>
+            <a:endParaRPr lang="en-US" sz="2400" b="0" i="0" u="none" strike="noStrike" dirty="0">
+              <a:solidFill>
+                <a:srgbClr val="393939"/>
+              </a:solidFill>
+              <a:latin typeface="Pretendard Bold"/>
+            </a:endParaRPr>
+          </a:p>
+        </p:txBody>
+      </p:sp>
+      <p:sp>
+        <p:nvSpPr>
+          <p:cNvPr id="4" name="TextBox 3">
+            <a:extLst>
+              <a:ext uri="{FF2B5EF4-FFF2-40B4-BE49-F238E27FC236}">
+                <a16:creationId xmlns:a16="http://schemas.microsoft.com/office/drawing/2014/main" id="{5FE94F8F-9BDC-2E94-6105-AB26373E2166}"/>
+              </a:ext>
+            </a:extLst>
+          </p:cNvPr>
+          <p:cNvSpPr txBox="1"/>
+          <p:nvPr/>
+        </p:nvSpPr>
+        <p:spPr>
+          <a:xfrm>
+            <a:off x="3289300" y="2172641"/>
+            <a:ext cx="11709400" cy="812800"/>
+          </a:xfrm>
+          <a:prstGeom prst="rect">
+            <a:avLst/>
+          </a:prstGeom>
+        </p:spPr>
+        <p:txBody>
+          <a:bodyPr lIns="0" tIns="0" rIns="0" bIns="0" rtlCol="0" anchor="ctr"/>
+          <a:lstStyle/>
+          <a:p>
+            <a:pPr lvl="0" algn="ctr">
+              <a:lnSpc>
+                <a:spcPct val="86320"/>
+              </a:lnSpc>
+            </a:pPr>
+            <a:r>
+              <a:rPr lang="en-US" altLang="ko-KR" sz="4800" spc="-100" dirty="0">
+                <a:solidFill>
+                  <a:srgbClr val="393939"/>
+                </a:solidFill>
+                <a:ea typeface="Pretendard Bold"/>
+              </a:rPr>
+              <a:t>Django</a:t>
+            </a:r>
+            <a:r>
+              <a:rPr lang="ko-KR" altLang="en-US" sz="4800" spc="-100" dirty="0">
+                <a:solidFill>
+                  <a:srgbClr val="393939"/>
+                </a:solidFill>
+                <a:ea typeface="Pretendard Bold"/>
+              </a:rPr>
+              <a:t>를 이용한 </a:t>
+            </a:r>
+            <a:r>
+              <a:rPr lang="en-US" altLang="ko-KR" sz="4800" spc="-100" dirty="0">
+                <a:solidFill>
+                  <a:srgbClr val="393939"/>
+                </a:solidFill>
+                <a:ea typeface="Pretendard Bold"/>
+              </a:rPr>
+              <a:t>WEB</a:t>
+            </a:r>
+            <a:r>
+              <a:rPr lang="ko-KR" altLang="en-US" sz="4800" spc="-100" dirty="0">
+                <a:solidFill>
+                  <a:srgbClr val="393939"/>
+                </a:solidFill>
+                <a:ea typeface="Pretendard Bold"/>
+              </a:rPr>
+              <a:t>구현</a:t>
+            </a:r>
+            <a:endParaRPr lang="ko-KR" sz="4800" b="0" i="0" u="none" strike="noStrike" spc="-100" dirty="0">
+              <a:solidFill>
+                <a:srgbClr val="393939"/>
+              </a:solidFill>
+              <a:ea typeface="Pretendard Bold"/>
+            </a:endParaRPr>
+          </a:p>
+        </p:txBody>
+      </p:sp>
+      <p:pic>
+        <p:nvPicPr>
+          <p:cNvPr id="6" name="Picture 38">
+            <a:extLst>
+              <a:ext uri="{FF2B5EF4-FFF2-40B4-BE49-F238E27FC236}">
+                <a16:creationId xmlns:a16="http://schemas.microsoft.com/office/drawing/2014/main" id="{0E244ED1-B06D-E5C0-0FCD-1E160CF55611}"/>
+              </a:ext>
+            </a:extLst>
+          </p:cNvPr>
+          <p:cNvPicPr>
+            <a:picLocks noChangeAspect="1"/>
+          </p:cNvPicPr>
+          <p:nvPr/>
+        </p:nvPicPr>
+        <p:blipFill>
+          <a:blip r:embed="rId3"/>
+          <a:stretch>
+            <a:fillRect/>
+          </a:stretch>
+        </p:blipFill>
+        <p:spPr>
+          <a:xfrm>
+            <a:off x="8496300" y="1574800"/>
+            <a:ext cx="1308100" cy="520700"/>
+          </a:xfrm>
+          <a:prstGeom prst="rect">
+            <a:avLst/>
+          </a:prstGeom>
+        </p:spPr>
+      </p:pic>
+      <p:sp>
+        <p:nvSpPr>
+          <p:cNvPr id="7" name="TextBox 39">
+            <a:extLst>
+              <a:ext uri="{FF2B5EF4-FFF2-40B4-BE49-F238E27FC236}">
+                <a16:creationId xmlns:a16="http://schemas.microsoft.com/office/drawing/2014/main" id="{B594AF48-80D7-1501-42F1-3AAA110066F7}"/>
+              </a:ext>
+            </a:extLst>
+          </p:cNvPr>
+          <p:cNvSpPr txBox="1"/>
+          <p:nvPr/>
+        </p:nvSpPr>
+        <p:spPr>
+          <a:xfrm>
+            <a:off x="8356600" y="1651000"/>
+            <a:ext cx="1574800" cy="355600"/>
+          </a:xfrm>
+          <a:prstGeom prst="rect">
+            <a:avLst/>
+          </a:prstGeom>
+        </p:spPr>
+        <p:txBody>
+          <a:bodyPr lIns="0" tIns="0" rIns="0" bIns="0" rtlCol="0" anchor="ctr"/>
+          <a:lstStyle/>
+          <a:p>
+            <a:pPr lvl="0" algn="ctr">
+              <a:lnSpc>
+                <a:spcPct val="92960"/>
+              </a:lnSpc>
+            </a:pPr>
+            <a:r>
+              <a:rPr lang="en-US" sz="2000" b="0" i="0" u="none" strike="noStrike" dirty="0">
+                <a:solidFill>
+                  <a:srgbClr val="393939"/>
+                </a:solidFill>
+                <a:latin typeface="Pretendard Bold"/>
+              </a:rPr>
+              <a:t>Part.04</a:t>
+            </a:r>
+          </a:p>
+        </p:txBody>
+      </p:sp>
+      <p:pic>
+        <p:nvPicPr>
+          <p:cNvPr id="8" name="Picture 26">
+            <a:extLst>
+              <a:ext uri="{FF2B5EF4-FFF2-40B4-BE49-F238E27FC236}">
+                <a16:creationId xmlns:a16="http://schemas.microsoft.com/office/drawing/2014/main" id="{F6A98239-0810-E391-C877-374A1316008A}"/>
+              </a:ext>
+            </a:extLst>
+          </p:cNvPr>
+          <p:cNvPicPr>
+            <a:picLocks noChangeAspect="1"/>
+          </p:cNvPicPr>
+          <p:nvPr/>
+        </p:nvPicPr>
+        <p:blipFill>
+          <a:blip r:embed="rId4"/>
+          <a:stretch>
+            <a:fillRect/>
+          </a:stretch>
+        </p:blipFill>
+        <p:spPr>
+          <a:xfrm>
+            <a:off x="4711700" y="2933700"/>
+            <a:ext cx="8864600" cy="12700"/>
+          </a:xfrm>
+          <a:prstGeom prst="rect">
+            <a:avLst/>
+          </a:prstGeom>
+        </p:spPr>
+      </p:pic>
+      <p:sp>
+        <p:nvSpPr>
+          <p:cNvPr id="9" name="TextBox 12">
+            <a:extLst>
+              <a:ext uri="{FF2B5EF4-FFF2-40B4-BE49-F238E27FC236}">
+                <a16:creationId xmlns:a16="http://schemas.microsoft.com/office/drawing/2014/main" id="{7372E79D-D99C-BB03-8E10-7FBAD4890FA5}"/>
+              </a:ext>
+            </a:extLst>
+          </p:cNvPr>
+          <p:cNvSpPr txBox="1"/>
+          <p:nvPr/>
+        </p:nvSpPr>
+        <p:spPr>
+          <a:xfrm>
+            <a:off x="533400" y="1787525"/>
+            <a:ext cx="5715000" cy="3403600"/>
+          </a:xfrm>
+          <a:prstGeom prst="rect">
+            <a:avLst/>
+          </a:prstGeom>
+        </p:spPr>
+        <p:txBody>
+          <a:bodyPr lIns="0" tIns="0" rIns="0" bIns="0" rtlCol="0" anchor="ctr"/>
+          <a:lstStyle/>
+          <a:p>
+            <a:pPr lvl="0" algn="l">
+              <a:lnSpc>
+                <a:spcPct val="108729"/>
+              </a:lnSpc>
+            </a:pPr>
+            <a:endParaRPr lang="en-US" altLang="ko-KR" sz="2100" dirty="0">
+              <a:solidFill>
+                <a:srgbClr val="393939"/>
+              </a:solidFill>
+              <a:latin typeface="Pretendard Light"/>
+            </a:endParaRPr>
+          </a:p>
+        </p:txBody>
+      </p:sp>
+      <p:sp>
+        <p:nvSpPr>
+          <p:cNvPr id="73" name="TextBox 72">
+            <a:extLst>
+              <a:ext uri="{FF2B5EF4-FFF2-40B4-BE49-F238E27FC236}">
+                <a16:creationId xmlns:a16="http://schemas.microsoft.com/office/drawing/2014/main" id="{26137342-F3E1-49E2-BFD7-05CABB7D6C32}"/>
+              </a:ext>
+            </a:extLst>
+          </p:cNvPr>
+          <p:cNvSpPr txBox="1"/>
+          <p:nvPr/>
+        </p:nvSpPr>
+        <p:spPr>
+          <a:xfrm>
+            <a:off x="2400300" y="8266668"/>
+            <a:ext cx="1981200" cy="369332"/>
+          </a:xfrm>
+          <a:prstGeom prst="rect">
+            <a:avLst/>
+          </a:prstGeom>
+          <a:solidFill>
+            <a:schemeClr val="accent1">
+              <a:lumMod val="20000"/>
+              <a:lumOff val="80000"/>
+            </a:schemeClr>
+          </a:solidFill>
+        </p:spPr>
+        <p:txBody>
+          <a:bodyPr wrap="square" rtlCol="0">
+            <a:spAutoFit/>
+          </a:bodyPr>
+          <a:lstStyle/>
+          <a:p>
+            <a:r>
+              <a:rPr lang="ko-KR" altLang="en-US"/>
+              <a:t>회원가입 페이지</a:t>
+            </a:r>
+            <a:endParaRPr lang="ko-KR" altLang="en-US" dirty="0"/>
+          </a:p>
+        </p:txBody>
+      </p:sp>
+      <p:sp>
+        <p:nvSpPr>
+          <p:cNvPr id="32" name="TextBox 31">
+            <a:extLst>
+              <a:ext uri="{FF2B5EF4-FFF2-40B4-BE49-F238E27FC236}">
+                <a16:creationId xmlns:a16="http://schemas.microsoft.com/office/drawing/2014/main" id="{61E95C9F-8C75-48A3-BAA5-7F1543885B95}"/>
+              </a:ext>
+            </a:extLst>
+          </p:cNvPr>
+          <p:cNvSpPr txBox="1"/>
+          <p:nvPr/>
+        </p:nvSpPr>
+        <p:spPr>
+          <a:xfrm>
+            <a:off x="8312150" y="8266668"/>
+            <a:ext cx="1676400" cy="369332"/>
+          </a:xfrm>
+          <a:prstGeom prst="rect">
+            <a:avLst/>
+          </a:prstGeom>
+          <a:solidFill>
+            <a:schemeClr val="accent1">
+              <a:lumMod val="20000"/>
+              <a:lumOff val="80000"/>
+            </a:schemeClr>
+          </a:solidFill>
+        </p:spPr>
+        <p:txBody>
+          <a:bodyPr wrap="square" rtlCol="0">
+            <a:spAutoFit/>
+          </a:bodyPr>
+          <a:lstStyle/>
+          <a:p>
+            <a:r>
+              <a:rPr lang="ko-KR" altLang="en-US" dirty="0"/>
+              <a:t>로그인 페이지</a:t>
+            </a:r>
+          </a:p>
+        </p:txBody>
+      </p:sp>
+      <p:sp>
+        <p:nvSpPr>
+          <p:cNvPr id="34" name="TextBox 33">
+            <a:extLst>
+              <a:ext uri="{FF2B5EF4-FFF2-40B4-BE49-F238E27FC236}">
+                <a16:creationId xmlns:a16="http://schemas.microsoft.com/office/drawing/2014/main" id="{E52C5843-B501-4BE1-8152-8A9CF553B4A9}"/>
+              </a:ext>
+            </a:extLst>
+          </p:cNvPr>
+          <p:cNvSpPr txBox="1"/>
+          <p:nvPr/>
+        </p:nvSpPr>
+        <p:spPr>
+          <a:xfrm>
+            <a:off x="13833574" y="8293754"/>
+            <a:ext cx="1676400" cy="369332"/>
+          </a:xfrm>
+          <a:prstGeom prst="rect">
+            <a:avLst/>
+          </a:prstGeom>
+          <a:solidFill>
+            <a:schemeClr val="accent1">
+              <a:lumMod val="20000"/>
+              <a:lumOff val="80000"/>
+            </a:schemeClr>
+          </a:solidFill>
+        </p:spPr>
+        <p:txBody>
+          <a:bodyPr wrap="square" rtlCol="0">
+            <a:spAutoFit/>
+          </a:bodyPr>
+          <a:lstStyle/>
+          <a:p>
+            <a:r>
+              <a:rPr lang="ko-KR" altLang="en-US" dirty="0"/>
+              <a:t>프로필 페이지</a:t>
+            </a:r>
+          </a:p>
+        </p:txBody>
+      </p:sp>
+      <p:pic>
+        <p:nvPicPr>
+          <p:cNvPr id="25" name="그림 24">
+            <a:extLst>
+              <a:ext uri="{FF2B5EF4-FFF2-40B4-BE49-F238E27FC236}">
+                <a16:creationId xmlns:a16="http://schemas.microsoft.com/office/drawing/2014/main" id="{978BC21D-1F4F-4AA6-83F3-D8FEE3194360}"/>
+              </a:ext>
+            </a:extLst>
+          </p:cNvPr>
+          <p:cNvPicPr>
+            <a:picLocks noChangeAspect="1"/>
+          </p:cNvPicPr>
+          <p:nvPr/>
+        </p:nvPicPr>
+        <p:blipFill>
+          <a:blip r:embed="rId5"/>
+          <a:stretch>
+            <a:fillRect/>
+          </a:stretch>
+        </p:blipFill>
+        <p:spPr>
+          <a:xfrm>
+            <a:off x="990600" y="3265487"/>
+            <a:ext cx="4876800" cy="4697506"/>
+          </a:xfrm>
+          <a:prstGeom prst="rect">
+            <a:avLst/>
+          </a:prstGeom>
+          <a:ln>
+            <a:solidFill>
+              <a:schemeClr val="tx1"/>
+            </a:solidFill>
+          </a:ln>
+        </p:spPr>
+      </p:pic>
+      <p:pic>
+        <p:nvPicPr>
+          <p:cNvPr id="27" name="그림 26">
+            <a:extLst>
+              <a:ext uri="{FF2B5EF4-FFF2-40B4-BE49-F238E27FC236}">
+                <a16:creationId xmlns:a16="http://schemas.microsoft.com/office/drawing/2014/main" id="{615E99C4-AF4B-49C9-AB52-AF75CF719130}"/>
+              </a:ext>
+            </a:extLst>
+          </p:cNvPr>
+          <p:cNvPicPr>
+            <a:picLocks noChangeAspect="1"/>
+          </p:cNvPicPr>
+          <p:nvPr/>
+        </p:nvPicPr>
+        <p:blipFill>
+          <a:blip r:embed="rId6"/>
+          <a:stretch>
+            <a:fillRect/>
+          </a:stretch>
+        </p:blipFill>
+        <p:spPr>
+          <a:xfrm>
+            <a:off x="6364533" y="3627452"/>
+            <a:ext cx="5731075" cy="3656478"/>
+          </a:xfrm>
+          <a:prstGeom prst="rect">
+            <a:avLst/>
+          </a:prstGeom>
+          <a:ln>
+            <a:solidFill>
+              <a:schemeClr val="tx1"/>
+            </a:solidFill>
+          </a:ln>
+        </p:spPr>
+      </p:pic>
+      <p:pic>
+        <p:nvPicPr>
+          <p:cNvPr id="36" name="그림 35">
+            <a:extLst>
+              <a:ext uri="{FF2B5EF4-FFF2-40B4-BE49-F238E27FC236}">
+                <a16:creationId xmlns:a16="http://schemas.microsoft.com/office/drawing/2014/main" id="{C060F8BF-C0C3-4228-A4DA-8CAA8E16E286}"/>
+              </a:ext>
+            </a:extLst>
+          </p:cNvPr>
+          <p:cNvPicPr>
+            <a:picLocks noChangeAspect="1"/>
+          </p:cNvPicPr>
+          <p:nvPr/>
+        </p:nvPicPr>
+        <p:blipFill>
+          <a:blip r:embed="rId7"/>
+          <a:stretch>
+            <a:fillRect/>
+          </a:stretch>
+        </p:blipFill>
+        <p:spPr>
+          <a:xfrm>
+            <a:off x="12555982" y="3093594"/>
+            <a:ext cx="4231585" cy="5092007"/>
+          </a:xfrm>
+          <a:prstGeom prst="rect">
+            <a:avLst/>
+          </a:prstGeom>
+          <a:ln>
+            <a:solidFill>
+              <a:schemeClr val="tx1"/>
+            </a:solidFill>
+          </a:ln>
+        </p:spPr>
+      </p:pic>
+    </p:spTree>
+    <p:extLst>
+      <p:ext uri="{BB962C8B-B14F-4D97-AF65-F5344CB8AC3E}">
+        <p14:creationId xmlns:p14="http://schemas.microsoft.com/office/powerpoint/2010/main" val="3558910889"/>
       </p:ext>
     </p:extLst>
   </p:cSld>
@@ -14216,6 +19437,493 @@
         </p:txBody>
       </p:sp>
     </p:spTree>
+  </p:cSld>
+  <p:clrMapOvr>
+    <a:masterClrMapping/>
+  </p:clrMapOvr>
+</p:sld>
+</file>
+
+<file path=ppt/slides/slide30.xml><?xml version="1.0" encoding="utf-8"?>
+<p:sld xmlns:a="http://schemas.openxmlformats.org/drawingml/2006/main" xmlns:r="http://schemas.openxmlformats.org/officeDocument/2006/relationships" xmlns:p="http://schemas.openxmlformats.org/presentationml/2006/main">
+  <p:cSld>
+    <p:spTree>
+      <p:nvGrpSpPr>
+        <p:cNvPr id="1" name="">
+          <a:extLst>
+            <a:ext uri="{FF2B5EF4-FFF2-40B4-BE49-F238E27FC236}">
+              <a16:creationId xmlns:a16="http://schemas.microsoft.com/office/drawing/2014/main" id="{C115BEC7-E174-E6D0-9EAD-6ECB4D361BEE}"/>
+            </a:ext>
+          </a:extLst>
+        </p:cNvPr>
+        <p:cNvGrpSpPr/>
+        <p:nvPr/>
+      </p:nvGrpSpPr>
+      <p:grpSpPr>
+        <a:xfrm>
+          <a:off x="0" y="0"/>
+          <a:ext cx="0" cy="0"/>
+          <a:chOff x="0" y="0"/>
+          <a:chExt cx="0" cy="0"/>
+        </a:xfrm>
+      </p:grpSpPr>
+      <p:pic>
+        <p:nvPicPr>
+          <p:cNvPr id="2" name="Picture 2">
+            <a:extLst>
+              <a:ext uri="{FF2B5EF4-FFF2-40B4-BE49-F238E27FC236}">
+                <a16:creationId xmlns:a16="http://schemas.microsoft.com/office/drawing/2014/main" id="{567CE76B-5546-E4DC-7F01-7FA8DF40D59C}"/>
+              </a:ext>
+            </a:extLst>
+          </p:cNvPr>
+          <p:cNvPicPr>
+            <a:picLocks noChangeAspect="1"/>
+          </p:cNvPicPr>
+          <p:nvPr/>
+        </p:nvPicPr>
+        <p:blipFill>
+          <a:blip r:embed="rId2"/>
+          <a:stretch>
+            <a:fillRect/>
+          </a:stretch>
+        </p:blipFill>
+        <p:spPr>
+          <a:xfrm>
+            <a:off x="533400" y="482600"/>
+            <a:ext cx="17208500" cy="9309100"/>
+          </a:xfrm>
+          <a:prstGeom prst="rect">
+            <a:avLst/>
+          </a:prstGeom>
+          <a:effectLst>
+            <a:outerShdw blurRad="323758" dist="143241" dir="7080000">
+              <a:srgbClr val="393939">
+                <a:alpha val="30000"/>
+              </a:srgbClr>
+            </a:outerShdw>
+          </a:effectLst>
+        </p:spPr>
+      </p:pic>
+      <p:sp>
+        <p:nvSpPr>
+          <p:cNvPr id="3" name="TextBox 8">
+            <a:extLst>
+              <a:ext uri="{FF2B5EF4-FFF2-40B4-BE49-F238E27FC236}">
+                <a16:creationId xmlns:a16="http://schemas.microsoft.com/office/drawing/2014/main" id="{CC6E3554-919D-2CEB-98B7-6E4F6EB98A19}"/>
+              </a:ext>
+            </a:extLst>
+          </p:cNvPr>
+          <p:cNvSpPr txBox="1"/>
+          <p:nvPr/>
+        </p:nvSpPr>
+        <p:spPr>
+          <a:xfrm>
+            <a:off x="1676400" y="800100"/>
+            <a:ext cx="13716000" cy="508000"/>
+          </a:xfrm>
+          <a:prstGeom prst="rect">
+            <a:avLst/>
+          </a:prstGeom>
+        </p:spPr>
+        <p:txBody>
+          <a:bodyPr lIns="0" tIns="0" rIns="0" bIns="0" rtlCol="0" anchor="ctr"/>
+          <a:lstStyle/>
+          <a:p>
+            <a:pPr lvl="0">
+              <a:lnSpc>
+                <a:spcPct val="92960"/>
+              </a:lnSpc>
+            </a:pPr>
+            <a:r>
+              <a:rPr lang="en-US" sz="2400" dirty="0">
+                <a:solidFill>
+                  <a:srgbClr val="393939"/>
+                </a:solidFill>
+                <a:latin typeface="Pretendard Bold"/>
+              </a:rPr>
+              <a:t>www.FitAI-Pro.com/WEB/body_type</a:t>
+            </a:r>
+            <a:endParaRPr lang="en-US" sz="2400" b="0" i="0" u="none" strike="noStrike" dirty="0">
+              <a:solidFill>
+                <a:srgbClr val="393939"/>
+              </a:solidFill>
+              <a:latin typeface="Pretendard Bold"/>
+            </a:endParaRPr>
+          </a:p>
+        </p:txBody>
+      </p:sp>
+      <p:sp>
+        <p:nvSpPr>
+          <p:cNvPr id="4" name="TextBox 3">
+            <a:extLst>
+              <a:ext uri="{FF2B5EF4-FFF2-40B4-BE49-F238E27FC236}">
+                <a16:creationId xmlns:a16="http://schemas.microsoft.com/office/drawing/2014/main" id="{5FE94F8F-9BDC-2E94-6105-AB26373E2166}"/>
+              </a:ext>
+            </a:extLst>
+          </p:cNvPr>
+          <p:cNvSpPr txBox="1"/>
+          <p:nvPr/>
+        </p:nvSpPr>
+        <p:spPr>
+          <a:xfrm>
+            <a:off x="3289300" y="2172641"/>
+            <a:ext cx="11709400" cy="812800"/>
+          </a:xfrm>
+          <a:prstGeom prst="rect">
+            <a:avLst/>
+          </a:prstGeom>
+        </p:spPr>
+        <p:txBody>
+          <a:bodyPr lIns="0" tIns="0" rIns="0" bIns="0" rtlCol="0" anchor="ctr"/>
+          <a:lstStyle/>
+          <a:p>
+            <a:pPr lvl="0" algn="ctr">
+              <a:lnSpc>
+                <a:spcPct val="86320"/>
+              </a:lnSpc>
+            </a:pPr>
+            <a:r>
+              <a:rPr lang="en-US" altLang="ko-KR" sz="4800" spc="-100" dirty="0">
+                <a:solidFill>
+                  <a:srgbClr val="393939"/>
+                </a:solidFill>
+                <a:ea typeface="Pretendard Bold"/>
+              </a:rPr>
+              <a:t>Django</a:t>
+            </a:r>
+            <a:r>
+              <a:rPr lang="ko-KR" altLang="en-US" sz="4800" spc="-100" dirty="0">
+                <a:solidFill>
+                  <a:srgbClr val="393939"/>
+                </a:solidFill>
+                <a:ea typeface="Pretendard Bold"/>
+              </a:rPr>
+              <a:t>를 이용한 </a:t>
+            </a:r>
+            <a:r>
+              <a:rPr lang="en-US" altLang="ko-KR" sz="4800" spc="-100" dirty="0">
+                <a:solidFill>
+                  <a:srgbClr val="393939"/>
+                </a:solidFill>
+                <a:ea typeface="Pretendard Bold"/>
+              </a:rPr>
+              <a:t>WEB</a:t>
+            </a:r>
+            <a:r>
+              <a:rPr lang="ko-KR" altLang="en-US" sz="4800" spc="-100" dirty="0">
+                <a:solidFill>
+                  <a:srgbClr val="393939"/>
+                </a:solidFill>
+                <a:ea typeface="Pretendard Bold"/>
+              </a:rPr>
+              <a:t>구현</a:t>
+            </a:r>
+            <a:endParaRPr lang="ko-KR" sz="4800" b="0" i="0" u="none" strike="noStrike" spc="-100" dirty="0">
+              <a:solidFill>
+                <a:srgbClr val="393939"/>
+              </a:solidFill>
+              <a:ea typeface="Pretendard Bold"/>
+            </a:endParaRPr>
+          </a:p>
+        </p:txBody>
+      </p:sp>
+      <p:pic>
+        <p:nvPicPr>
+          <p:cNvPr id="6" name="Picture 38">
+            <a:extLst>
+              <a:ext uri="{FF2B5EF4-FFF2-40B4-BE49-F238E27FC236}">
+                <a16:creationId xmlns:a16="http://schemas.microsoft.com/office/drawing/2014/main" id="{0E244ED1-B06D-E5C0-0FCD-1E160CF55611}"/>
+              </a:ext>
+            </a:extLst>
+          </p:cNvPr>
+          <p:cNvPicPr>
+            <a:picLocks noChangeAspect="1"/>
+          </p:cNvPicPr>
+          <p:nvPr/>
+        </p:nvPicPr>
+        <p:blipFill>
+          <a:blip r:embed="rId3"/>
+          <a:stretch>
+            <a:fillRect/>
+          </a:stretch>
+        </p:blipFill>
+        <p:spPr>
+          <a:xfrm>
+            <a:off x="8496300" y="1574800"/>
+            <a:ext cx="1308100" cy="520700"/>
+          </a:xfrm>
+          <a:prstGeom prst="rect">
+            <a:avLst/>
+          </a:prstGeom>
+        </p:spPr>
+      </p:pic>
+      <p:sp>
+        <p:nvSpPr>
+          <p:cNvPr id="7" name="TextBox 39">
+            <a:extLst>
+              <a:ext uri="{FF2B5EF4-FFF2-40B4-BE49-F238E27FC236}">
+                <a16:creationId xmlns:a16="http://schemas.microsoft.com/office/drawing/2014/main" id="{B594AF48-80D7-1501-42F1-3AAA110066F7}"/>
+              </a:ext>
+            </a:extLst>
+          </p:cNvPr>
+          <p:cNvSpPr txBox="1"/>
+          <p:nvPr/>
+        </p:nvSpPr>
+        <p:spPr>
+          <a:xfrm>
+            <a:off x="8356600" y="1651000"/>
+            <a:ext cx="1574800" cy="355600"/>
+          </a:xfrm>
+          <a:prstGeom prst="rect">
+            <a:avLst/>
+          </a:prstGeom>
+        </p:spPr>
+        <p:txBody>
+          <a:bodyPr lIns="0" tIns="0" rIns="0" bIns="0" rtlCol="0" anchor="ctr"/>
+          <a:lstStyle/>
+          <a:p>
+            <a:pPr lvl="0" algn="ctr">
+              <a:lnSpc>
+                <a:spcPct val="92960"/>
+              </a:lnSpc>
+            </a:pPr>
+            <a:r>
+              <a:rPr lang="en-US" sz="2000" b="0" i="0" u="none" strike="noStrike" dirty="0">
+                <a:solidFill>
+                  <a:srgbClr val="393939"/>
+                </a:solidFill>
+                <a:latin typeface="Pretendard Bold"/>
+              </a:rPr>
+              <a:t>Part.04</a:t>
+            </a:r>
+          </a:p>
+        </p:txBody>
+      </p:sp>
+      <p:pic>
+        <p:nvPicPr>
+          <p:cNvPr id="8" name="Picture 26">
+            <a:extLst>
+              <a:ext uri="{FF2B5EF4-FFF2-40B4-BE49-F238E27FC236}">
+                <a16:creationId xmlns:a16="http://schemas.microsoft.com/office/drawing/2014/main" id="{F6A98239-0810-E391-C877-374A1316008A}"/>
+              </a:ext>
+            </a:extLst>
+          </p:cNvPr>
+          <p:cNvPicPr>
+            <a:picLocks noChangeAspect="1"/>
+          </p:cNvPicPr>
+          <p:nvPr/>
+        </p:nvPicPr>
+        <p:blipFill>
+          <a:blip r:embed="rId4"/>
+          <a:stretch>
+            <a:fillRect/>
+          </a:stretch>
+        </p:blipFill>
+        <p:spPr>
+          <a:xfrm>
+            <a:off x="4711700" y="2933700"/>
+            <a:ext cx="8864600" cy="12700"/>
+          </a:xfrm>
+          <a:prstGeom prst="rect">
+            <a:avLst/>
+          </a:prstGeom>
+        </p:spPr>
+      </p:pic>
+      <p:sp>
+        <p:nvSpPr>
+          <p:cNvPr id="9" name="TextBox 12">
+            <a:extLst>
+              <a:ext uri="{FF2B5EF4-FFF2-40B4-BE49-F238E27FC236}">
+                <a16:creationId xmlns:a16="http://schemas.microsoft.com/office/drawing/2014/main" id="{7372E79D-D99C-BB03-8E10-7FBAD4890FA5}"/>
+              </a:ext>
+            </a:extLst>
+          </p:cNvPr>
+          <p:cNvSpPr txBox="1"/>
+          <p:nvPr/>
+        </p:nvSpPr>
+        <p:spPr>
+          <a:xfrm>
+            <a:off x="533400" y="1787525"/>
+            <a:ext cx="5715000" cy="3403600"/>
+          </a:xfrm>
+          <a:prstGeom prst="rect">
+            <a:avLst/>
+          </a:prstGeom>
+        </p:spPr>
+        <p:txBody>
+          <a:bodyPr lIns="0" tIns="0" rIns="0" bIns="0" rtlCol="0" anchor="ctr"/>
+          <a:lstStyle/>
+          <a:p>
+            <a:pPr lvl="0" algn="l">
+              <a:lnSpc>
+                <a:spcPct val="108729"/>
+              </a:lnSpc>
+            </a:pPr>
+            <a:endParaRPr lang="en-US" altLang="ko-KR" sz="2100" dirty="0">
+              <a:solidFill>
+                <a:srgbClr val="393939"/>
+              </a:solidFill>
+              <a:latin typeface="Pretendard Light"/>
+            </a:endParaRPr>
+          </a:p>
+        </p:txBody>
+      </p:sp>
+      <p:sp>
+        <p:nvSpPr>
+          <p:cNvPr id="73" name="TextBox 72">
+            <a:extLst>
+              <a:ext uri="{FF2B5EF4-FFF2-40B4-BE49-F238E27FC236}">
+                <a16:creationId xmlns:a16="http://schemas.microsoft.com/office/drawing/2014/main" id="{26137342-F3E1-49E2-BFD7-05CABB7D6C32}"/>
+              </a:ext>
+            </a:extLst>
+          </p:cNvPr>
+          <p:cNvSpPr txBox="1"/>
+          <p:nvPr/>
+        </p:nvSpPr>
+        <p:spPr>
+          <a:xfrm>
+            <a:off x="3937000" y="8953500"/>
+            <a:ext cx="2311400" cy="369332"/>
+          </a:xfrm>
+          <a:prstGeom prst="rect">
+            <a:avLst/>
+          </a:prstGeom>
+          <a:solidFill>
+            <a:schemeClr val="accent1">
+              <a:lumMod val="20000"/>
+              <a:lumOff val="80000"/>
+            </a:schemeClr>
+          </a:solidFill>
+        </p:spPr>
+        <p:txBody>
+          <a:bodyPr wrap="square" rtlCol="0">
+            <a:spAutoFit/>
+          </a:bodyPr>
+          <a:lstStyle/>
+          <a:p>
+            <a:r>
+              <a:rPr lang="ko-KR" altLang="en-US" dirty="0"/>
+              <a:t>사진 업로드 페이지</a:t>
+            </a:r>
+          </a:p>
+        </p:txBody>
+      </p:sp>
+      <p:pic>
+        <p:nvPicPr>
+          <p:cNvPr id="12" name="그림 11">
+            <a:extLst>
+              <a:ext uri="{FF2B5EF4-FFF2-40B4-BE49-F238E27FC236}">
+                <a16:creationId xmlns:a16="http://schemas.microsoft.com/office/drawing/2014/main" id="{6767DBFA-0FDA-44F2-B595-8E7B8CD68A54}"/>
+              </a:ext>
+            </a:extLst>
+          </p:cNvPr>
+          <p:cNvPicPr>
+            <a:picLocks noChangeAspect="1"/>
+          </p:cNvPicPr>
+          <p:nvPr/>
+        </p:nvPicPr>
+        <p:blipFill>
+          <a:blip r:embed="rId5"/>
+          <a:stretch>
+            <a:fillRect/>
+          </a:stretch>
+        </p:blipFill>
+        <p:spPr>
+          <a:xfrm>
+            <a:off x="2383528" y="3849982"/>
+            <a:ext cx="5493348" cy="3657451"/>
+          </a:xfrm>
+          <a:prstGeom prst="rect">
+            <a:avLst/>
+          </a:prstGeom>
+          <a:ln>
+            <a:solidFill>
+              <a:schemeClr val="tx1"/>
+            </a:solidFill>
+          </a:ln>
+        </p:spPr>
+      </p:pic>
+      <p:pic>
+        <p:nvPicPr>
+          <p:cNvPr id="14" name="그림 13">
+            <a:extLst>
+              <a:ext uri="{FF2B5EF4-FFF2-40B4-BE49-F238E27FC236}">
+                <a16:creationId xmlns:a16="http://schemas.microsoft.com/office/drawing/2014/main" id="{2E7B8184-B9DB-449D-BA9F-7EB0316A879A}"/>
+              </a:ext>
+            </a:extLst>
+          </p:cNvPr>
+          <p:cNvPicPr>
+            <a:picLocks noChangeAspect="1"/>
+          </p:cNvPicPr>
+          <p:nvPr/>
+        </p:nvPicPr>
+        <p:blipFill>
+          <a:blip r:embed="rId6"/>
+          <a:stretch>
+            <a:fillRect/>
+          </a:stretch>
+        </p:blipFill>
+        <p:spPr>
+          <a:xfrm>
+            <a:off x="10251925" y="3151482"/>
+            <a:ext cx="5114925" cy="5543550"/>
+          </a:xfrm>
+          <a:prstGeom prst="rect">
+            <a:avLst/>
+          </a:prstGeom>
+          <a:ln>
+            <a:solidFill>
+              <a:schemeClr val="tx1"/>
+            </a:solidFill>
+          </a:ln>
+        </p:spPr>
+      </p:pic>
+      <p:sp>
+        <p:nvSpPr>
+          <p:cNvPr id="21" name="TextBox 20">
+            <a:extLst>
+              <a:ext uri="{FF2B5EF4-FFF2-40B4-BE49-F238E27FC236}">
+                <a16:creationId xmlns:a16="http://schemas.microsoft.com/office/drawing/2014/main" id="{6431F36F-611A-4C31-B76F-E7F00C53DEB2}"/>
+              </a:ext>
+            </a:extLst>
+          </p:cNvPr>
+          <p:cNvSpPr txBox="1"/>
+          <p:nvPr/>
+        </p:nvSpPr>
+        <p:spPr>
+          <a:xfrm>
+            <a:off x="11848080" y="8956964"/>
+            <a:ext cx="1922613" cy="369332"/>
+          </a:xfrm>
+          <a:prstGeom prst="rect">
+            <a:avLst/>
+          </a:prstGeom>
+          <a:solidFill>
+            <a:schemeClr val="accent1">
+              <a:lumMod val="20000"/>
+              <a:lumOff val="80000"/>
+            </a:schemeClr>
+          </a:solidFill>
+        </p:spPr>
+        <p:txBody>
+          <a:bodyPr wrap="square" rtlCol="0">
+            <a:spAutoFit/>
+          </a:bodyPr>
+          <a:lstStyle/>
+          <a:p>
+            <a:r>
+              <a:rPr lang="ko-KR" altLang="en-US" dirty="0"/>
+              <a:t>예측결과 페이지</a:t>
+            </a:r>
+          </a:p>
+        </p:txBody>
+      </p:sp>
+    </p:spTree>
+    <p:extLst>
+      <p:ext uri="{BB962C8B-B14F-4D97-AF65-F5344CB8AC3E}">
+        <p14:creationId xmlns:p14="http://schemas.microsoft.com/office/powerpoint/2010/main" val="143791399"/>
+      </p:ext>
+    </p:extLst>
   </p:cSld>
   <p:clrMapOvr>
     <a:masterClrMapping/>
@@ -19254,7 +24962,7 @@
                 </a:solidFill>
                 <a:ea typeface="Pretendard Bold"/>
               </a:rPr>
-              <a:t>분   석</a:t>
+              <a:t>분  석</a:t>
             </a:r>
             <a:endParaRPr lang="ko-KR" sz="3300" b="0" i="0" u="none" strike="noStrike" dirty="0">
               <a:solidFill>
@@ -20034,7 +25742,13 @@
   <p:cSld>
     <p:spTree>
       <p:nvGrpSpPr>
-        <p:cNvPr id="1" name=""/>
+        <p:cNvPr id="1" name="">
+          <a:extLst>
+            <a:ext uri="{FF2B5EF4-FFF2-40B4-BE49-F238E27FC236}">
+              <a16:creationId xmlns:a16="http://schemas.microsoft.com/office/drawing/2014/main" id="{227F4C7A-5035-EB03-8812-92827C11A698}"/>
+            </a:ext>
+          </a:extLst>
+        </p:cNvPr>
         <p:cNvGrpSpPr/>
         <p:nvPr/>
       </p:nvGrpSpPr>
@@ -20051,7 +25765,7 @@
           <p:cNvPr id="2" name="Picture 2">
             <a:extLst>
               <a:ext uri="{FF2B5EF4-FFF2-40B4-BE49-F238E27FC236}">
-                <a16:creationId xmlns:a16="http://schemas.microsoft.com/office/drawing/2014/main" id="{D7709C7F-006C-4C93-346B-C2E88E4F9FAF}"/>
+                <a16:creationId xmlns:a16="http://schemas.microsoft.com/office/drawing/2014/main" id="{8675B274-0162-55C3-D5F0-FCA58085F07C}"/>
               </a:ext>
             </a:extLst>
           </p:cNvPr>
@@ -20085,10 +25799,10 @@
       </p:pic>
       <p:sp>
         <p:nvSpPr>
-          <p:cNvPr id="3" name="TextBox 8">
-            <a:extLst>
-              <a:ext uri="{FF2B5EF4-FFF2-40B4-BE49-F238E27FC236}">
-                <a16:creationId xmlns:a16="http://schemas.microsoft.com/office/drawing/2014/main" id="{A3C57C02-DCCF-0D27-44E9-EDD17A5C8859}"/>
+          <p:cNvPr id="7" name="TextBox 25">
+            <a:extLst>
+              <a:ext uri="{FF2B5EF4-FFF2-40B4-BE49-F238E27FC236}">
+                <a16:creationId xmlns:a16="http://schemas.microsoft.com/office/drawing/2014/main" id="{9F3E27FA-4ED9-4D44-59EA-1A9DEE71D624}"/>
               </a:ext>
             </a:extLst>
           </p:cNvPr>
@@ -20097,8 +25811,8 @@
         </p:nvSpPr>
         <p:spPr>
           <a:xfrm>
-            <a:off x="1676400" y="787400"/>
-            <a:ext cx="13716000" cy="520700"/>
+            <a:off x="1155700" y="3136900"/>
+            <a:ext cx="6934200" cy="2311400"/>
           </a:xfrm>
           <a:prstGeom prst="rect">
             <a:avLst/>
@@ -20108,44 +25822,37 @@
           <a:bodyPr lIns="0" tIns="0" rIns="0" bIns="0" rtlCol="0" anchor="ctr"/>
           <a:lstStyle/>
           <a:p>
-            <a:pPr lvl="0">
+            <a:pPr lvl="0" algn="ctr">
               <a:lnSpc>
-                <a:spcPct val="92960"/>
+                <a:spcPct val="98770"/>
               </a:lnSpc>
             </a:pPr>
             <a:r>
-              <a:rPr lang="en-US" sz="2000" dirty="0">
+              <a:rPr lang="ko-KR" altLang="en-US" sz="7000" spc="-100" dirty="0">
                 <a:solidFill>
                   <a:srgbClr val="393939"/>
                 </a:solidFill>
-                <a:latin typeface="Pretendard Bold"/>
-              </a:rPr>
-              <a:t>www.FitAI-Pro.com/</a:t>
-            </a:r>
-            <a:r>
-              <a:rPr lang="en-US" altLang="ko-KR" sz="2000" dirty="0">
-                <a:solidFill>
-                  <a:srgbClr val="393939"/>
-                </a:solidFill>
-                <a:latin typeface="Pretendard Bold"/>
-              </a:rPr>
-              <a:t>body_type/image_sort</a:t>
-            </a:r>
-            <a:endParaRPr lang="en-US" sz="2000" b="0" i="0" u="none" strike="noStrike" dirty="0">
+                <a:latin typeface="+mj-ea"/>
+                <a:ea typeface="+mj-ea"/>
+              </a:rPr>
+              <a:t>준 비</a:t>
+            </a:r>
+            <a:endParaRPr lang="ko-KR" sz="7000" b="0" i="0" u="none" strike="noStrike" spc="-100" dirty="0">
               <a:solidFill>
                 <a:srgbClr val="393939"/>
               </a:solidFill>
-              <a:latin typeface="Pretendard Bold"/>
+              <a:latin typeface="+mj-ea"/>
+              <a:ea typeface="+mj-ea"/>
             </a:endParaRPr>
           </a:p>
         </p:txBody>
       </p:sp>
       <p:sp>
         <p:nvSpPr>
-          <p:cNvPr id="8" name="TextBox 24">
-            <a:extLst>
-              <a:ext uri="{FF2B5EF4-FFF2-40B4-BE49-F238E27FC236}">
-                <a16:creationId xmlns:a16="http://schemas.microsoft.com/office/drawing/2014/main" id="{2478B81A-534B-EC9D-0C6D-133BDB4BD36C}"/>
+          <p:cNvPr id="17" name="TextBox 3">
+            <a:extLst>
+              <a:ext uri="{FF2B5EF4-FFF2-40B4-BE49-F238E27FC236}">
+                <a16:creationId xmlns:a16="http://schemas.microsoft.com/office/drawing/2014/main" id="{FBD281F4-C634-88B1-AC90-A9769297230C}"/>
               </a:ext>
             </a:extLst>
           </p:cNvPr>
@@ -20154,8 +25861,8 @@
         </p:nvSpPr>
         <p:spPr>
           <a:xfrm>
-            <a:off x="4278667" y="8053114"/>
-            <a:ext cx="3479800" cy="800100"/>
+            <a:off x="1206500" y="4914900"/>
+            <a:ext cx="6756400" cy="444500"/>
           </a:xfrm>
           <a:prstGeom prst="rect">
             <a:avLst/>
@@ -20167,190 +25874,42 @@
           <a:p>
             <a:pPr lvl="0" algn="ctr">
               <a:lnSpc>
-                <a:spcPct val="111220"/>
+                <a:spcPct val="108729"/>
               </a:lnSpc>
             </a:pPr>
             <a:r>
-              <a:rPr lang="ko-KR" altLang="en-US" sz="2300" b="0" i="0" u="none" strike="noStrike" dirty="0">
-                <a:solidFill>
-                  <a:srgbClr val="393939"/>
+              <a:rPr lang="ko-KR" altLang="en-US" sz="2500" b="0" i="0" u="none" strike="noStrike" dirty="0">
+                <a:solidFill>
+                  <a:srgbClr val="9E9E9E"/>
                 </a:solidFill>
                 <a:latin typeface="Pretendard Light"/>
               </a:rPr>
-              <a:t>원본 이미지가 </a:t>
-            </a:r>
-            <a:endParaRPr lang="en-US" altLang="ko-KR" sz="2300" b="0" i="0" u="none" strike="noStrike" dirty="0">
+              <a:t>이미지와 신체 둘레 </a:t>
+            </a:r>
+            <a:r>
+              <a:rPr lang="en-US" altLang="ko-KR" sz="2500" b="0" i="0" u="none" strike="noStrike" dirty="0">
+                <a:solidFill>
+                  <a:srgbClr val="9E9E9E"/>
+                </a:solidFill>
+                <a:latin typeface="Pretendard Light"/>
+              </a:rPr>
+              <a:t>CSV</a:t>
+            </a:r>
+            <a:endParaRPr lang="en-US" sz="2500" b="0" i="0" u="none" strike="noStrike" dirty="0">
               <a:solidFill>
-                <a:srgbClr val="393939"/>
+                <a:srgbClr val="9E9E9E"/>
               </a:solidFill>
               <a:latin typeface="Pretendard Light"/>
             </a:endParaRPr>
           </a:p>
-          <a:p>
-            <a:pPr lvl="0" algn="ctr">
-              <a:lnSpc>
-                <a:spcPct val="111220"/>
-              </a:lnSpc>
-            </a:pPr>
-            <a:r>
-              <a:rPr lang="ko-KR" altLang="en-US" sz="2300" b="0" i="0" u="none" strike="noStrike" dirty="0">
-                <a:solidFill>
-                  <a:srgbClr val="393939"/>
-                </a:solidFill>
-                <a:latin typeface="Pretendard Light"/>
-              </a:rPr>
-              <a:t>저장되어 있는 </a:t>
-            </a:r>
-            <a:r>
-              <a:rPr lang="en-US" altLang="ko-KR" sz="2300" b="0" i="0" u="none" strike="noStrike" dirty="0">
-                <a:solidFill>
-                  <a:srgbClr val="393939"/>
-                </a:solidFill>
-                <a:latin typeface="Pretendard Light"/>
-              </a:rPr>
-              <a:t>path</a:t>
-            </a:r>
-            <a:endParaRPr lang="en-US" sz="2300" b="0" i="0" u="none" strike="noStrike" dirty="0">
-              <a:solidFill>
-                <a:srgbClr val="393939"/>
-              </a:solidFill>
-              <a:latin typeface="Pretendard Light"/>
-            </a:endParaRPr>
-          </a:p>
-        </p:txBody>
-      </p:sp>
-      <p:sp>
-        <p:nvSpPr>
-          <p:cNvPr id="10" name="TextBox 24">
-            <a:extLst>
-              <a:ext uri="{FF2B5EF4-FFF2-40B4-BE49-F238E27FC236}">
-                <a16:creationId xmlns:a16="http://schemas.microsoft.com/office/drawing/2014/main" id="{E27CAEA8-4518-B89C-1707-DB4FF46ACC15}"/>
-              </a:ext>
-            </a:extLst>
-          </p:cNvPr>
-          <p:cNvSpPr txBox="1"/>
-          <p:nvPr/>
-        </p:nvSpPr>
-        <p:spPr>
-          <a:xfrm>
-            <a:off x="7442657" y="8453164"/>
-            <a:ext cx="3479800" cy="800100"/>
-          </a:xfrm>
-          <a:prstGeom prst="rect">
-            <a:avLst/>
-          </a:prstGeom>
-        </p:spPr>
-        <p:txBody>
-          <a:bodyPr lIns="0" tIns="0" rIns="0" bIns="0" rtlCol="0" anchor="ctr"/>
-          <a:lstStyle/>
-          <a:p>
-            <a:pPr lvl="0" algn="ctr">
-              <a:lnSpc>
-                <a:spcPct val="111220"/>
-              </a:lnSpc>
-            </a:pPr>
-            <a:endParaRPr lang="en-US" sz="2300" b="0" i="0" u="none" strike="noStrike" dirty="0">
-              <a:solidFill>
-                <a:srgbClr val="393939"/>
-              </a:solidFill>
-              <a:latin typeface="Pretendard Light"/>
-            </a:endParaRPr>
-          </a:p>
-        </p:txBody>
-      </p:sp>
-      <p:sp>
-        <p:nvSpPr>
-          <p:cNvPr id="12" name="TextBox 24">
-            <a:extLst>
-              <a:ext uri="{FF2B5EF4-FFF2-40B4-BE49-F238E27FC236}">
-                <a16:creationId xmlns:a16="http://schemas.microsoft.com/office/drawing/2014/main" id="{B60394AC-4FAD-8E1F-AD49-EA23D8B5E503}"/>
-              </a:ext>
-            </a:extLst>
-          </p:cNvPr>
-          <p:cNvSpPr txBox="1"/>
-          <p:nvPr/>
-        </p:nvSpPr>
-        <p:spPr>
-          <a:xfrm>
-            <a:off x="5453063" y="8636000"/>
-            <a:ext cx="3479800" cy="800100"/>
-          </a:xfrm>
-          <a:prstGeom prst="rect">
-            <a:avLst/>
-          </a:prstGeom>
-        </p:spPr>
-        <p:txBody>
-          <a:bodyPr lIns="0" tIns="0" rIns="0" bIns="0" rtlCol="0" anchor="ctr"/>
-          <a:lstStyle/>
-          <a:p>
-            <a:pPr lvl="0" algn="ctr">
-              <a:lnSpc>
-                <a:spcPct val="111220"/>
-              </a:lnSpc>
-            </a:pPr>
-            <a:endParaRPr lang="en-US" sz="2300" b="0" i="0" u="none" strike="noStrike" dirty="0">
-              <a:solidFill>
-                <a:srgbClr val="393939"/>
-              </a:solidFill>
-              <a:latin typeface="Pretendard Light"/>
-            </a:endParaRPr>
-          </a:p>
-        </p:txBody>
-      </p:sp>
-      <p:sp>
-        <p:nvSpPr>
-          <p:cNvPr id="14" name="TextBox 24">
-            <a:extLst>
-              <a:ext uri="{FF2B5EF4-FFF2-40B4-BE49-F238E27FC236}">
-                <a16:creationId xmlns:a16="http://schemas.microsoft.com/office/drawing/2014/main" id="{E41ADB9C-6F11-0C59-07A5-A24A6A0620CD}"/>
-              </a:ext>
-            </a:extLst>
-          </p:cNvPr>
-          <p:cNvSpPr txBox="1"/>
-          <p:nvPr/>
-        </p:nvSpPr>
-        <p:spPr>
-          <a:xfrm>
-            <a:off x="11044981" y="8053114"/>
-            <a:ext cx="3479800" cy="800100"/>
-          </a:xfrm>
-          <a:prstGeom prst="rect">
-            <a:avLst/>
-          </a:prstGeom>
-        </p:spPr>
-        <p:txBody>
-          <a:bodyPr lIns="0" tIns="0" rIns="0" bIns="0" rtlCol="0" anchor="ctr"/>
-          <a:lstStyle/>
-          <a:p>
-            <a:pPr lvl="0" algn="ctr">
-              <a:lnSpc>
-                <a:spcPct val="111220"/>
-              </a:lnSpc>
-            </a:pPr>
-            <a:r>
-              <a:rPr lang="ko-KR" altLang="en-US" sz="2300" dirty="0">
-                <a:solidFill>
-                  <a:srgbClr val="393939"/>
-                </a:solidFill>
-                <a:latin typeface="Pretendard Light"/>
-              </a:rPr>
-              <a:t>사용할 이미지를 분류</a:t>
-            </a:r>
-            <a:endParaRPr lang="en-US" sz="2300" b="0" i="0" u="none" strike="noStrike" dirty="0">
-              <a:solidFill>
-                <a:srgbClr val="393939"/>
-              </a:solidFill>
-              <a:latin typeface="Pretendard Light"/>
-            </a:endParaRPr>
-          </a:p>
         </p:txBody>
       </p:sp>
       <p:pic>
         <p:nvPicPr>
-          <p:cNvPr id="16" name="그림 15">
-            <a:extLst>
-              <a:ext uri="{FF2B5EF4-FFF2-40B4-BE49-F238E27FC236}">
-                <a16:creationId xmlns:a16="http://schemas.microsoft.com/office/drawing/2014/main" id="{C468850F-5392-49B5-B01E-FBA8E0D8D8BA}"/>
+          <p:cNvPr id="18" name="Picture 4">
+            <a:extLst>
+              <a:ext uri="{FF2B5EF4-FFF2-40B4-BE49-F238E27FC236}">
+                <a16:creationId xmlns:a16="http://schemas.microsoft.com/office/drawing/2014/main" id="{966640BA-E7E9-B726-D6CA-D0B337A5BCA6}"/>
               </a:ext>
             </a:extLst>
           </p:cNvPr>
@@ -20367,20 +25926,396 @@
         </p:blipFill>
         <p:spPr>
           <a:xfrm>
-            <a:off x="1419225" y="2400300"/>
-            <a:ext cx="14759866" cy="5410200"/>
+            <a:off x="660400" y="4826000"/>
+            <a:ext cx="7874000" cy="12700"/>
           </a:xfrm>
           <a:prstGeom prst="rect">
             <a:avLst/>
           </a:prstGeom>
         </p:spPr>
       </p:pic>
-      <p:sp>
-        <p:nvSpPr>
-          <p:cNvPr id="6" name="직사각형 5">
-            <a:extLst>
-              <a:ext uri="{FF2B5EF4-FFF2-40B4-BE49-F238E27FC236}">
-                <a16:creationId xmlns:a16="http://schemas.microsoft.com/office/drawing/2014/main" id="{9A7AE5BE-E9E3-786D-594D-B3589AA5E5D4}"/>
+      <p:grpSp>
+        <p:nvGrpSpPr>
+          <p:cNvPr id="19" name="그룹 18">
+            <a:extLst>
+              <a:ext uri="{FF2B5EF4-FFF2-40B4-BE49-F238E27FC236}">
+                <a16:creationId xmlns:a16="http://schemas.microsoft.com/office/drawing/2014/main" id="{03FED25E-A86A-41AA-8E9C-C23D315F9EA9}"/>
+              </a:ext>
+            </a:extLst>
+          </p:cNvPr>
+          <p:cNvGrpSpPr/>
+          <p:nvPr/>
+        </p:nvGrpSpPr>
+        <p:grpSpPr>
+          <a:xfrm>
+            <a:off x="1835150" y="2628900"/>
+            <a:ext cx="1257300" cy="495300"/>
+            <a:chOff x="8509000" y="1574800"/>
+            <a:chExt cx="1257300" cy="495300"/>
+          </a:xfrm>
+          <a:solidFill>
+            <a:schemeClr val="accent3">
+              <a:lumMod val="40000"/>
+              <a:lumOff val="60000"/>
+            </a:schemeClr>
+          </a:solidFill>
+        </p:grpSpPr>
+        <p:sp>
+          <p:nvSpPr>
+            <p:cNvPr id="20" name="직사각형 19">
+              <a:extLst>
+                <a:ext uri="{FF2B5EF4-FFF2-40B4-BE49-F238E27FC236}">
+                  <a16:creationId xmlns:a16="http://schemas.microsoft.com/office/drawing/2014/main" id="{FF80470C-7902-27AF-213C-E893646F7515}"/>
+                </a:ext>
+              </a:extLst>
+            </p:cNvPr>
+            <p:cNvSpPr/>
+            <p:nvPr/>
+          </p:nvSpPr>
+          <p:spPr>
+            <a:xfrm>
+              <a:off x="8686800" y="1574800"/>
+              <a:ext cx="914400" cy="495300"/>
+            </a:xfrm>
+            <a:prstGeom prst="rect">
+              <a:avLst/>
+            </a:prstGeom>
+            <a:grpFill/>
+            <a:ln>
+              <a:noFill/>
+            </a:ln>
+          </p:spPr>
+          <p:style>
+            <a:lnRef idx="2">
+              <a:schemeClr val="accent1">
+                <a:shade val="15000"/>
+              </a:schemeClr>
+            </a:lnRef>
+            <a:fillRef idx="1">
+              <a:schemeClr val="accent1"/>
+            </a:fillRef>
+            <a:effectRef idx="0">
+              <a:schemeClr val="accent1"/>
+            </a:effectRef>
+            <a:fontRef idx="minor">
+              <a:schemeClr val="lt1"/>
+            </a:fontRef>
+          </p:style>
+          <p:txBody>
+            <a:bodyPr rtlCol="0" anchor="ctr"/>
+            <a:lstStyle/>
+            <a:p>
+              <a:pPr algn="ctr"/>
+              <a:endParaRPr lang="ko-KR" altLang="en-US"/>
+            </a:p>
+          </p:txBody>
+        </p:sp>
+        <p:sp>
+          <p:nvSpPr>
+            <p:cNvPr id="21" name="타원 20">
+              <a:extLst>
+                <a:ext uri="{FF2B5EF4-FFF2-40B4-BE49-F238E27FC236}">
+                  <a16:creationId xmlns:a16="http://schemas.microsoft.com/office/drawing/2014/main" id="{7FAB0C97-A444-19EC-6F70-F3CE0A5E591A}"/>
+                </a:ext>
+              </a:extLst>
+            </p:cNvPr>
+            <p:cNvSpPr/>
+            <p:nvPr/>
+          </p:nvSpPr>
+          <p:spPr>
+            <a:xfrm>
+              <a:off x="8509000" y="1574800"/>
+              <a:ext cx="457200" cy="495300"/>
+            </a:xfrm>
+            <a:prstGeom prst="ellipse">
+              <a:avLst/>
+            </a:prstGeom>
+            <a:grpFill/>
+            <a:ln>
+              <a:noFill/>
+            </a:ln>
+          </p:spPr>
+          <p:style>
+            <a:lnRef idx="2">
+              <a:schemeClr val="accent1">
+                <a:shade val="15000"/>
+              </a:schemeClr>
+            </a:lnRef>
+            <a:fillRef idx="1">
+              <a:schemeClr val="accent1"/>
+            </a:fillRef>
+            <a:effectRef idx="0">
+              <a:schemeClr val="accent1"/>
+            </a:effectRef>
+            <a:fontRef idx="minor">
+              <a:schemeClr val="lt1"/>
+            </a:fontRef>
+          </p:style>
+          <p:txBody>
+            <a:bodyPr rtlCol="0" anchor="ctr"/>
+            <a:lstStyle/>
+            <a:p>
+              <a:pPr algn="ctr"/>
+              <a:endParaRPr lang="ko-KR" altLang="en-US"/>
+            </a:p>
+          </p:txBody>
+        </p:sp>
+        <p:sp>
+          <p:nvSpPr>
+            <p:cNvPr id="22" name="타원 21">
+              <a:extLst>
+                <a:ext uri="{FF2B5EF4-FFF2-40B4-BE49-F238E27FC236}">
+                  <a16:creationId xmlns:a16="http://schemas.microsoft.com/office/drawing/2014/main" id="{1CDFB6CA-89F9-0CF7-9AFF-84C62C5B4A50}"/>
+                </a:ext>
+              </a:extLst>
+            </p:cNvPr>
+            <p:cNvSpPr/>
+            <p:nvPr/>
+          </p:nvSpPr>
+          <p:spPr>
+            <a:xfrm>
+              <a:off x="9309100" y="1574800"/>
+              <a:ext cx="457200" cy="495300"/>
+            </a:xfrm>
+            <a:prstGeom prst="ellipse">
+              <a:avLst/>
+            </a:prstGeom>
+            <a:grpFill/>
+            <a:ln>
+              <a:noFill/>
+            </a:ln>
+          </p:spPr>
+          <p:style>
+            <a:lnRef idx="2">
+              <a:schemeClr val="accent1">
+                <a:shade val="15000"/>
+              </a:schemeClr>
+            </a:lnRef>
+            <a:fillRef idx="1">
+              <a:schemeClr val="accent1"/>
+            </a:fillRef>
+            <a:effectRef idx="0">
+              <a:schemeClr val="accent1"/>
+            </a:effectRef>
+            <a:fontRef idx="minor">
+              <a:schemeClr val="lt1"/>
+            </a:fontRef>
+          </p:style>
+          <p:txBody>
+            <a:bodyPr rtlCol="0" anchor="ctr"/>
+            <a:lstStyle/>
+            <a:p>
+              <a:pPr algn="ctr"/>
+              <a:endParaRPr lang="ko-KR" altLang="en-US"/>
+            </a:p>
+          </p:txBody>
+        </p:sp>
+      </p:grpSp>
+      <p:sp>
+        <p:nvSpPr>
+          <p:cNvPr id="23" name="TextBox 31">
+            <a:extLst>
+              <a:ext uri="{FF2B5EF4-FFF2-40B4-BE49-F238E27FC236}">
+                <a16:creationId xmlns:a16="http://schemas.microsoft.com/office/drawing/2014/main" id="{CA2FD91F-9B9B-CAC4-436D-E8B625CB50E5}"/>
+              </a:ext>
+            </a:extLst>
+          </p:cNvPr>
+          <p:cNvSpPr txBox="1"/>
+          <p:nvPr/>
+        </p:nvSpPr>
+        <p:spPr>
+          <a:xfrm>
+            <a:off x="1689100" y="2689860"/>
+            <a:ext cx="1574800" cy="355600"/>
+          </a:xfrm>
+          <a:prstGeom prst="rect">
+            <a:avLst/>
+          </a:prstGeom>
+        </p:spPr>
+        <p:txBody>
+          <a:bodyPr lIns="0" tIns="0" rIns="0" bIns="0" rtlCol="0" anchor="ctr"/>
+          <a:lstStyle/>
+          <a:p>
+            <a:pPr lvl="0" algn="ctr">
+              <a:lnSpc>
+                <a:spcPct val="92960"/>
+              </a:lnSpc>
+            </a:pPr>
+            <a:r>
+              <a:rPr lang="en-US" altLang="ko-KR" sz="2000" b="0" i="0" u="none" strike="noStrike" dirty="0">
+                <a:solidFill>
+                  <a:srgbClr val="393939"/>
+                </a:solidFill>
+                <a:latin typeface="Pretendard Bold"/>
+              </a:rPr>
+              <a:t>Step.01</a:t>
+            </a:r>
+          </a:p>
+        </p:txBody>
+      </p:sp>
+      <p:sp>
+        <p:nvSpPr>
+          <p:cNvPr id="24" name="TextBox 6">
+            <a:extLst>
+              <a:ext uri="{FF2B5EF4-FFF2-40B4-BE49-F238E27FC236}">
+                <a16:creationId xmlns:a16="http://schemas.microsoft.com/office/drawing/2014/main" id="{17C054AB-8E88-A184-2243-A2690A1CA178}"/>
+              </a:ext>
+            </a:extLst>
+          </p:cNvPr>
+          <p:cNvSpPr txBox="1"/>
+          <p:nvPr/>
+        </p:nvSpPr>
+        <p:spPr>
+          <a:xfrm>
+            <a:off x="1206500" y="6522085"/>
+            <a:ext cx="7302500" cy="1079500"/>
+          </a:xfrm>
+          <a:prstGeom prst="rect">
+            <a:avLst/>
+          </a:prstGeom>
+        </p:spPr>
+        <p:txBody>
+          <a:bodyPr lIns="0" tIns="0" rIns="0" bIns="0" rtlCol="0" anchor="ctr"/>
+          <a:lstStyle/>
+          <a:p>
+            <a:pPr lvl="0" algn="l">
+              <a:lnSpc>
+                <a:spcPct val="108729"/>
+              </a:lnSpc>
+            </a:pPr>
+            <a:endParaRPr lang="en-US" sz="2100" b="0" i="0" u="none" strike="noStrike" dirty="0">
+              <a:solidFill>
+                <a:srgbClr val="393939"/>
+              </a:solidFill>
+              <a:latin typeface="Pretendard Light"/>
+            </a:endParaRPr>
+          </a:p>
+        </p:txBody>
+      </p:sp>
+      <p:sp>
+        <p:nvSpPr>
+          <p:cNvPr id="25" name="TextBox 6">
+            <a:extLst>
+              <a:ext uri="{FF2B5EF4-FFF2-40B4-BE49-F238E27FC236}">
+                <a16:creationId xmlns:a16="http://schemas.microsoft.com/office/drawing/2014/main" id="{125B541F-4BC8-EED4-13D2-881D4998E0DE}"/>
+              </a:ext>
+            </a:extLst>
+          </p:cNvPr>
+          <p:cNvSpPr txBox="1"/>
+          <p:nvPr/>
+        </p:nvSpPr>
+        <p:spPr>
+          <a:xfrm>
+            <a:off x="1447800" y="5445443"/>
+            <a:ext cx="6088062" cy="1079500"/>
+          </a:xfrm>
+          <a:prstGeom prst="rect">
+            <a:avLst/>
+          </a:prstGeom>
+        </p:spPr>
+        <p:txBody>
+          <a:bodyPr lIns="0" tIns="0" rIns="0" bIns="0" rtlCol="0" anchor="ctr"/>
+          <a:lstStyle/>
+          <a:p>
+            <a:pPr lvl="0" algn="l">
+              <a:lnSpc>
+                <a:spcPct val="108729"/>
+              </a:lnSpc>
+            </a:pPr>
+            <a:r>
+              <a:rPr lang="en-US" sz="2100" b="1" i="0" u="none" strike="noStrike" dirty="0">
+                <a:solidFill>
+                  <a:srgbClr val="393939"/>
+                </a:solidFill>
+                <a:latin typeface="+mn-ea"/>
+              </a:rPr>
+              <a:t>AI Hub</a:t>
+            </a:r>
+            <a:r>
+              <a:rPr lang="ko-KR" altLang="en-US" sz="2100" b="1" i="0" u="none" strike="noStrike" dirty="0">
+                <a:solidFill>
+                  <a:srgbClr val="393939"/>
+                </a:solidFill>
+                <a:latin typeface="+mn-ea"/>
+              </a:rPr>
+              <a:t>에서 다운받은 이미지 데이터 중 </a:t>
+            </a:r>
+            <a:endParaRPr lang="en-US" altLang="ko-KR" sz="2100" b="1" i="0" u="none" strike="noStrike" dirty="0">
+              <a:solidFill>
+                <a:srgbClr val="393939"/>
+              </a:solidFill>
+              <a:latin typeface="+mn-ea"/>
+            </a:endParaRPr>
+          </a:p>
+          <a:p>
+            <a:pPr lvl="0" algn="l">
+              <a:lnSpc>
+                <a:spcPct val="108729"/>
+              </a:lnSpc>
+            </a:pPr>
+            <a:r>
+              <a:rPr lang="ko-KR" altLang="en-US" sz="2100" b="1" dirty="0">
+                <a:solidFill>
+                  <a:srgbClr val="393939"/>
+                </a:solidFill>
+                <a:latin typeface="+mn-ea"/>
+              </a:rPr>
+              <a:t>용량 이슈로 인하여 학습에 사용할 데이터</a:t>
+            </a:r>
+            <a:r>
+              <a:rPr lang="ko-KR" altLang="en-US" sz="2100" b="1" i="0" u="none" strike="noStrike" dirty="0">
+                <a:solidFill>
+                  <a:srgbClr val="393939"/>
+                </a:solidFill>
+                <a:latin typeface="+mn-ea"/>
+              </a:rPr>
+              <a:t>만 분류</a:t>
+            </a:r>
+            <a:endParaRPr lang="en-US" sz="2100" b="1" i="0" u="none" strike="noStrike" dirty="0">
+              <a:solidFill>
+                <a:srgbClr val="393939"/>
+              </a:solidFill>
+              <a:latin typeface="+mn-ea"/>
+            </a:endParaRPr>
+          </a:p>
+        </p:txBody>
+      </p:sp>
+      <p:pic>
+        <p:nvPicPr>
+          <p:cNvPr id="38" name="그림 37">
+            <a:extLst>
+              <a:ext uri="{FF2B5EF4-FFF2-40B4-BE49-F238E27FC236}">
+                <a16:creationId xmlns:a16="http://schemas.microsoft.com/office/drawing/2014/main" id="{2315AC64-CFA3-470F-94C0-B04FAD307B07}"/>
+              </a:ext>
+            </a:extLst>
+          </p:cNvPr>
+          <p:cNvPicPr>
+            <a:picLocks noChangeAspect="1"/>
+          </p:cNvPicPr>
+          <p:nvPr/>
+        </p:nvPicPr>
+        <p:blipFill>
+          <a:blip r:embed="rId5"/>
+          <a:stretch>
+            <a:fillRect/>
+          </a:stretch>
+        </p:blipFill>
+        <p:spPr>
+          <a:xfrm>
+            <a:off x="8071991" y="5345850"/>
+            <a:ext cx="9321091" cy="4117416"/>
+          </a:xfrm>
+          <a:prstGeom prst="rect">
+            <a:avLst/>
+          </a:prstGeom>
+        </p:spPr>
+      </p:pic>
+      <p:sp>
+        <p:nvSpPr>
+          <p:cNvPr id="39" name="직사각형 38">
+            <a:extLst>
+              <a:ext uri="{FF2B5EF4-FFF2-40B4-BE49-F238E27FC236}">
+                <a16:creationId xmlns:a16="http://schemas.microsoft.com/office/drawing/2014/main" id="{DB0A6C5F-CB0B-4CE0-B2E1-BD15EA82880C}"/>
               </a:ext>
             </a:extLst>
           </p:cNvPr>
@@ -20389,8 +26324,8 @@
         </p:nvSpPr>
         <p:spPr>
           <a:xfrm>
-            <a:off x="2893135" y="2095500"/>
-            <a:ext cx="6250865" cy="5715000"/>
+            <a:off x="9045129" y="5294970"/>
+            <a:ext cx="3947521" cy="4268130"/>
           </a:xfrm>
           <a:prstGeom prst="rect">
             <a:avLst/>
@@ -20429,10 +26364,10 @@
       </p:sp>
       <p:sp>
         <p:nvSpPr>
-          <p:cNvPr id="13" name="직사각형 12">
-            <a:extLst>
-              <a:ext uri="{FF2B5EF4-FFF2-40B4-BE49-F238E27FC236}">
-                <a16:creationId xmlns:a16="http://schemas.microsoft.com/office/drawing/2014/main" id="{B25700E5-004B-4363-FB71-8A29A6DFBF10}"/>
+          <p:cNvPr id="40" name="직사각형 39">
+            <a:extLst>
+              <a:ext uri="{FF2B5EF4-FFF2-40B4-BE49-F238E27FC236}">
+                <a16:creationId xmlns:a16="http://schemas.microsoft.com/office/drawing/2014/main" id="{B98B28F8-F995-4B9B-8A30-E2C5527AADDF}"/>
               </a:ext>
             </a:extLst>
           </p:cNvPr>
@@ -20441,8 +26376,8 @@
         </p:nvSpPr>
         <p:spPr>
           <a:xfrm flipH="1">
-            <a:off x="9390671" y="2133600"/>
-            <a:ext cx="6788420" cy="5676900"/>
+            <a:off x="13162804" y="5299814"/>
+            <a:ext cx="4286996" cy="4239676"/>
           </a:xfrm>
           <a:prstGeom prst="rect">
             <a:avLst/>
@@ -20475,14 +26410,101 @@
           <a:lstStyle/>
           <a:p>
             <a:pPr algn="ctr"/>
-            <a:endParaRPr lang="ko-KR" altLang="en-US"/>
-          </a:p>
-        </p:txBody>
-      </p:sp>
+            <a:endParaRPr lang="ko-KR" altLang="en-US" dirty="0"/>
+          </a:p>
+        </p:txBody>
+      </p:sp>
+      <p:sp>
+        <p:nvSpPr>
+          <p:cNvPr id="43" name="TextBox 8">
+            <a:extLst>
+              <a:ext uri="{FF2B5EF4-FFF2-40B4-BE49-F238E27FC236}">
+                <a16:creationId xmlns:a16="http://schemas.microsoft.com/office/drawing/2014/main" id="{5E1CE3FC-8C3C-49C2-86C0-2319BE8C23F6}"/>
+              </a:ext>
+            </a:extLst>
+          </p:cNvPr>
+          <p:cNvSpPr txBox="1"/>
+          <p:nvPr/>
+        </p:nvSpPr>
+        <p:spPr>
+          <a:xfrm>
+            <a:off x="1835150" y="789253"/>
+            <a:ext cx="13716000" cy="520700"/>
+          </a:xfrm>
+          <a:prstGeom prst="rect">
+            <a:avLst/>
+          </a:prstGeom>
+        </p:spPr>
+        <p:txBody>
+          <a:bodyPr lIns="0" tIns="0" rIns="0" bIns="0" rtlCol="0" anchor="ctr"/>
+          <a:lstStyle/>
+          <a:p>
+            <a:pPr lvl="0">
+              <a:lnSpc>
+                <a:spcPct val="92960"/>
+              </a:lnSpc>
+            </a:pPr>
+            <a:r>
+              <a:rPr lang="en-US" sz="2000" dirty="0">
+                <a:solidFill>
+                  <a:srgbClr val="393939"/>
+                </a:solidFill>
+                <a:latin typeface="Pretendard Bold"/>
+              </a:rPr>
+              <a:t>www.FitAI-Pro.com/</a:t>
+            </a:r>
+            <a:r>
+              <a:rPr lang="en-US" altLang="ko-KR" sz="2000" dirty="0">
+                <a:solidFill>
+                  <a:srgbClr val="393939"/>
+                </a:solidFill>
+                <a:latin typeface="Pretendard Bold"/>
+              </a:rPr>
+              <a:t>body_type/image_sort</a:t>
+            </a:r>
+            <a:endParaRPr lang="en-US" sz="2000" b="0" i="0" u="none" strike="noStrike" dirty="0">
+              <a:solidFill>
+                <a:srgbClr val="393939"/>
+              </a:solidFill>
+              <a:latin typeface="Pretendard Bold"/>
+            </a:endParaRPr>
+          </a:p>
+        </p:txBody>
+      </p:sp>
+      <p:pic>
+        <p:nvPicPr>
+          <p:cNvPr id="9" name="그림 8">
+            <a:extLst>
+              <a:ext uri="{FF2B5EF4-FFF2-40B4-BE49-F238E27FC236}">
+                <a16:creationId xmlns:a16="http://schemas.microsoft.com/office/drawing/2014/main" id="{A7C75D4F-B0A4-4AE5-B379-651E13334407}"/>
+              </a:ext>
+            </a:extLst>
+          </p:cNvPr>
+          <p:cNvPicPr>
+            <a:picLocks noChangeAspect="1"/>
+          </p:cNvPicPr>
+          <p:nvPr/>
+        </p:nvPicPr>
+        <p:blipFill>
+          <a:blip r:embed="rId6"/>
+          <a:stretch>
+            <a:fillRect/>
+          </a:stretch>
+        </p:blipFill>
+        <p:spPr>
+          <a:xfrm>
+            <a:off x="8071991" y="1461542"/>
+            <a:ext cx="9321091" cy="3494517"/>
+          </a:xfrm>
+          <a:prstGeom prst="rect">
+            <a:avLst/>
+          </a:prstGeom>
+        </p:spPr>
+      </p:pic>
     </p:spTree>
     <p:extLst>
       <p:ext uri="{BB962C8B-B14F-4D97-AF65-F5344CB8AC3E}">
-        <p14:creationId xmlns:p14="http://schemas.microsoft.com/office/powerpoint/2010/main" val="794199745"/>
+        <p14:creationId xmlns:p14="http://schemas.microsoft.com/office/powerpoint/2010/main" val="2756769649"/>
       </p:ext>
     </p:extLst>
   </p:cSld>

--- a/ppt/FitAI-Pro_CSM.pptx
+++ b/ppt/FitAI-Pro_CSM.pptx
@@ -10432,7 +10432,7 @@
               </a:lnSpc>
             </a:pPr>
             <a:r>
-              <a:rPr lang="en-US" sz="2300" b="0" i="0" u="none" strike="noStrike" dirty="0">
+              <a:rPr lang="en-US" sz="2000" b="0" i="0" u="none" strike="noStrike" dirty="0">
                 <a:solidFill>
                   <a:srgbClr val="393939"/>
                 </a:solidFill>
@@ -10441,7 +10441,7 @@
               <a:t>#</a:t>
             </a:r>
             <a:r>
-              <a:rPr lang="ko-KR" altLang="en-US" sz="2300" b="0" i="0" u="none" strike="noStrike" dirty="0">
+              <a:rPr lang="ko-KR" altLang="en-US" sz="2000" b="0" i="0" u="none" strike="noStrike" dirty="0">
                 <a:solidFill>
                   <a:srgbClr val="393939"/>
                 </a:solidFill>
@@ -10450,7 +10450,7 @@
               </a:rPr>
               <a:t>운동 자세 교정</a:t>
             </a:r>
-            <a:endParaRPr lang="ko-KR" sz="2300" b="0" i="0" u="none" strike="noStrike" dirty="0">
+            <a:endParaRPr lang="ko-KR" sz="2000" b="0" i="0" u="none" strike="noStrike" dirty="0">
               <a:solidFill>
                 <a:srgbClr val="393939"/>
               </a:solidFill>
@@ -10520,7 +10520,7 @@
               </a:lnSpc>
             </a:pPr>
             <a:r>
-              <a:rPr lang="en-US" sz="2300" b="0" i="0" u="none" strike="noStrike" dirty="0">
+              <a:rPr lang="en-US" sz="2000" b="0" i="0" u="none" strike="noStrike" dirty="0">
                 <a:solidFill>
                   <a:srgbClr val="393939"/>
                 </a:solidFill>
@@ -10529,7 +10529,7 @@
               <a:t>#</a:t>
             </a:r>
             <a:r>
-              <a:rPr lang="ko-KR" altLang="en-US" sz="2300" b="0" i="0" u="none" strike="noStrike" dirty="0">
+              <a:rPr lang="ko-KR" altLang="en-US" sz="2000" b="0" i="0" u="none" strike="noStrike" dirty="0">
                 <a:solidFill>
                   <a:srgbClr val="393939"/>
                 </a:solidFill>
@@ -10537,7 +10537,7 @@
               </a:rPr>
               <a:t>체형 분석</a:t>
             </a:r>
-            <a:endParaRPr lang="ko-KR" sz="2300" b="0" i="0" u="none" strike="noStrike" dirty="0">
+            <a:endParaRPr lang="ko-KR" sz="2000" b="0" i="0" u="none" strike="noStrike" dirty="0">
               <a:solidFill>
                 <a:srgbClr val="393939"/>
               </a:solidFill>
@@ -10637,7 +10637,7 @@
               </a:lnSpc>
             </a:pPr>
             <a:r>
-              <a:rPr lang="en-US" sz="2300" b="0" i="0" u="none" strike="noStrike" dirty="0">
+              <a:rPr lang="en-US" sz="2000" b="0" i="0" u="none" strike="noStrike" dirty="0">
                 <a:solidFill>
                   <a:srgbClr val="393939"/>
                 </a:solidFill>
@@ -10646,7 +10646,7 @@
               <a:t>#</a:t>
             </a:r>
             <a:r>
-              <a:rPr lang="ko-KR" altLang="en-US" sz="2300" b="0" i="0" u="none" strike="noStrike" dirty="0">
+              <a:rPr lang="ko-KR" altLang="en-US" sz="2000" b="0" i="0" u="none" strike="noStrike" dirty="0">
                 <a:solidFill>
                   <a:srgbClr val="393939"/>
                 </a:solidFill>
@@ -10654,7 +10654,7 @@
               </a:rPr>
               <a:t>식단 추천</a:t>
             </a:r>
-            <a:endParaRPr lang="ko-KR" sz="2300" b="0" i="0" u="none" strike="noStrike" dirty="0">
+            <a:endParaRPr lang="ko-KR" sz="2000" b="0" i="0" u="none" strike="noStrike" dirty="0">
               <a:solidFill>
                 <a:srgbClr val="393939"/>
               </a:solidFill>
@@ -10778,7 +10778,7 @@
         </p:blipFill>
         <p:spPr>
           <a:xfrm>
-            <a:off x="533400" y="482600"/>
+            <a:off x="539750" y="488950"/>
             <a:ext cx="17208500" cy="9309100"/>
           </a:xfrm>
           <a:prstGeom prst="rect">
@@ -11017,10 +11017,10 @@
         </p:nvGrpSpPr>
         <p:grpSpPr>
           <a:xfrm>
-            <a:off x="9309100" y="1714500"/>
-            <a:ext cx="7454900" cy="2197100"/>
-            <a:chOff x="9309100" y="4140200"/>
-            <a:chExt cx="7454900" cy="2197100"/>
+            <a:off x="9188450" y="2593975"/>
+            <a:ext cx="7454900" cy="2165350"/>
+            <a:chOff x="9245600" y="4140200"/>
+            <a:chExt cx="7454900" cy="2165350"/>
           </a:xfrm>
         </p:grpSpPr>
         <p:pic>
@@ -11045,7 +11045,7 @@
           </p:blipFill>
           <p:spPr>
             <a:xfrm>
-              <a:off x="9309100" y="4419600"/>
+              <a:off x="9245600" y="4387850"/>
               <a:ext cx="7454900" cy="1917700"/>
             </a:xfrm>
             <a:prstGeom prst="rect">
@@ -11084,18 +11084,27 @@
                 </a:lnSpc>
               </a:pPr>
               <a:r>
-                <a:rPr lang="en-US" altLang="ko-KR" sz="2000" dirty="0">
+                <a:rPr lang="en-US" sz="2000" i="0" u="none" strike="noStrike" dirty="0">
+                  <a:solidFill>
+                    <a:srgbClr val="393939"/>
+                  </a:solidFill>
                   <a:latin typeface="+mn-ea"/>
                 </a:rPr>
-                <a:t>VGG16: </a:t>
+                <a:t>CNN</a:t>
               </a:r>
               <a:r>
-                <a:rPr lang="ko-KR" altLang="en-US" sz="2000" dirty="0">
+                <a:rPr lang="ko-KR" altLang="en-US" sz="2000" i="0" u="none" strike="noStrike" dirty="0">
+                  <a:solidFill>
+                    <a:srgbClr val="393939"/>
+                  </a:solidFill>
                   <a:latin typeface="+mn-ea"/>
                 </a:rPr>
-                <a:t>신체 특징을 깊이 학습 가능</a:t>
+                <a:t>을 통한 회귀 예측과 분류 분석</a:t>
               </a:r>
-              <a:endParaRPr lang="en-US" altLang="ko-KR" sz="2000" dirty="0">
+              <a:endParaRPr lang="en-US" altLang="ko-KR" sz="2000" i="0" u="none" strike="noStrike" dirty="0">
+                <a:solidFill>
+                  <a:srgbClr val="393939"/>
+                </a:solidFill>
                 <a:latin typeface="+mn-ea"/>
               </a:endParaRPr>
             </a:p>
@@ -11106,17 +11115,90 @@
                 </a:lnSpc>
               </a:pPr>
               <a:r>
-                <a:rPr lang="en-US" altLang="ko-KR" sz="2000" dirty="0">
+                <a:rPr lang="en-US" altLang="ko-KR" sz="2000" dirty="0" err="1">
+                  <a:solidFill>
+                    <a:srgbClr val="393939"/>
+                  </a:solidFill>
                   <a:latin typeface="+mn-ea"/>
                 </a:rPr>
-                <a:t>EfficientNetB0: </a:t>
+                <a:t>EfficientNet</a:t>
+              </a:r>
+              <a:r>
+                <a:rPr lang="en-US" altLang="ko-KR" sz="2000" dirty="0">
+                  <a:solidFill>
+                    <a:srgbClr val="393939"/>
+                  </a:solidFill>
+                  <a:latin typeface="+mn-ea"/>
+                </a:rPr>
+                <a:t>, </a:t>
+              </a:r>
+              <a:r>
+                <a:rPr lang="en-US" altLang="ko-KR" sz="2000" dirty="0" err="1">
+                  <a:solidFill>
+                    <a:srgbClr val="393939"/>
+                  </a:solidFill>
+                  <a:latin typeface="+mn-ea"/>
+                </a:rPr>
+                <a:t>MobileNet</a:t>
+              </a:r>
+              <a:r>
+                <a:rPr lang="en-US" altLang="ko-KR" sz="2000" dirty="0">
+                  <a:solidFill>
+                    <a:srgbClr val="393939"/>
+                  </a:solidFill>
+                  <a:latin typeface="+mn-ea"/>
+                </a:rPr>
+                <a:t>, VGG16, </a:t>
+              </a:r>
+              <a:r>
+                <a:rPr lang="en-US" altLang="ko-KR" sz="2000" dirty="0" err="1">
+                  <a:solidFill>
+                    <a:srgbClr val="393939"/>
+                  </a:solidFill>
+                  <a:latin typeface="+mn-ea"/>
+                </a:rPr>
+                <a:t>ResNet</a:t>
+              </a:r>
+              <a:r>
+                <a:rPr lang="en-US" altLang="ko-KR" sz="2000" dirty="0">
+                  <a:solidFill>
+                    <a:srgbClr val="393939"/>
+                  </a:solidFill>
+                  <a:latin typeface="+mn-ea"/>
+                </a:rPr>
+                <a:t> </a:t>
               </a:r>
               <a:r>
                 <a:rPr lang="ko-KR" altLang="en-US" sz="2000" dirty="0">
+                  <a:solidFill>
+                    <a:srgbClr val="393939"/>
+                  </a:solidFill>
                   <a:latin typeface="+mn-ea"/>
                 </a:rPr>
-                <a:t>효율적인 특징 추출 가능</a:t>
+                <a:t>모델 사용하여 학습</a:t>
               </a:r>
+              <a:r>
+                <a:rPr lang="en-US" altLang="ko-KR" sz="2000" dirty="0">
+                  <a:solidFill>
+                    <a:srgbClr val="393939"/>
+                  </a:solidFill>
+                  <a:latin typeface="+mn-ea"/>
+                </a:rPr>
+                <a:t> </a:t>
+              </a:r>
+              <a:endParaRPr lang="en-US" altLang="ko-KR" sz="2000" i="0" u="none" strike="noStrike" dirty="0">
+                <a:solidFill>
+                  <a:srgbClr val="393939"/>
+                </a:solidFill>
+                <a:latin typeface="+mn-ea"/>
+              </a:endParaRPr>
+            </a:p>
+            <a:p>
+              <a:pPr lvl="0">
+                <a:lnSpc>
+                  <a:spcPct val="108729"/>
+                </a:lnSpc>
+              </a:pPr>
               <a:endParaRPr lang="en-US" sz="2000" i="0" u="none" strike="noStrike" dirty="0">
                 <a:solidFill>
                   <a:srgbClr val="393939"/>
@@ -11170,7 +11252,7 @@
           </p:nvSpPr>
           <p:spPr>
             <a:xfrm>
-              <a:off x="12420600" y="4178300"/>
+              <a:off x="12855575" y="4184650"/>
               <a:ext cx="1663700" cy="495300"/>
             </a:xfrm>
             <a:prstGeom prst="rect">
@@ -11187,13 +11269,217 @@
                 </a:lnSpc>
               </a:pPr>
               <a:r>
+                <a:rPr lang="en-US" altLang="ko-KR" sz="2000" b="1" i="0" u="none" strike="noStrike" dirty="0">
+                  <a:solidFill>
+                    <a:srgbClr val="393939"/>
+                  </a:solidFill>
+                  <a:ea typeface="Pretendard Bold"/>
+                </a:rPr>
+                <a:t>1</a:t>
+              </a:r>
+              <a:r>
                 <a:rPr lang="ko-KR" altLang="en-US" sz="2000" b="1" i="0" u="none" strike="noStrike" dirty="0">
                   <a:solidFill>
                     <a:srgbClr val="393939"/>
                   </a:solidFill>
-                  <a:latin typeface="Pretendard Bold"/>
+                  <a:ea typeface="Pretendard Bold"/>
                 </a:rPr>
-                <a:t>학습 편의성</a:t>
+                <a:t>안</a:t>
+              </a:r>
+              <a:endParaRPr lang="ko-KR" sz="2000" b="1" i="0" u="none" strike="noStrike" dirty="0">
+                <a:solidFill>
+                  <a:srgbClr val="393939"/>
+                </a:solidFill>
+                <a:ea typeface="Pretendard Bold"/>
+              </a:endParaRPr>
+            </a:p>
+          </p:txBody>
+        </p:sp>
+      </p:grpSp>
+      <p:grpSp>
+        <p:nvGrpSpPr>
+          <p:cNvPr id="4" name="그룹 3">
+            <a:extLst>
+              <a:ext uri="{FF2B5EF4-FFF2-40B4-BE49-F238E27FC236}">
+                <a16:creationId xmlns:a16="http://schemas.microsoft.com/office/drawing/2014/main" id="{ECAC6087-46EF-0223-C92D-2F1A45576833}"/>
+              </a:ext>
+            </a:extLst>
+          </p:cNvPr>
+          <p:cNvGrpSpPr/>
+          <p:nvPr/>
+        </p:nvGrpSpPr>
+        <p:grpSpPr>
+          <a:xfrm>
+            <a:off x="9312275" y="5981700"/>
+            <a:ext cx="7454900" cy="2197100"/>
+            <a:chOff x="9312275" y="4140200"/>
+            <a:chExt cx="7454900" cy="2197100"/>
+          </a:xfrm>
+        </p:grpSpPr>
+        <p:pic>
+          <p:nvPicPr>
+            <p:cNvPr id="5" name="Picture 15">
+              <a:extLst>
+                <a:ext uri="{FF2B5EF4-FFF2-40B4-BE49-F238E27FC236}">
+                  <a16:creationId xmlns:a16="http://schemas.microsoft.com/office/drawing/2014/main" id="{F6DC4F58-2585-9A2A-2AA6-017EF376C955}"/>
+                </a:ext>
+              </a:extLst>
+            </p:cNvPr>
+            <p:cNvPicPr>
+              <a:picLocks noChangeAspect="1"/>
+            </p:cNvPicPr>
+            <p:nvPr/>
+          </p:nvPicPr>
+          <p:blipFill>
+            <a:blip r:embed="rId4"/>
+            <a:stretch>
+              <a:fillRect/>
+            </a:stretch>
+          </p:blipFill>
+          <p:spPr>
+            <a:xfrm>
+              <a:off x="9312275" y="4419600"/>
+              <a:ext cx="7454900" cy="1917700"/>
+            </a:xfrm>
+            <a:prstGeom prst="rect">
+              <a:avLst/>
+            </a:prstGeom>
+          </p:spPr>
+        </p:pic>
+        <p:sp>
+          <p:nvSpPr>
+            <p:cNvPr id="6" name="TextBox 16">
+              <a:extLst>
+                <a:ext uri="{FF2B5EF4-FFF2-40B4-BE49-F238E27FC236}">
+                  <a16:creationId xmlns:a16="http://schemas.microsoft.com/office/drawing/2014/main" id="{039D63E2-E278-3166-64BC-DD8105DB94B7}"/>
+                </a:ext>
+              </a:extLst>
+            </p:cNvPr>
+            <p:cNvSpPr txBox="1"/>
+            <p:nvPr/>
+          </p:nvSpPr>
+          <p:spPr>
+            <a:xfrm>
+              <a:off x="9499600" y="4984750"/>
+              <a:ext cx="7073900" cy="787400"/>
+            </a:xfrm>
+            <a:prstGeom prst="rect">
+              <a:avLst/>
+            </a:prstGeom>
+          </p:spPr>
+          <p:txBody>
+            <a:bodyPr lIns="0" tIns="0" rIns="0" bIns="0" rtlCol="0" anchor="ctr"/>
+            <a:lstStyle/>
+            <a:p>
+              <a:pPr lvl="0">
+                <a:lnSpc>
+                  <a:spcPct val="108729"/>
+                </a:lnSpc>
+              </a:pPr>
+              <a:r>
+                <a:rPr lang="en-US" altLang="ko-KR" sz="2000" dirty="0">
+                  <a:latin typeface="+mn-ea"/>
+                </a:rPr>
+                <a:t>CNN</a:t>
+              </a:r>
+              <a:r>
+                <a:rPr lang="ko-KR" altLang="en-US" sz="2000" dirty="0">
+                  <a:latin typeface="+mn-ea"/>
+                </a:rPr>
+                <a:t>모델끼리 조합하여 특징벡터 추출하여 </a:t>
+              </a:r>
+              <a:r>
+                <a:rPr lang="en-US" altLang="ko-KR" sz="2000" dirty="0">
+                  <a:latin typeface="+mn-ea"/>
+                </a:rPr>
+                <a:t>ML</a:t>
+              </a:r>
+              <a:endParaRPr lang="en-US" sz="2000" i="0" u="none" strike="noStrike" dirty="0">
+                <a:solidFill>
+                  <a:srgbClr val="393939"/>
+                </a:solidFill>
+                <a:latin typeface="+mn-ea"/>
+              </a:endParaRPr>
+            </a:p>
+          </p:txBody>
+        </p:sp>
+        <p:pic>
+          <p:nvPicPr>
+            <p:cNvPr id="7" name="Picture 17">
+              <a:extLst>
+                <a:ext uri="{FF2B5EF4-FFF2-40B4-BE49-F238E27FC236}">
+                  <a16:creationId xmlns:a16="http://schemas.microsoft.com/office/drawing/2014/main" id="{C3617C36-897A-E897-8596-4922CC5704D1}"/>
+                </a:ext>
+              </a:extLst>
+            </p:cNvPr>
+            <p:cNvPicPr>
+              <a:picLocks noChangeAspect="1"/>
+            </p:cNvPicPr>
+            <p:nvPr/>
+          </p:nvPicPr>
+          <p:blipFill>
+            <a:blip r:embed="rId5"/>
+            <a:stretch>
+              <a:fillRect/>
+            </a:stretch>
+          </p:blipFill>
+          <p:spPr>
+            <a:xfrm>
+              <a:off x="12014200" y="4140200"/>
+              <a:ext cx="2044700" cy="584200"/>
+            </a:xfrm>
+            <a:prstGeom prst="rect">
+              <a:avLst/>
+            </a:prstGeom>
+          </p:spPr>
+        </p:pic>
+        <p:sp>
+          <p:nvSpPr>
+            <p:cNvPr id="12" name="TextBox 18">
+              <a:extLst>
+                <a:ext uri="{FF2B5EF4-FFF2-40B4-BE49-F238E27FC236}">
+                  <a16:creationId xmlns:a16="http://schemas.microsoft.com/office/drawing/2014/main" id="{A4C42645-AA60-1D8E-57C3-B0F2520DDA6A}"/>
+                </a:ext>
+              </a:extLst>
+            </p:cNvPr>
+            <p:cNvSpPr txBox="1"/>
+            <p:nvPr/>
+          </p:nvSpPr>
+          <p:spPr>
+            <a:xfrm>
+              <a:off x="12887325" y="4184650"/>
+              <a:ext cx="1663700" cy="495300"/>
+            </a:xfrm>
+            <a:prstGeom prst="rect">
+              <a:avLst/>
+            </a:prstGeom>
+          </p:spPr>
+          <p:txBody>
+            <a:bodyPr lIns="0" tIns="0" rIns="0" bIns="0" rtlCol="0" anchor="ctr"/>
+            <a:lstStyle/>
+            <a:p>
+              <a:pPr lvl="0" algn="l">
+                <a:lnSpc>
+                  <a:spcPct val="108729"/>
+                </a:lnSpc>
+              </a:pPr>
+              <a:r>
+                <a:rPr lang="en-US" altLang="ko-KR" sz="2000" b="1" dirty="0">
+                  <a:solidFill>
+                    <a:srgbClr val="393939"/>
+                  </a:solidFill>
+                  <a:ea typeface="Pretendard Bold"/>
+                </a:rPr>
+                <a:t>2</a:t>
+              </a:r>
+              <a:r>
+                <a:rPr lang="ko-KR" altLang="en-US" sz="2000" b="1" i="0" u="none" strike="noStrike" dirty="0">
+                  <a:solidFill>
+                    <a:srgbClr val="393939"/>
+                  </a:solidFill>
+                  <a:ea typeface="Pretendard Bold"/>
+                </a:rPr>
+                <a:t>안</a:t>
               </a:r>
               <a:endParaRPr lang="ko-KR" sz="2000" b="1" i="0" u="none" strike="noStrike" dirty="0">
                 <a:solidFill>
@@ -11555,10 +11841,6 @@
                 <a:spcPct val="108729"/>
               </a:lnSpc>
             </a:pPr>
-            <a:r>
-              <a:rPr lang="ko-KR" altLang="en-US" sz="2000" dirty="0"/>
-              <a:t> </a:t>
-            </a:r>
             <a:r>
               <a:rPr lang="en-US" altLang="ko-KR" sz="2000" dirty="0"/>
               <a:t>VGG16</a:t>
